--- a/Slides/PresentationDS.pptx
+++ b/Slides/PresentationDS.pptx
@@ -5,7 +5,7 @@
     <p:sldMasterId id="2147483648" r:id="rId1"/>
   </p:sldMasterIdLst>
   <p:notesMasterIdLst>
-    <p:notesMasterId r:id="rId13"/>
+    <p:notesMasterId r:id="rId16"/>
   </p:notesMasterIdLst>
   <p:sldIdLst>
     <p:sldId id="256" r:id="rId2"/>
@@ -16,9 +16,12 @@
     <p:sldId id="287" r:id="rId7"/>
     <p:sldId id="305" r:id="rId8"/>
     <p:sldId id="285" r:id="rId9"/>
-    <p:sldId id="306" r:id="rId10"/>
-    <p:sldId id="288" r:id="rId11"/>
-    <p:sldId id="275" r:id="rId12"/>
+    <p:sldId id="308" r:id="rId10"/>
+    <p:sldId id="309" r:id="rId11"/>
+    <p:sldId id="307" r:id="rId12"/>
+    <p:sldId id="306" r:id="rId13"/>
+    <p:sldId id="288" r:id="rId14"/>
+    <p:sldId id="275" r:id="rId15"/>
   </p:sldIdLst>
   <p:sldSz cx="12192000" cy="6858000"/>
   <p:notesSz cx="6858000" cy="9144000"/>
@@ -945,6 +948,150 @@
     <p:extLst>
       <p:ext uri="{BB962C8B-B14F-4D97-AF65-F5344CB8AC3E}">
         <p14:creationId xmlns:p14="http://schemas.microsoft.com/office/powerpoint/2010/main" val="51345534"/>
+      </p:ext>
+    </p:extLst>
+  </p:cSld>
+  <p:clrMapOvr>
+    <a:masterClrMapping/>
+  </p:clrMapOvr>
+</p:notes>
+</file>
+
+<file path=ppt/notesSlides/notesSlide4.xml><?xml version="1.0" encoding="utf-8"?>
+<p:notes xmlns:a="http://schemas.openxmlformats.org/drawingml/2006/main" xmlns:r="http://schemas.openxmlformats.org/officeDocument/2006/relationships" xmlns:p="http://schemas.openxmlformats.org/presentationml/2006/main">
+  <p:cSld>
+    <p:spTree>
+      <p:nvGrpSpPr>
+        <p:cNvPr id="1" name=""/>
+        <p:cNvGrpSpPr/>
+        <p:nvPr/>
+      </p:nvGrpSpPr>
+      <p:grpSpPr>
+        <a:xfrm>
+          <a:off x="0" y="0"/>
+          <a:ext cx="0" cy="0"/>
+          <a:chOff x="0" y="0"/>
+          <a:chExt cx="0" cy="0"/>
+        </a:xfrm>
+      </p:grpSpPr>
+      <p:sp>
+        <p:nvSpPr>
+          <p:cNvPr id="2" name="Slide Image Placeholder 1"/>
+          <p:cNvSpPr>
+            <a:spLocks noGrp="1" noRot="1" noChangeAspect="1"/>
+          </p:cNvSpPr>
+          <p:nvPr>
+            <p:ph type="sldImg"/>
+          </p:nvPr>
+        </p:nvSpPr>
+        <p:spPr/>
+      </p:sp>
+      <p:sp>
+        <p:nvSpPr>
+          <p:cNvPr id="3" name="Notes Placeholder 2"/>
+          <p:cNvSpPr>
+            <a:spLocks noGrp="1"/>
+          </p:cNvSpPr>
+          <p:nvPr>
+            <p:ph type="body" idx="1"/>
+          </p:nvPr>
+        </p:nvSpPr>
+        <p:spPr/>
+        <p:txBody>
+          <a:bodyPr/>
+          <a:lstStyle/>
+          <a:p>
+            <a:endParaRPr lang="en-US" dirty="0"/>
+          </a:p>
+        </p:txBody>
+      </p:sp>
+      <p:sp>
+        <p:nvSpPr>
+          <p:cNvPr id="4" name="Slide Number Placeholder 3"/>
+          <p:cNvSpPr>
+            <a:spLocks noGrp="1"/>
+          </p:cNvSpPr>
+          <p:nvPr>
+            <p:ph type="sldNum" sz="quarter" idx="10"/>
+          </p:nvPr>
+        </p:nvSpPr>
+        <p:spPr/>
+        <p:txBody>
+          <a:bodyPr/>
+          <a:lstStyle/>
+          <a:p>
+            <a:pPr marL="0" marR="0" lvl="0" indent="0" algn="r" defTabSz="914400" rtl="0" eaLnBrk="1" fontAlgn="auto" latinLnBrk="0" hangingPunct="1">
+              <a:lnSpc>
+                <a:spcPct val="100000"/>
+              </a:lnSpc>
+              <a:spcBef>
+                <a:spcPts val="0"/>
+              </a:spcBef>
+              <a:spcAft>
+                <a:spcPts val="0"/>
+              </a:spcAft>
+              <a:buClrTx/>
+              <a:buSzTx/>
+              <a:buFontTx/>
+              <a:buNone/>
+              <a:tabLst/>
+              <a:defRPr/>
+            </a:pPr>
+            <a:fld id="{F8E8EE67-7A75-494E-98A3-D8E57C5B2CB1}" type="slidenum">
+              <a:rPr kumimoji="0" lang="en-US" sz="1200" b="0" i="0" u="none" strike="noStrike" kern="1200" cap="none" spc="0" normalizeH="0" baseline="0" noProof="0" smtClean="0">
+                <a:ln>
+                  <a:noFill/>
+                </a:ln>
+                <a:solidFill>
+                  <a:prstClr val="black"/>
+                </a:solidFill>
+                <a:effectLst/>
+                <a:uLnTx/>
+                <a:uFillTx/>
+                <a:latin typeface="Calibri" panose="020F0502020204030204"/>
+                <a:ea typeface="+mn-ea"/>
+                <a:cs typeface="+mn-cs"/>
+              </a:rPr>
+              <a:pPr marL="0" marR="0" lvl="0" indent="0" algn="r" defTabSz="914400" rtl="0" eaLnBrk="1" fontAlgn="auto" latinLnBrk="0" hangingPunct="1">
+                <a:lnSpc>
+                  <a:spcPct val="100000"/>
+                </a:lnSpc>
+                <a:spcBef>
+                  <a:spcPts val="0"/>
+                </a:spcBef>
+                <a:spcAft>
+                  <a:spcPts val="0"/>
+                </a:spcAft>
+                <a:buClrTx/>
+                <a:buSzTx/>
+                <a:buFontTx/>
+                <a:buNone/>
+                <a:tabLst/>
+                <a:defRPr/>
+              </a:pPr>
+              <a:t>10</a:t>
+            </a:fld>
+            <a:endParaRPr kumimoji="0" lang="en-US" sz="1200" b="0" i="0" u="none" strike="noStrike" kern="1200" cap="none" spc="0" normalizeH="0" baseline="0" noProof="0" dirty="0">
+              <a:ln>
+                <a:noFill/>
+              </a:ln>
+              <a:solidFill>
+                <a:prstClr val="black"/>
+              </a:solidFill>
+              <a:effectLst/>
+              <a:uLnTx/>
+              <a:uFillTx/>
+              <a:latin typeface="Calibri" panose="020F0502020204030204"/>
+              <a:ea typeface="+mn-ea"/>
+              <a:cs typeface="+mn-cs"/>
+            </a:endParaRPr>
+          </a:p>
+        </p:txBody>
+      </p:sp>
+    </p:spTree>
+    <p:extLst>
+      <p:ext uri="{BB962C8B-B14F-4D97-AF65-F5344CB8AC3E}">
+        <p14:creationId xmlns:p14="http://schemas.microsoft.com/office/powerpoint/2010/main" val="4085565465"/>
       </p:ext>
     </p:extLst>
   </p:cSld>
@@ -7892,6 +8039,4847 @@
   <p:cSld>
     <p:spTree>
       <p:nvGrpSpPr>
+        <p:cNvPr id="1" name=""/>
+        <p:cNvGrpSpPr/>
+        <p:nvPr/>
+      </p:nvGrpSpPr>
+      <p:grpSpPr>
+        <a:xfrm>
+          <a:off x="0" y="0"/>
+          <a:ext cx="0" cy="0"/>
+          <a:chOff x="0" y="0"/>
+          <a:chExt cx="0" cy="0"/>
+        </a:xfrm>
+      </p:grpSpPr>
+      <p:sp>
+        <p:nvSpPr>
+          <p:cNvPr id="3" name="Rectangle 43">
+            <a:extLst>
+              <a:ext uri="{FF2B5EF4-FFF2-40B4-BE49-F238E27FC236}">
+                <a16:creationId xmlns:a16="http://schemas.microsoft.com/office/drawing/2014/main" id="{7C45D93B-E88A-3EA1-50F6-0582EE797F5D}"/>
+              </a:ext>
+            </a:extLst>
+          </p:cNvPr>
+          <p:cNvSpPr/>
+          <p:nvPr/>
+        </p:nvSpPr>
+        <p:spPr>
+          <a:xfrm>
+            <a:off x="2732747" y="208783"/>
+            <a:ext cx="6726506" cy="461665"/>
+          </a:xfrm>
+          <a:prstGeom prst="rect">
+            <a:avLst/>
+          </a:prstGeom>
+        </p:spPr>
+        <p:txBody>
+          <a:bodyPr wrap="square" lIns="0" tIns="0" rIns="0" bIns="0">
+            <a:spAutoFit/>
+          </a:bodyPr>
+          <a:lstStyle/>
+          <a:p>
+            <a:pPr marL="0" marR="0" lvl="0" indent="0" algn="ctr" defTabSz="914400" rtl="0" eaLnBrk="1" fontAlgn="auto" latinLnBrk="0" hangingPunct="1">
+              <a:lnSpc>
+                <a:spcPct val="100000"/>
+              </a:lnSpc>
+              <a:spcBef>
+                <a:spcPts val="0"/>
+              </a:spcBef>
+              <a:spcAft>
+                <a:spcPts val="0"/>
+              </a:spcAft>
+              <a:buClrTx/>
+              <a:buSzTx/>
+              <a:buFontTx/>
+              <a:buNone/>
+              <a:tabLst/>
+              <a:defRPr/>
+            </a:pPr>
+            <a:r>
+              <a:rPr lang="en-US" sz="3000" b="1" dirty="0">
+                <a:solidFill>
+                  <a:srgbClr val="083D65"/>
+                </a:solidFill>
+                <a:latin typeface="Segoe UI" panose="020B0502040204020203" pitchFamily="34" charset="0"/>
+                <a:cs typeface="Segoe UI" panose="020B0502040204020203" pitchFamily="34" charset="0"/>
+              </a:rPr>
+              <a:t>General Structure</a:t>
+            </a:r>
+            <a:endParaRPr kumimoji="0" lang="en-US" sz="3000" b="1" i="0" u="none" strike="noStrike" kern="1200" cap="none" spc="0" normalizeH="0" baseline="0" noProof="0" dirty="0">
+              <a:ln>
+                <a:noFill/>
+              </a:ln>
+              <a:solidFill>
+                <a:srgbClr val="083D65"/>
+              </a:solidFill>
+              <a:effectLst/>
+              <a:uLnTx/>
+              <a:uFillTx/>
+              <a:latin typeface="Segoe UI" panose="020B0502040204020203" pitchFamily="34" charset="0"/>
+              <a:ea typeface="+mn-ea"/>
+              <a:cs typeface="Segoe UI" panose="020B0502040204020203" pitchFamily="34" charset="0"/>
+            </a:endParaRPr>
+          </a:p>
+        </p:txBody>
+      </p:sp>
+      <p:sp>
+        <p:nvSpPr>
+          <p:cNvPr id="184" name="Rounded Rectangle 109">
+            <a:extLst>
+              <a:ext uri="{FF2B5EF4-FFF2-40B4-BE49-F238E27FC236}">
+                <a16:creationId xmlns:a16="http://schemas.microsoft.com/office/drawing/2014/main" id="{FE924B0A-EE56-47DC-A2B2-4E228E4169C0}"/>
+              </a:ext>
+            </a:extLst>
+          </p:cNvPr>
+          <p:cNvSpPr/>
+          <p:nvPr/>
+        </p:nvSpPr>
+        <p:spPr>
+          <a:xfrm>
+            <a:off x="10744964" y="6914539"/>
+            <a:ext cx="2094671" cy="354514"/>
+          </a:xfrm>
+          <a:prstGeom prst="roundRect">
+            <a:avLst>
+              <a:gd name="adj" fmla="val 50000"/>
+            </a:avLst>
+          </a:prstGeom>
+          <a:noFill/>
+          <a:ln>
+            <a:noFill/>
+          </a:ln>
+        </p:spPr>
+        <p:style>
+          <a:lnRef idx="2">
+            <a:schemeClr val="accent1">
+              <a:shade val="50000"/>
+            </a:schemeClr>
+          </a:lnRef>
+          <a:fillRef idx="1">
+            <a:schemeClr val="accent1"/>
+          </a:fillRef>
+          <a:effectRef idx="0">
+            <a:schemeClr val="accent1"/>
+          </a:effectRef>
+          <a:fontRef idx="minor">
+            <a:schemeClr val="lt1"/>
+          </a:fontRef>
+        </p:style>
+        <p:txBody>
+          <a:bodyPr rtlCol="0" anchor="ctr"/>
+          <a:lstStyle/>
+          <a:p>
+            <a:pPr marL="0" marR="0" lvl="0" indent="0" algn="ctr" defTabSz="914400" rtl="0" eaLnBrk="1" fontAlgn="auto" latinLnBrk="0" hangingPunct="1">
+              <a:lnSpc>
+                <a:spcPct val="100000"/>
+              </a:lnSpc>
+              <a:spcBef>
+                <a:spcPts val="0"/>
+              </a:spcBef>
+              <a:spcAft>
+                <a:spcPts val="0"/>
+              </a:spcAft>
+              <a:buClrTx/>
+              <a:buSzTx/>
+              <a:buFontTx/>
+              <a:buNone/>
+              <a:tabLst/>
+              <a:defRPr/>
+            </a:pPr>
+            <a:endParaRPr kumimoji="0" lang="en-US" sz="1200" b="0" i="0" u="none" strike="noStrike" kern="1200" cap="none" spc="0" normalizeH="0" baseline="0" noProof="0" dirty="0">
+              <a:ln>
+                <a:noFill/>
+              </a:ln>
+              <a:solidFill>
+                <a:prstClr val="white"/>
+              </a:solidFill>
+              <a:effectLst/>
+              <a:uLnTx/>
+              <a:uFillTx/>
+              <a:latin typeface="Calibri Light" panose="020F0302020204030204"/>
+              <a:ea typeface="+mn-ea"/>
+              <a:cs typeface="+mn-cs"/>
+            </a:endParaRPr>
+          </a:p>
+        </p:txBody>
+      </p:sp>
+      <p:sp>
+        <p:nvSpPr>
+          <p:cNvPr id="16" name="Freeform: Shape 59">
+            <a:extLst>
+              <a:ext uri="{FF2B5EF4-FFF2-40B4-BE49-F238E27FC236}">
+                <a16:creationId xmlns:a16="http://schemas.microsoft.com/office/drawing/2014/main" id="{7DFA0E28-8623-6007-9115-21515AC6345F}"/>
+              </a:ext>
+            </a:extLst>
+          </p:cNvPr>
+          <p:cNvSpPr/>
+          <p:nvPr/>
+        </p:nvSpPr>
+        <p:spPr>
+          <a:xfrm flipH="1">
+            <a:off x="-791939" y="5721910"/>
+            <a:ext cx="14369144" cy="1166882"/>
+          </a:xfrm>
+          <a:custGeom>
+            <a:avLst/>
+            <a:gdLst>
+              <a:gd name="connsiteX0" fmla="*/ 1310303 w 10988503"/>
+              <a:gd name="connsiteY0" fmla="*/ 22 h 1869882"/>
+              <a:gd name="connsiteX1" fmla="*/ 6483550 w 10988503"/>
+              <a:gd name="connsiteY1" fmla="*/ 1580690 h 1869882"/>
+              <a:gd name="connsiteX2" fmla="*/ 10974880 w 10988503"/>
+              <a:gd name="connsiteY2" fmla="*/ 1866382 h 1869882"/>
+              <a:gd name="connsiteX3" fmla="*/ 10988503 w 10988503"/>
+              <a:gd name="connsiteY3" fmla="*/ 1869882 h 1869882"/>
+              <a:gd name="connsiteX4" fmla="*/ 0 w 10988503"/>
+              <a:gd name="connsiteY4" fmla="*/ 1869882 h 1869882"/>
+              <a:gd name="connsiteX5" fmla="*/ 0 w 10988503"/>
+              <a:gd name="connsiteY5" fmla="*/ 1794198 h 1869882"/>
+              <a:gd name="connsiteX6" fmla="*/ 0 w 10988503"/>
+              <a:gd name="connsiteY6" fmla="*/ 334669 h 1869882"/>
+              <a:gd name="connsiteX7" fmla="*/ 1310303 w 10988503"/>
+              <a:gd name="connsiteY7" fmla="*/ 22 h 1869882"/>
+            </a:gdLst>
+            <a:ahLst/>
+            <a:cxnLst>
+              <a:cxn ang="0">
+                <a:pos x="connsiteX0" y="connsiteY0"/>
+              </a:cxn>
+              <a:cxn ang="0">
+                <a:pos x="connsiteX1" y="connsiteY1"/>
+              </a:cxn>
+              <a:cxn ang="0">
+                <a:pos x="connsiteX2" y="connsiteY2"/>
+              </a:cxn>
+              <a:cxn ang="0">
+                <a:pos x="connsiteX3" y="connsiteY3"/>
+              </a:cxn>
+              <a:cxn ang="0">
+                <a:pos x="connsiteX4" y="connsiteY4"/>
+              </a:cxn>
+              <a:cxn ang="0">
+                <a:pos x="connsiteX5" y="connsiteY5"/>
+              </a:cxn>
+              <a:cxn ang="0">
+                <a:pos x="connsiteX6" y="connsiteY6"/>
+              </a:cxn>
+              <a:cxn ang="0">
+                <a:pos x="connsiteX7" y="connsiteY7"/>
+              </a:cxn>
+            </a:cxnLst>
+            <a:rect l="l" t="t" r="r" b="b"/>
+            <a:pathLst>
+              <a:path w="10988503" h="1869882">
+                <a:moveTo>
+                  <a:pt x="1310303" y="22"/>
+                </a:moveTo>
+                <a:cubicBezTo>
+                  <a:pt x="3087798" y="-7336"/>
+                  <a:pt x="4449871" y="1761474"/>
+                  <a:pt x="6483550" y="1580690"/>
+                </a:cubicBezTo>
+                <a:cubicBezTo>
+                  <a:pt x="8348226" y="1415442"/>
+                  <a:pt x="9844847" y="1591559"/>
+                  <a:pt x="10974880" y="1866382"/>
+                </a:cubicBezTo>
+                <a:lnTo>
+                  <a:pt x="10988503" y="1869882"/>
+                </a:lnTo>
+                <a:lnTo>
+                  <a:pt x="0" y="1869882"/>
+                </a:lnTo>
+                <a:lnTo>
+                  <a:pt x="0" y="1794198"/>
+                </a:lnTo>
+                <a:cubicBezTo>
+                  <a:pt x="0" y="1432462"/>
+                  <a:pt x="0" y="957720"/>
+                  <a:pt x="0" y="334669"/>
+                </a:cubicBezTo>
+                <a:cubicBezTo>
+                  <a:pt x="467797" y="98006"/>
+                  <a:pt x="900111" y="1719"/>
+                  <a:pt x="1310303" y="22"/>
+                </a:cubicBezTo>
+                <a:close/>
+              </a:path>
+            </a:pathLst>
+          </a:custGeom>
+          <a:gradFill>
+            <a:gsLst>
+              <a:gs pos="43750">
+                <a:schemeClr val="accent1">
+                  <a:lumMod val="77000"/>
+                </a:schemeClr>
+              </a:gs>
+              <a:gs pos="42000">
+                <a:schemeClr val="accent1">
+                  <a:lumMod val="75000"/>
+                </a:schemeClr>
+              </a:gs>
+              <a:gs pos="0">
+                <a:srgbClr val="393762"/>
+              </a:gs>
+              <a:gs pos="77000">
+                <a:schemeClr val="accent1">
+                  <a:lumMod val="60000"/>
+                  <a:lumOff val="40000"/>
+                </a:schemeClr>
+              </a:gs>
+              <a:gs pos="100000">
+                <a:srgbClr val="0CFA00"/>
+              </a:gs>
+            </a:gsLst>
+            <a:lin ang="2700000" scaled="1"/>
+          </a:gradFill>
+          <a:ln>
+            <a:noFill/>
+          </a:ln>
+        </p:spPr>
+        <p:style>
+          <a:lnRef idx="2">
+            <a:schemeClr val="accent1">
+              <a:shade val="50000"/>
+            </a:schemeClr>
+          </a:lnRef>
+          <a:fillRef idx="1">
+            <a:schemeClr val="accent1"/>
+          </a:fillRef>
+          <a:effectRef idx="0">
+            <a:schemeClr val="accent1"/>
+          </a:effectRef>
+          <a:fontRef idx="minor">
+            <a:schemeClr val="lt1"/>
+          </a:fontRef>
+        </p:style>
+        <p:txBody>
+          <a:bodyPr rtlCol="0" anchor="ctr"/>
+          <a:lstStyle/>
+          <a:p>
+            <a:pPr algn="ctr"/>
+            <a:endParaRPr lang="en-US" dirty="0"/>
+          </a:p>
+        </p:txBody>
+      </p:sp>
+      <p:sp>
+        <p:nvSpPr>
+          <p:cNvPr id="4" name="Rectangle 167">
+            <a:extLst>
+              <a:ext uri="{FF2B5EF4-FFF2-40B4-BE49-F238E27FC236}">
+                <a16:creationId xmlns:a16="http://schemas.microsoft.com/office/drawing/2014/main" id="{93A010AE-1004-F3D8-8565-7DF045B9BA94}"/>
+              </a:ext>
+            </a:extLst>
+          </p:cNvPr>
+          <p:cNvSpPr/>
+          <p:nvPr/>
+        </p:nvSpPr>
+        <p:spPr>
+          <a:xfrm flipV="1">
+            <a:off x="95251" y="727507"/>
+            <a:ext cx="12001499" cy="18000"/>
+          </a:xfrm>
+          <a:prstGeom prst="rect">
+            <a:avLst/>
+          </a:prstGeom>
+          <a:solidFill>
+            <a:schemeClr val="accent1">
+              <a:lumMod val="50000"/>
+            </a:schemeClr>
+          </a:solidFill>
+          <a:ln>
+            <a:noFill/>
+          </a:ln>
+        </p:spPr>
+        <p:style>
+          <a:lnRef idx="2">
+            <a:schemeClr val="accent1">
+              <a:shade val="50000"/>
+            </a:schemeClr>
+          </a:lnRef>
+          <a:fillRef idx="1">
+            <a:schemeClr val="accent1"/>
+          </a:fillRef>
+          <a:effectRef idx="0">
+            <a:schemeClr val="accent1"/>
+          </a:effectRef>
+          <a:fontRef idx="minor">
+            <a:schemeClr val="lt1"/>
+          </a:fontRef>
+        </p:style>
+        <p:txBody>
+          <a:bodyPr rtlCol="0" anchor="ctr"/>
+          <a:lstStyle/>
+          <a:p>
+            <a:pPr marL="0" marR="0" lvl="0" indent="0" algn="ctr" defTabSz="914400" rtl="0" eaLnBrk="1" fontAlgn="auto" latinLnBrk="0" hangingPunct="1">
+              <a:lnSpc>
+                <a:spcPct val="100000"/>
+              </a:lnSpc>
+              <a:spcBef>
+                <a:spcPts val="0"/>
+              </a:spcBef>
+              <a:spcAft>
+                <a:spcPts val="0"/>
+              </a:spcAft>
+              <a:buClrTx/>
+              <a:buSzTx/>
+              <a:buFontTx/>
+              <a:buNone/>
+              <a:tabLst/>
+              <a:defRPr/>
+            </a:pPr>
+            <a:endParaRPr kumimoji="0" lang="en-US" sz="1800" b="0" i="0" u="none" strike="noStrike" kern="1200" cap="none" spc="0" normalizeH="0" baseline="0" noProof="0" dirty="0">
+              <a:ln>
+                <a:noFill/>
+              </a:ln>
+              <a:solidFill>
+                <a:prstClr val="white"/>
+              </a:solidFill>
+              <a:effectLst/>
+              <a:uLnTx/>
+              <a:uFillTx/>
+              <a:latin typeface="Calibri" panose="020F0502020204030204"/>
+              <a:ea typeface="+mn-ea"/>
+              <a:cs typeface="+mn-cs"/>
+            </a:endParaRPr>
+          </a:p>
+        </p:txBody>
+      </p:sp>
+      <p:sp>
+        <p:nvSpPr>
+          <p:cNvPr id="8" name="TextBox 64">
+            <a:extLst>
+              <a:ext uri="{FF2B5EF4-FFF2-40B4-BE49-F238E27FC236}">
+                <a16:creationId xmlns:a16="http://schemas.microsoft.com/office/drawing/2014/main" id="{AA63D276-6D50-5869-1475-762BE163F00A}"/>
+              </a:ext>
+            </a:extLst>
+          </p:cNvPr>
+          <p:cNvSpPr txBox="1"/>
+          <p:nvPr/>
+        </p:nvSpPr>
+        <p:spPr>
+          <a:xfrm>
+            <a:off x="455745" y="1663322"/>
+            <a:ext cx="11873776" cy="1938992"/>
+          </a:xfrm>
+          <a:prstGeom prst="rect">
+            <a:avLst/>
+          </a:prstGeom>
+          <a:noFill/>
+          <a:ln>
+            <a:noFill/>
+          </a:ln>
+        </p:spPr>
+        <p:txBody>
+          <a:bodyPr wrap="square" lIns="0" tIns="0" rIns="0" bIns="0" rtlCol="0" anchor="ctr">
+            <a:spAutoFit/>
+          </a:bodyPr>
+          <a:lstStyle/>
+          <a:p>
+            <a:pPr>
+              <a:buClr>
+                <a:srgbClr val="002060"/>
+              </a:buClr>
+            </a:pPr>
+            <a:r>
+              <a:rPr lang="en-US" dirty="0">
+                <a:solidFill>
+                  <a:srgbClr val="002060"/>
+                </a:solidFill>
+                <a:latin typeface="Segoe UI" panose="020B0502040204020203" pitchFamily="34" charset="0"/>
+                <a:cs typeface="Segoe UI" panose="020B0502040204020203" pitchFamily="34" charset="0"/>
+              </a:rPr>
+              <a:t>We use the same “user” interface for the different bots.</a:t>
+            </a:r>
+          </a:p>
+          <a:p>
+            <a:pPr>
+              <a:buClr>
+                <a:srgbClr val="002060"/>
+              </a:buClr>
+            </a:pPr>
+            <a:endParaRPr lang="en-US" dirty="0">
+              <a:solidFill>
+                <a:srgbClr val="002060"/>
+              </a:solidFill>
+              <a:latin typeface="Segoe UI" panose="020B0502040204020203" pitchFamily="34" charset="0"/>
+              <a:cs typeface="Segoe UI" panose="020B0502040204020203" pitchFamily="34" charset="0"/>
+            </a:endParaRPr>
+          </a:p>
+          <a:p>
+            <a:pPr>
+              <a:buClr>
+                <a:srgbClr val="002060"/>
+              </a:buClr>
+            </a:pPr>
+            <a:r>
+              <a:rPr lang="en-US" dirty="0">
+                <a:solidFill>
+                  <a:srgbClr val="002060"/>
+                </a:solidFill>
+                <a:latin typeface="Segoe UI" panose="020B0502040204020203" pitchFamily="34" charset="0"/>
+                <a:cs typeface="Segoe UI" panose="020B0502040204020203" pitchFamily="34" charset="0"/>
+              </a:rPr>
+              <a:t>We adapt the model/parameters based o a session variable</a:t>
+            </a:r>
+          </a:p>
+          <a:p>
+            <a:pPr>
+              <a:buClr>
+                <a:srgbClr val="002060"/>
+              </a:buClr>
+            </a:pPr>
+            <a:endParaRPr lang="en-US" dirty="0">
+              <a:solidFill>
+                <a:srgbClr val="002060"/>
+              </a:solidFill>
+              <a:latin typeface="Segoe UI" panose="020B0502040204020203" pitchFamily="34" charset="0"/>
+              <a:cs typeface="Segoe UI" panose="020B0502040204020203" pitchFamily="34" charset="0"/>
+            </a:endParaRPr>
+          </a:p>
+          <a:p>
+            <a:pPr>
+              <a:buClr>
+                <a:srgbClr val="002060"/>
+              </a:buClr>
+            </a:pPr>
+            <a:r>
+              <a:rPr lang="en-US" dirty="0">
+                <a:solidFill>
+                  <a:srgbClr val="002060"/>
+                </a:solidFill>
+                <a:latin typeface="Segoe UI" panose="020B0502040204020203" pitchFamily="34" charset="0"/>
+                <a:cs typeface="Segoe UI" panose="020B0502040204020203" pitchFamily="34" charset="0"/>
+              </a:rPr>
+              <a:t>The session variable is set to recognize the user type and/or the required functionality</a:t>
+            </a:r>
+          </a:p>
+          <a:p>
+            <a:pPr>
+              <a:buClr>
+                <a:srgbClr val="002060"/>
+              </a:buClr>
+            </a:pPr>
+            <a:endParaRPr lang="en-US" dirty="0">
+              <a:solidFill>
+                <a:srgbClr val="002060"/>
+              </a:solidFill>
+              <a:latin typeface="Segoe UI" panose="020B0502040204020203" pitchFamily="34" charset="0"/>
+              <a:cs typeface="Segoe UI" panose="020B0502040204020203" pitchFamily="34" charset="0"/>
+            </a:endParaRPr>
+          </a:p>
+          <a:p>
+            <a:pPr marL="285750" indent="-285750">
+              <a:buClr>
+                <a:srgbClr val="002060"/>
+              </a:buClr>
+              <a:buFont typeface="Font di sistema regolare"/>
+              <a:buChar char="-"/>
+            </a:pPr>
+            <a:endParaRPr lang="en-US" dirty="0">
+              <a:solidFill>
+                <a:srgbClr val="002060"/>
+              </a:solidFill>
+              <a:latin typeface="Segoe UI" panose="020B0502040204020203" pitchFamily="34" charset="0"/>
+              <a:cs typeface="Segoe UI" panose="020B0502040204020203" pitchFamily="34" charset="0"/>
+            </a:endParaRPr>
+          </a:p>
+        </p:txBody>
+      </p:sp>
+    </p:spTree>
+    <p:extLst>
+      <p:ext uri="{BB962C8B-B14F-4D97-AF65-F5344CB8AC3E}">
+        <p14:creationId xmlns:p14="http://schemas.microsoft.com/office/powerpoint/2010/main" val="1667814575"/>
+      </p:ext>
+    </p:extLst>
+  </p:cSld>
+  <p:clrMapOvr>
+    <a:masterClrMapping/>
+  </p:clrMapOvr>
+</p:sld>
+</file>
+
+<file path=ppt/slides/slide11.xml><?xml version="1.0" encoding="utf-8"?>
+<p:sld xmlns:a="http://schemas.openxmlformats.org/drawingml/2006/main" xmlns:r="http://schemas.openxmlformats.org/officeDocument/2006/relationships" xmlns:p="http://schemas.openxmlformats.org/presentationml/2006/main">
+  <p:cSld>
+    <p:spTree>
+      <p:nvGrpSpPr>
+        <p:cNvPr id="1" name=""/>
+        <p:cNvGrpSpPr/>
+        <p:nvPr/>
+      </p:nvGrpSpPr>
+      <p:grpSpPr>
+        <a:xfrm>
+          <a:off x="0" y="0"/>
+          <a:ext cx="0" cy="0"/>
+          <a:chOff x="0" y="0"/>
+          <a:chExt cx="0" cy="0"/>
+        </a:xfrm>
+      </p:grpSpPr>
+      <p:sp>
+        <p:nvSpPr>
+          <p:cNvPr id="2" name="Rectangle 43">
+            <a:extLst>
+              <a:ext uri="{FF2B5EF4-FFF2-40B4-BE49-F238E27FC236}">
+                <a16:creationId xmlns:a16="http://schemas.microsoft.com/office/drawing/2014/main" id="{78B07DC1-D9C5-B139-DB20-0BA21BDA27AB}"/>
+              </a:ext>
+            </a:extLst>
+          </p:cNvPr>
+          <p:cNvSpPr/>
+          <p:nvPr/>
+        </p:nvSpPr>
+        <p:spPr>
+          <a:xfrm>
+            <a:off x="2732747" y="208783"/>
+            <a:ext cx="6726506" cy="461665"/>
+          </a:xfrm>
+          <a:prstGeom prst="rect">
+            <a:avLst/>
+          </a:prstGeom>
+        </p:spPr>
+        <p:txBody>
+          <a:bodyPr wrap="square" lIns="0" tIns="0" rIns="0" bIns="0">
+            <a:spAutoFit/>
+          </a:bodyPr>
+          <a:lstStyle/>
+          <a:p>
+            <a:pPr marL="0" marR="0" lvl="0" indent="0" algn="ctr" defTabSz="914400" rtl="0" eaLnBrk="1" fontAlgn="auto" latinLnBrk="0" hangingPunct="1">
+              <a:lnSpc>
+                <a:spcPct val="100000"/>
+              </a:lnSpc>
+              <a:spcBef>
+                <a:spcPts val="0"/>
+              </a:spcBef>
+              <a:spcAft>
+                <a:spcPts val="0"/>
+              </a:spcAft>
+              <a:buClrTx/>
+              <a:buSzTx/>
+              <a:buFontTx/>
+              <a:buNone/>
+              <a:tabLst/>
+              <a:defRPr/>
+            </a:pPr>
+            <a:r>
+              <a:rPr lang="en-US" sz="3000" b="1" dirty="0">
+                <a:solidFill>
+                  <a:srgbClr val="083D65"/>
+                </a:solidFill>
+                <a:latin typeface="Segoe UI" panose="020B0502040204020203" pitchFamily="34" charset="0"/>
+                <a:cs typeface="Segoe UI" panose="020B0502040204020203" pitchFamily="34" charset="0"/>
+              </a:rPr>
+              <a:t>Advantages of our Approaches</a:t>
+            </a:r>
+            <a:endParaRPr kumimoji="0" lang="en-US" sz="3000" b="1" i="0" u="none" strike="noStrike" kern="1200" cap="none" spc="0" normalizeH="0" baseline="0" noProof="0" dirty="0">
+              <a:ln>
+                <a:noFill/>
+              </a:ln>
+              <a:solidFill>
+                <a:srgbClr val="083D65"/>
+              </a:solidFill>
+              <a:effectLst/>
+              <a:uLnTx/>
+              <a:uFillTx/>
+              <a:latin typeface="Segoe UI" panose="020B0502040204020203" pitchFamily="34" charset="0"/>
+              <a:ea typeface="+mn-ea"/>
+              <a:cs typeface="Segoe UI" panose="020B0502040204020203" pitchFamily="34" charset="0"/>
+            </a:endParaRPr>
+          </a:p>
+        </p:txBody>
+      </p:sp>
+      <p:sp>
+        <p:nvSpPr>
+          <p:cNvPr id="3" name="Rectangle 167">
+            <a:extLst>
+              <a:ext uri="{FF2B5EF4-FFF2-40B4-BE49-F238E27FC236}">
+                <a16:creationId xmlns:a16="http://schemas.microsoft.com/office/drawing/2014/main" id="{4DC2E097-2AB8-EB70-1ABD-17478310FCE6}"/>
+              </a:ext>
+            </a:extLst>
+          </p:cNvPr>
+          <p:cNvSpPr/>
+          <p:nvPr/>
+        </p:nvSpPr>
+        <p:spPr>
+          <a:xfrm flipV="1">
+            <a:off x="95251" y="727507"/>
+            <a:ext cx="12001499" cy="18000"/>
+          </a:xfrm>
+          <a:prstGeom prst="rect">
+            <a:avLst/>
+          </a:prstGeom>
+          <a:solidFill>
+            <a:schemeClr val="accent1">
+              <a:lumMod val="50000"/>
+            </a:schemeClr>
+          </a:solidFill>
+          <a:ln>
+            <a:noFill/>
+          </a:ln>
+        </p:spPr>
+        <p:style>
+          <a:lnRef idx="2">
+            <a:schemeClr val="accent1">
+              <a:shade val="50000"/>
+            </a:schemeClr>
+          </a:lnRef>
+          <a:fillRef idx="1">
+            <a:schemeClr val="accent1"/>
+          </a:fillRef>
+          <a:effectRef idx="0">
+            <a:schemeClr val="accent1"/>
+          </a:effectRef>
+          <a:fontRef idx="minor">
+            <a:schemeClr val="lt1"/>
+          </a:fontRef>
+        </p:style>
+        <p:txBody>
+          <a:bodyPr rtlCol="0" anchor="ctr"/>
+          <a:lstStyle/>
+          <a:p>
+            <a:pPr marL="0" marR="0" lvl="0" indent="0" algn="ctr" defTabSz="914400" rtl="0" eaLnBrk="1" fontAlgn="auto" latinLnBrk="0" hangingPunct="1">
+              <a:lnSpc>
+                <a:spcPct val="100000"/>
+              </a:lnSpc>
+              <a:spcBef>
+                <a:spcPts val="0"/>
+              </a:spcBef>
+              <a:spcAft>
+                <a:spcPts val="0"/>
+              </a:spcAft>
+              <a:buClrTx/>
+              <a:buSzTx/>
+              <a:buFontTx/>
+              <a:buNone/>
+              <a:tabLst/>
+              <a:defRPr/>
+            </a:pPr>
+            <a:endParaRPr kumimoji="0" lang="en-US" sz="1800" b="0" i="0" u="none" strike="noStrike" kern="1200" cap="none" spc="0" normalizeH="0" baseline="0" noProof="0" dirty="0">
+              <a:ln>
+                <a:noFill/>
+              </a:ln>
+              <a:solidFill>
+                <a:prstClr val="white"/>
+              </a:solidFill>
+              <a:effectLst/>
+              <a:uLnTx/>
+              <a:uFillTx/>
+              <a:latin typeface="Calibri" panose="020F0502020204030204"/>
+              <a:ea typeface="+mn-ea"/>
+              <a:cs typeface="+mn-cs"/>
+            </a:endParaRPr>
+          </a:p>
+        </p:txBody>
+      </p:sp>
+      <p:sp>
+        <p:nvSpPr>
+          <p:cNvPr id="16" name="Freeform: Shape 59">
+            <a:extLst>
+              <a:ext uri="{FF2B5EF4-FFF2-40B4-BE49-F238E27FC236}">
+                <a16:creationId xmlns:a16="http://schemas.microsoft.com/office/drawing/2014/main" id="{2F0319DD-4B8B-34E9-487F-B4C0748E94D3}"/>
+              </a:ext>
+            </a:extLst>
+          </p:cNvPr>
+          <p:cNvSpPr/>
+          <p:nvPr/>
+        </p:nvSpPr>
+        <p:spPr>
+          <a:xfrm>
+            <a:off x="-4464332" y="4988118"/>
+            <a:ext cx="10988503" cy="1869882"/>
+          </a:xfrm>
+          <a:custGeom>
+            <a:avLst/>
+            <a:gdLst>
+              <a:gd name="connsiteX0" fmla="*/ 1310303 w 10988503"/>
+              <a:gd name="connsiteY0" fmla="*/ 22 h 1869882"/>
+              <a:gd name="connsiteX1" fmla="*/ 6483550 w 10988503"/>
+              <a:gd name="connsiteY1" fmla="*/ 1580690 h 1869882"/>
+              <a:gd name="connsiteX2" fmla="*/ 10974880 w 10988503"/>
+              <a:gd name="connsiteY2" fmla="*/ 1866382 h 1869882"/>
+              <a:gd name="connsiteX3" fmla="*/ 10988503 w 10988503"/>
+              <a:gd name="connsiteY3" fmla="*/ 1869882 h 1869882"/>
+              <a:gd name="connsiteX4" fmla="*/ 0 w 10988503"/>
+              <a:gd name="connsiteY4" fmla="*/ 1869882 h 1869882"/>
+              <a:gd name="connsiteX5" fmla="*/ 0 w 10988503"/>
+              <a:gd name="connsiteY5" fmla="*/ 1794198 h 1869882"/>
+              <a:gd name="connsiteX6" fmla="*/ 0 w 10988503"/>
+              <a:gd name="connsiteY6" fmla="*/ 334669 h 1869882"/>
+              <a:gd name="connsiteX7" fmla="*/ 1310303 w 10988503"/>
+              <a:gd name="connsiteY7" fmla="*/ 22 h 1869882"/>
+            </a:gdLst>
+            <a:ahLst/>
+            <a:cxnLst>
+              <a:cxn ang="0">
+                <a:pos x="connsiteX0" y="connsiteY0"/>
+              </a:cxn>
+              <a:cxn ang="0">
+                <a:pos x="connsiteX1" y="connsiteY1"/>
+              </a:cxn>
+              <a:cxn ang="0">
+                <a:pos x="connsiteX2" y="connsiteY2"/>
+              </a:cxn>
+              <a:cxn ang="0">
+                <a:pos x="connsiteX3" y="connsiteY3"/>
+              </a:cxn>
+              <a:cxn ang="0">
+                <a:pos x="connsiteX4" y="connsiteY4"/>
+              </a:cxn>
+              <a:cxn ang="0">
+                <a:pos x="connsiteX5" y="connsiteY5"/>
+              </a:cxn>
+              <a:cxn ang="0">
+                <a:pos x="connsiteX6" y="connsiteY6"/>
+              </a:cxn>
+              <a:cxn ang="0">
+                <a:pos x="connsiteX7" y="connsiteY7"/>
+              </a:cxn>
+            </a:cxnLst>
+            <a:rect l="l" t="t" r="r" b="b"/>
+            <a:pathLst>
+              <a:path w="10988503" h="1869882">
+                <a:moveTo>
+                  <a:pt x="1310303" y="22"/>
+                </a:moveTo>
+                <a:cubicBezTo>
+                  <a:pt x="3087798" y="-7336"/>
+                  <a:pt x="4449871" y="1761474"/>
+                  <a:pt x="6483550" y="1580690"/>
+                </a:cubicBezTo>
+                <a:cubicBezTo>
+                  <a:pt x="8348226" y="1415442"/>
+                  <a:pt x="9844847" y="1591559"/>
+                  <a:pt x="10974880" y="1866382"/>
+                </a:cubicBezTo>
+                <a:lnTo>
+                  <a:pt x="10988503" y="1869882"/>
+                </a:lnTo>
+                <a:lnTo>
+                  <a:pt x="0" y="1869882"/>
+                </a:lnTo>
+                <a:lnTo>
+                  <a:pt x="0" y="1794198"/>
+                </a:lnTo>
+                <a:cubicBezTo>
+                  <a:pt x="0" y="1432462"/>
+                  <a:pt x="0" y="957720"/>
+                  <a:pt x="0" y="334669"/>
+                </a:cubicBezTo>
+                <a:cubicBezTo>
+                  <a:pt x="467797" y="98006"/>
+                  <a:pt x="900111" y="1719"/>
+                  <a:pt x="1310303" y="22"/>
+                </a:cubicBezTo>
+                <a:close/>
+              </a:path>
+            </a:pathLst>
+          </a:custGeom>
+          <a:gradFill>
+            <a:gsLst>
+              <a:gs pos="43750">
+                <a:schemeClr val="accent1">
+                  <a:lumMod val="77000"/>
+                </a:schemeClr>
+              </a:gs>
+              <a:gs pos="42000">
+                <a:schemeClr val="accent1">
+                  <a:lumMod val="75000"/>
+                </a:schemeClr>
+              </a:gs>
+              <a:gs pos="0">
+                <a:srgbClr val="393762"/>
+              </a:gs>
+              <a:gs pos="77000">
+                <a:schemeClr val="accent1">
+                  <a:lumMod val="60000"/>
+                  <a:lumOff val="40000"/>
+                </a:schemeClr>
+              </a:gs>
+              <a:gs pos="100000">
+                <a:srgbClr val="0CFA00"/>
+              </a:gs>
+            </a:gsLst>
+            <a:lin ang="2700000" scaled="1"/>
+          </a:gradFill>
+          <a:ln>
+            <a:noFill/>
+          </a:ln>
+        </p:spPr>
+        <p:style>
+          <a:lnRef idx="2">
+            <a:schemeClr val="accent1">
+              <a:shade val="50000"/>
+            </a:schemeClr>
+          </a:lnRef>
+          <a:fillRef idx="1">
+            <a:schemeClr val="accent1"/>
+          </a:fillRef>
+          <a:effectRef idx="0">
+            <a:schemeClr val="accent1"/>
+          </a:effectRef>
+          <a:fontRef idx="minor">
+            <a:schemeClr val="lt1"/>
+          </a:fontRef>
+        </p:style>
+        <p:txBody>
+          <a:bodyPr rtlCol="0" anchor="ctr"/>
+          <a:lstStyle/>
+          <a:p>
+            <a:pPr algn="ctr"/>
+            <a:endParaRPr lang="en-US" dirty="0"/>
+          </a:p>
+        </p:txBody>
+      </p:sp>
+      <p:sp>
+        <p:nvSpPr>
+          <p:cNvPr id="24" name="Freeform: Shape 59">
+            <a:extLst>
+              <a:ext uri="{FF2B5EF4-FFF2-40B4-BE49-F238E27FC236}">
+                <a16:creationId xmlns:a16="http://schemas.microsoft.com/office/drawing/2014/main" id="{AE60204C-FF99-8D70-3ED8-16386FA51EBC}"/>
+              </a:ext>
+            </a:extLst>
+          </p:cNvPr>
+          <p:cNvSpPr/>
+          <p:nvPr/>
+        </p:nvSpPr>
+        <p:spPr>
+          <a:xfrm rot="17986700">
+            <a:off x="6666190" y="855862"/>
+            <a:ext cx="11863276" cy="3623360"/>
+          </a:xfrm>
+          <a:custGeom>
+            <a:avLst/>
+            <a:gdLst>
+              <a:gd name="connsiteX0" fmla="*/ 1310303 w 10988503"/>
+              <a:gd name="connsiteY0" fmla="*/ 22 h 1869882"/>
+              <a:gd name="connsiteX1" fmla="*/ 6483550 w 10988503"/>
+              <a:gd name="connsiteY1" fmla="*/ 1580690 h 1869882"/>
+              <a:gd name="connsiteX2" fmla="*/ 10974880 w 10988503"/>
+              <a:gd name="connsiteY2" fmla="*/ 1866382 h 1869882"/>
+              <a:gd name="connsiteX3" fmla="*/ 10988503 w 10988503"/>
+              <a:gd name="connsiteY3" fmla="*/ 1869882 h 1869882"/>
+              <a:gd name="connsiteX4" fmla="*/ 0 w 10988503"/>
+              <a:gd name="connsiteY4" fmla="*/ 1869882 h 1869882"/>
+              <a:gd name="connsiteX5" fmla="*/ 0 w 10988503"/>
+              <a:gd name="connsiteY5" fmla="*/ 1794198 h 1869882"/>
+              <a:gd name="connsiteX6" fmla="*/ 0 w 10988503"/>
+              <a:gd name="connsiteY6" fmla="*/ 334669 h 1869882"/>
+              <a:gd name="connsiteX7" fmla="*/ 1310303 w 10988503"/>
+              <a:gd name="connsiteY7" fmla="*/ 22 h 1869882"/>
+            </a:gdLst>
+            <a:ahLst/>
+            <a:cxnLst>
+              <a:cxn ang="0">
+                <a:pos x="connsiteX0" y="connsiteY0"/>
+              </a:cxn>
+              <a:cxn ang="0">
+                <a:pos x="connsiteX1" y="connsiteY1"/>
+              </a:cxn>
+              <a:cxn ang="0">
+                <a:pos x="connsiteX2" y="connsiteY2"/>
+              </a:cxn>
+              <a:cxn ang="0">
+                <a:pos x="connsiteX3" y="connsiteY3"/>
+              </a:cxn>
+              <a:cxn ang="0">
+                <a:pos x="connsiteX4" y="connsiteY4"/>
+              </a:cxn>
+              <a:cxn ang="0">
+                <a:pos x="connsiteX5" y="connsiteY5"/>
+              </a:cxn>
+              <a:cxn ang="0">
+                <a:pos x="connsiteX6" y="connsiteY6"/>
+              </a:cxn>
+              <a:cxn ang="0">
+                <a:pos x="connsiteX7" y="connsiteY7"/>
+              </a:cxn>
+            </a:cxnLst>
+            <a:rect l="l" t="t" r="r" b="b"/>
+            <a:pathLst>
+              <a:path w="10988503" h="1869882">
+                <a:moveTo>
+                  <a:pt x="1310303" y="22"/>
+                </a:moveTo>
+                <a:cubicBezTo>
+                  <a:pt x="3087798" y="-7336"/>
+                  <a:pt x="4449871" y="1761474"/>
+                  <a:pt x="6483550" y="1580690"/>
+                </a:cubicBezTo>
+                <a:cubicBezTo>
+                  <a:pt x="8348226" y="1415442"/>
+                  <a:pt x="9844847" y="1591559"/>
+                  <a:pt x="10974880" y="1866382"/>
+                </a:cubicBezTo>
+                <a:lnTo>
+                  <a:pt x="10988503" y="1869882"/>
+                </a:lnTo>
+                <a:lnTo>
+                  <a:pt x="0" y="1869882"/>
+                </a:lnTo>
+                <a:lnTo>
+                  <a:pt x="0" y="1794198"/>
+                </a:lnTo>
+                <a:cubicBezTo>
+                  <a:pt x="0" y="1432462"/>
+                  <a:pt x="0" y="957720"/>
+                  <a:pt x="0" y="334669"/>
+                </a:cubicBezTo>
+                <a:cubicBezTo>
+                  <a:pt x="467797" y="98006"/>
+                  <a:pt x="900111" y="1719"/>
+                  <a:pt x="1310303" y="22"/>
+                </a:cubicBezTo>
+                <a:close/>
+              </a:path>
+            </a:pathLst>
+          </a:custGeom>
+          <a:gradFill>
+            <a:gsLst>
+              <a:gs pos="43750">
+                <a:schemeClr val="accent1">
+                  <a:lumMod val="77000"/>
+                </a:schemeClr>
+              </a:gs>
+              <a:gs pos="42000">
+                <a:schemeClr val="accent1">
+                  <a:lumMod val="75000"/>
+                </a:schemeClr>
+              </a:gs>
+              <a:gs pos="0">
+                <a:srgbClr val="393762"/>
+              </a:gs>
+              <a:gs pos="77000">
+                <a:schemeClr val="accent1">
+                  <a:lumMod val="60000"/>
+                  <a:lumOff val="40000"/>
+                </a:schemeClr>
+              </a:gs>
+              <a:gs pos="100000">
+                <a:srgbClr val="0CFA00"/>
+              </a:gs>
+            </a:gsLst>
+            <a:lin ang="2700000" scaled="1"/>
+          </a:gradFill>
+          <a:ln>
+            <a:noFill/>
+          </a:ln>
+        </p:spPr>
+        <p:style>
+          <a:lnRef idx="2">
+            <a:schemeClr val="accent1">
+              <a:shade val="50000"/>
+            </a:schemeClr>
+          </a:lnRef>
+          <a:fillRef idx="1">
+            <a:schemeClr val="accent1"/>
+          </a:fillRef>
+          <a:effectRef idx="0">
+            <a:schemeClr val="accent1"/>
+          </a:effectRef>
+          <a:fontRef idx="minor">
+            <a:schemeClr val="lt1"/>
+          </a:fontRef>
+        </p:style>
+        <p:txBody>
+          <a:bodyPr rtlCol="0" anchor="ctr"/>
+          <a:lstStyle/>
+          <a:p>
+            <a:pPr algn="ctr"/>
+            <a:endParaRPr lang="en-US" dirty="0"/>
+          </a:p>
+        </p:txBody>
+      </p:sp>
+      <p:sp>
+        <p:nvSpPr>
+          <p:cNvPr id="25" name="CasellaDiTesto 24">
+            <a:extLst>
+              <a:ext uri="{FF2B5EF4-FFF2-40B4-BE49-F238E27FC236}">
+                <a16:creationId xmlns:a16="http://schemas.microsoft.com/office/drawing/2014/main" id="{8647039C-05F5-98C8-DD36-F10290A89AB1}"/>
+              </a:ext>
+            </a:extLst>
+          </p:cNvPr>
+          <p:cNvSpPr txBox="1"/>
+          <p:nvPr/>
+        </p:nvSpPr>
+        <p:spPr>
+          <a:xfrm>
+            <a:off x="294366" y="1651879"/>
+            <a:ext cx="11802384" cy="2031325"/>
+          </a:xfrm>
+          <a:prstGeom prst="rect">
+            <a:avLst/>
+          </a:prstGeom>
+          <a:noFill/>
+        </p:spPr>
+        <p:txBody>
+          <a:bodyPr wrap="square">
+            <a:spAutoFit/>
+          </a:bodyPr>
+          <a:lstStyle/>
+          <a:p>
+            <a:pPr marL="285750" indent="-285750">
+              <a:buFont typeface="Arial" panose="020B0604020202020204" pitchFamily="34" charset="0"/>
+              <a:buChar char="•"/>
+            </a:pPr>
+            <a:r>
+              <a:rPr lang="en-US" b="1" dirty="0">
+                <a:solidFill>
+                  <a:srgbClr val="002060"/>
+                </a:solidFill>
+                <a:latin typeface="Segoe UI" panose="020B0502040204020203" pitchFamily="34" charset="0"/>
+                <a:cs typeface="Segoe UI" panose="020B0502040204020203" pitchFamily="34" charset="0"/>
+              </a:rPr>
+              <a:t>Automatic crawling of documents/recipes</a:t>
+            </a:r>
+            <a:br>
+              <a:rPr lang="en-US" b="1" dirty="0">
+                <a:solidFill>
+                  <a:srgbClr val="002060"/>
+                </a:solidFill>
+                <a:latin typeface="Segoe UI" panose="020B0502040204020203" pitchFamily="34" charset="0"/>
+                <a:cs typeface="Segoe UI" panose="020B0502040204020203" pitchFamily="34" charset="0"/>
+              </a:rPr>
+            </a:br>
+            <a:endParaRPr lang="en-US" b="1" dirty="0">
+              <a:solidFill>
+                <a:srgbClr val="002060"/>
+              </a:solidFill>
+              <a:latin typeface="Segoe UI" panose="020B0502040204020203" pitchFamily="34" charset="0"/>
+              <a:cs typeface="Segoe UI" panose="020B0502040204020203" pitchFamily="34" charset="0"/>
+            </a:endParaRPr>
+          </a:p>
+          <a:p>
+            <a:pPr marL="285750" indent="-285750">
+              <a:buFont typeface="Arial" panose="020B0604020202020204" pitchFamily="34" charset="0"/>
+              <a:buChar char="•"/>
+            </a:pPr>
+            <a:r>
+              <a:rPr lang="en-US" b="1" dirty="0">
+                <a:solidFill>
+                  <a:srgbClr val="002060"/>
+                </a:solidFill>
+                <a:latin typeface="Segoe UI" panose="020B0502040204020203" pitchFamily="34" charset="0"/>
+                <a:cs typeface="Segoe UI" panose="020B0502040204020203" pitchFamily="34" charset="0"/>
+              </a:rPr>
+              <a:t>Easy to re-run scripts to update/recompute indexes or side </a:t>
+            </a:r>
+            <a:r>
+              <a:rPr lang="en-US" b="1" dirty="0" err="1">
+                <a:solidFill>
+                  <a:srgbClr val="002060"/>
+                </a:solidFill>
+                <a:latin typeface="Segoe UI" panose="020B0502040204020203" pitchFamily="34" charset="0"/>
+                <a:cs typeface="Segoe UI" panose="020B0502040204020203" pitchFamily="34" charset="0"/>
+              </a:rPr>
+              <a:t>informations</a:t>
+            </a:r>
+            <a:br>
+              <a:rPr lang="en-US" b="1" dirty="0">
+                <a:solidFill>
+                  <a:srgbClr val="002060"/>
+                </a:solidFill>
+                <a:latin typeface="Segoe UI" panose="020B0502040204020203" pitchFamily="34" charset="0"/>
+                <a:cs typeface="Segoe UI" panose="020B0502040204020203" pitchFamily="34" charset="0"/>
+              </a:rPr>
+            </a:br>
+            <a:endParaRPr lang="en-US" b="1" dirty="0">
+              <a:solidFill>
+                <a:srgbClr val="002060"/>
+              </a:solidFill>
+              <a:latin typeface="Segoe UI" panose="020B0502040204020203" pitchFamily="34" charset="0"/>
+              <a:cs typeface="Segoe UI" panose="020B0502040204020203" pitchFamily="34" charset="0"/>
+            </a:endParaRPr>
+          </a:p>
+          <a:p>
+            <a:pPr marL="285750" indent="-285750">
+              <a:buFont typeface="Arial" panose="020B0604020202020204" pitchFamily="34" charset="0"/>
+              <a:buChar char="•"/>
+            </a:pPr>
+            <a:r>
+              <a:rPr lang="en-US" b="1" dirty="0">
+                <a:solidFill>
+                  <a:srgbClr val="002060"/>
+                </a:solidFill>
+                <a:latin typeface="Segoe UI" panose="020B0502040204020203" pitchFamily="34" charset="0"/>
+                <a:cs typeface="Segoe UI" panose="020B0502040204020203" pitchFamily="34" charset="0"/>
+              </a:rPr>
+              <a:t>Possibility to update the indexes instead of recomputing them (thanks to the usage of FAISS </a:t>
+            </a:r>
+            <a:r>
+              <a:rPr lang="en-US" b="1" dirty="0" err="1">
+                <a:solidFill>
+                  <a:srgbClr val="002060"/>
+                </a:solidFill>
+                <a:latin typeface="Segoe UI" panose="020B0502040204020203" pitchFamily="34" charset="0"/>
+                <a:cs typeface="Segoe UI" panose="020B0502040204020203" pitchFamily="34" charset="0"/>
+              </a:rPr>
+              <a:t>VectorStore</a:t>
+            </a:r>
+            <a:r>
+              <a:rPr lang="en-US" b="1" dirty="0">
+                <a:solidFill>
+                  <a:srgbClr val="002060"/>
+                </a:solidFill>
+                <a:latin typeface="Segoe UI" panose="020B0502040204020203" pitchFamily="34" charset="0"/>
+                <a:cs typeface="Segoe UI" panose="020B0502040204020203" pitchFamily="34" charset="0"/>
+              </a:rPr>
+              <a:t>)</a:t>
+            </a:r>
+          </a:p>
+          <a:p>
+            <a:pPr marL="285750" indent="-285750">
+              <a:buFont typeface="Arial" panose="020B0604020202020204" pitchFamily="34" charset="0"/>
+              <a:buChar char="•"/>
+            </a:pPr>
+            <a:endParaRPr lang="en-US" b="1" dirty="0">
+              <a:solidFill>
+                <a:srgbClr val="002060"/>
+              </a:solidFill>
+              <a:latin typeface="Segoe UI" panose="020B0502040204020203" pitchFamily="34" charset="0"/>
+              <a:cs typeface="Segoe UI" panose="020B0502040204020203" pitchFamily="34" charset="0"/>
+            </a:endParaRPr>
+          </a:p>
+          <a:p>
+            <a:pPr marL="285750" indent="-285750">
+              <a:buFont typeface="Arial" panose="020B0604020202020204" pitchFamily="34" charset="0"/>
+              <a:buChar char="•"/>
+            </a:pPr>
+            <a:r>
+              <a:rPr lang="en-US" b="1" dirty="0">
+                <a:solidFill>
+                  <a:srgbClr val="002060"/>
+                </a:solidFill>
+                <a:latin typeface="Segoe UI" panose="020B0502040204020203" pitchFamily="34" charset="0"/>
+                <a:cs typeface="Segoe UI" panose="020B0502040204020203" pitchFamily="34" charset="0"/>
+              </a:rPr>
+              <a:t>Useful for both end-customer and company</a:t>
+            </a:r>
+            <a:endParaRPr lang="en-US" b="1" dirty="0"/>
+          </a:p>
+        </p:txBody>
+      </p:sp>
+    </p:spTree>
+    <p:extLst>
+      <p:ext uri="{BB962C8B-B14F-4D97-AF65-F5344CB8AC3E}">
+        <p14:creationId xmlns:p14="http://schemas.microsoft.com/office/powerpoint/2010/main" val="1502234956"/>
+      </p:ext>
+    </p:extLst>
+  </p:cSld>
+  <p:clrMapOvr>
+    <a:masterClrMapping/>
+  </p:clrMapOvr>
+</p:sld>
+</file>
+
+<file path=ppt/slides/slide12.xml><?xml version="1.0" encoding="utf-8"?>
+<p:sld xmlns:a="http://schemas.openxmlformats.org/drawingml/2006/main" xmlns:r="http://schemas.openxmlformats.org/officeDocument/2006/relationships" xmlns:p="http://schemas.openxmlformats.org/presentationml/2006/main">
+  <p:cSld>
+    <p:spTree>
+      <p:nvGrpSpPr>
+        <p:cNvPr id="1" name=""/>
+        <p:cNvGrpSpPr/>
+        <p:nvPr/>
+      </p:nvGrpSpPr>
+      <p:grpSpPr>
+        <a:xfrm>
+          <a:off x="0" y="0"/>
+          <a:ext cx="0" cy="0"/>
+          <a:chOff x="0" y="0"/>
+          <a:chExt cx="0" cy="0"/>
+        </a:xfrm>
+      </p:grpSpPr>
+      <p:grpSp>
+        <p:nvGrpSpPr>
+          <p:cNvPr id="22" name="Group 21">
+            <a:extLst>
+              <a:ext uri="{FF2B5EF4-FFF2-40B4-BE49-F238E27FC236}">
+                <a16:creationId xmlns:a16="http://schemas.microsoft.com/office/drawing/2014/main" id="{9BE5D491-56CA-43E7-8E09-A10A1FF1EE3A}"/>
+              </a:ext>
+            </a:extLst>
+          </p:cNvPr>
+          <p:cNvGrpSpPr/>
+          <p:nvPr/>
+        </p:nvGrpSpPr>
+        <p:grpSpPr>
+          <a:xfrm>
+            <a:off x="5625690" y="4170763"/>
+            <a:ext cx="940620" cy="269074"/>
+            <a:chOff x="4103688" y="-2378075"/>
+            <a:chExt cx="1309687" cy="374650"/>
+          </a:xfrm>
+          <a:solidFill>
+            <a:schemeClr val="bg1"/>
+          </a:solidFill>
+        </p:grpSpPr>
+        <p:sp>
+          <p:nvSpPr>
+            <p:cNvPr id="23" name="Freeform 254">
+              <a:extLst>
+                <a:ext uri="{FF2B5EF4-FFF2-40B4-BE49-F238E27FC236}">
+                  <a16:creationId xmlns:a16="http://schemas.microsoft.com/office/drawing/2014/main" id="{203B8489-BB70-4B30-99FC-80EF0098407E}"/>
+                </a:ext>
+              </a:extLst>
+            </p:cNvPr>
+            <p:cNvSpPr>
+              <a:spLocks/>
+            </p:cNvSpPr>
+            <p:nvPr/>
+          </p:nvSpPr>
+          <p:spPr bwMode="auto">
+            <a:xfrm>
+              <a:off x="4103688" y="-2374900"/>
+              <a:ext cx="182562" cy="288925"/>
+            </a:xfrm>
+            <a:custGeom>
+              <a:avLst/>
+              <a:gdLst>
+                <a:gd name="T0" fmla="*/ 43 w 61"/>
+                <a:gd name="T1" fmla="*/ 47 h 95"/>
+                <a:gd name="T2" fmla="*/ 30 w 61"/>
+                <a:gd name="T3" fmla="*/ 55 h 95"/>
+                <a:gd name="T4" fmla="*/ 11 w 61"/>
+                <a:gd name="T5" fmla="*/ 83 h 95"/>
+                <a:gd name="T6" fmla="*/ 11 w 61"/>
+                <a:gd name="T7" fmla="*/ 85 h 95"/>
+                <a:gd name="T8" fmla="*/ 57 w 61"/>
+                <a:gd name="T9" fmla="*/ 85 h 95"/>
+                <a:gd name="T10" fmla="*/ 60 w 61"/>
+                <a:gd name="T11" fmla="*/ 88 h 95"/>
+                <a:gd name="T12" fmla="*/ 60 w 61"/>
+                <a:gd name="T13" fmla="*/ 93 h 95"/>
+                <a:gd name="T14" fmla="*/ 57 w 61"/>
+                <a:gd name="T15" fmla="*/ 95 h 95"/>
+                <a:gd name="T16" fmla="*/ 3 w 61"/>
+                <a:gd name="T17" fmla="*/ 95 h 95"/>
+                <a:gd name="T18" fmla="*/ 0 w 61"/>
+                <a:gd name="T19" fmla="*/ 93 h 95"/>
+                <a:gd name="T20" fmla="*/ 0 w 61"/>
+                <a:gd name="T21" fmla="*/ 83 h 95"/>
+                <a:gd name="T22" fmla="*/ 21 w 61"/>
+                <a:gd name="T23" fmla="*/ 49 h 95"/>
+                <a:gd name="T24" fmla="*/ 35 w 61"/>
+                <a:gd name="T25" fmla="*/ 40 h 95"/>
+                <a:gd name="T26" fmla="*/ 49 w 61"/>
+                <a:gd name="T27" fmla="*/ 22 h 95"/>
+                <a:gd name="T28" fmla="*/ 28 w 61"/>
+                <a:gd name="T29" fmla="*/ 9 h 95"/>
+                <a:gd name="T30" fmla="*/ 4 w 61"/>
+                <a:gd name="T31" fmla="*/ 11 h 95"/>
+                <a:gd name="T32" fmla="*/ 3 w 61"/>
+                <a:gd name="T33" fmla="*/ 11 h 95"/>
+                <a:gd name="T34" fmla="*/ 1 w 61"/>
+                <a:gd name="T35" fmla="*/ 9 h 95"/>
+                <a:gd name="T36" fmla="*/ 1 w 61"/>
+                <a:gd name="T37" fmla="*/ 4 h 95"/>
+                <a:gd name="T38" fmla="*/ 4 w 61"/>
+                <a:gd name="T39" fmla="*/ 2 h 95"/>
+                <a:gd name="T40" fmla="*/ 28 w 61"/>
+                <a:gd name="T41" fmla="*/ 0 h 95"/>
+                <a:gd name="T42" fmla="*/ 61 w 61"/>
+                <a:gd name="T43" fmla="*/ 22 h 95"/>
+                <a:gd name="T44" fmla="*/ 43 w 61"/>
+                <a:gd name="T45" fmla="*/ 47 h 95"/>
+              </a:gdLst>
+              <a:ahLst/>
+              <a:cxnLst>
+                <a:cxn ang="0">
+                  <a:pos x="T0" y="T1"/>
+                </a:cxn>
+                <a:cxn ang="0">
+                  <a:pos x="T2" y="T3"/>
+                </a:cxn>
+                <a:cxn ang="0">
+                  <a:pos x="T4" y="T5"/>
+                </a:cxn>
+                <a:cxn ang="0">
+                  <a:pos x="T6" y="T7"/>
+                </a:cxn>
+                <a:cxn ang="0">
+                  <a:pos x="T8" y="T9"/>
+                </a:cxn>
+                <a:cxn ang="0">
+                  <a:pos x="T10" y="T11"/>
+                </a:cxn>
+                <a:cxn ang="0">
+                  <a:pos x="T12" y="T13"/>
+                </a:cxn>
+                <a:cxn ang="0">
+                  <a:pos x="T14" y="T15"/>
+                </a:cxn>
+                <a:cxn ang="0">
+                  <a:pos x="T16" y="T17"/>
+                </a:cxn>
+                <a:cxn ang="0">
+                  <a:pos x="T18" y="T19"/>
+                </a:cxn>
+                <a:cxn ang="0">
+                  <a:pos x="T20" y="T21"/>
+                </a:cxn>
+                <a:cxn ang="0">
+                  <a:pos x="T22" y="T23"/>
+                </a:cxn>
+                <a:cxn ang="0">
+                  <a:pos x="T24" y="T25"/>
+                </a:cxn>
+                <a:cxn ang="0">
+                  <a:pos x="T26" y="T27"/>
+                </a:cxn>
+                <a:cxn ang="0">
+                  <a:pos x="T28" y="T29"/>
+                </a:cxn>
+                <a:cxn ang="0">
+                  <a:pos x="T30" y="T31"/>
+                </a:cxn>
+                <a:cxn ang="0">
+                  <a:pos x="T32" y="T33"/>
+                </a:cxn>
+                <a:cxn ang="0">
+                  <a:pos x="T34" y="T35"/>
+                </a:cxn>
+                <a:cxn ang="0">
+                  <a:pos x="T36" y="T37"/>
+                </a:cxn>
+                <a:cxn ang="0">
+                  <a:pos x="T38" y="T39"/>
+                </a:cxn>
+                <a:cxn ang="0">
+                  <a:pos x="T40" y="T41"/>
+                </a:cxn>
+                <a:cxn ang="0">
+                  <a:pos x="T42" y="T43"/>
+                </a:cxn>
+                <a:cxn ang="0">
+                  <a:pos x="T44" y="T45"/>
+                </a:cxn>
+              </a:cxnLst>
+              <a:rect l="0" t="0" r="r" b="b"/>
+              <a:pathLst>
+                <a:path w="61" h="95">
+                  <a:moveTo>
+                    <a:pt x="43" y="47"/>
+                  </a:moveTo>
+                  <a:cubicBezTo>
+                    <a:pt x="30" y="55"/>
+                    <a:pt x="30" y="55"/>
+                    <a:pt x="30" y="55"/>
+                  </a:cubicBezTo>
+                  <a:cubicBezTo>
+                    <a:pt x="15" y="65"/>
+                    <a:pt x="11" y="72"/>
+                    <a:pt x="11" y="83"/>
+                  </a:cubicBezTo>
+                  <a:cubicBezTo>
+                    <a:pt x="11" y="85"/>
+                    <a:pt x="11" y="85"/>
+                    <a:pt x="11" y="85"/>
+                  </a:cubicBezTo>
+                  <a:cubicBezTo>
+                    <a:pt x="57" y="85"/>
+                    <a:pt x="57" y="85"/>
+                    <a:pt x="57" y="85"/>
+                  </a:cubicBezTo>
+                  <a:cubicBezTo>
+                    <a:pt x="59" y="85"/>
+                    <a:pt x="60" y="86"/>
+                    <a:pt x="60" y="88"/>
+                  </a:cubicBezTo>
+                  <a:cubicBezTo>
+                    <a:pt x="60" y="93"/>
+                    <a:pt x="60" y="93"/>
+                    <a:pt x="60" y="93"/>
+                  </a:cubicBezTo>
+                  <a:cubicBezTo>
+                    <a:pt x="60" y="95"/>
+                    <a:pt x="59" y="95"/>
+                    <a:pt x="57" y="95"/>
+                  </a:cubicBezTo>
+                  <a:cubicBezTo>
+                    <a:pt x="3" y="95"/>
+                    <a:pt x="3" y="95"/>
+                    <a:pt x="3" y="95"/>
+                  </a:cubicBezTo>
+                  <a:cubicBezTo>
+                    <a:pt x="1" y="95"/>
+                    <a:pt x="0" y="94"/>
+                    <a:pt x="0" y="93"/>
+                  </a:cubicBezTo>
+                  <a:cubicBezTo>
+                    <a:pt x="0" y="83"/>
+                    <a:pt x="0" y="83"/>
+                    <a:pt x="0" y="83"/>
+                  </a:cubicBezTo>
+                  <a:cubicBezTo>
+                    <a:pt x="0" y="69"/>
+                    <a:pt x="6" y="58"/>
+                    <a:pt x="21" y="49"/>
+                  </a:cubicBezTo>
+                  <a:cubicBezTo>
+                    <a:pt x="35" y="40"/>
+                    <a:pt x="35" y="40"/>
+                    <a:pt x="35" y="40"/>
+                  </a:cubicBezTo>
+                  <a:cubicBezTo>
+                    <a:pt x="46" y="33"/>
+                    <a:pt x="49" y="30"/>
+                    <a:pt x="49" y="22"/>
+                  </a:cubicBezTo>
+                  <a:cubicBezTo>
+                    <a:pt x="49" y="13"/>
+                    <a:pt x="43" y="9"/>
+                    <a:pt x="28" y="9"/>
+                  </a:cubicBezTo>
+                  <a:cubicBezTo>
+                    <a:pt x="21" y="9"/>
+                    <a:pt x="12" y="10"/>
+                    <a:pt x="4" y="11"/>
+                  </a:cubicBezTo>
+                  <a:cubicBezTo>
+                    <a:pt x="4" y="11"/>
+                    <a:pt x="4" y="11"/>
+                    <a:pt x="3" y="11"/>
+                  </a:cubicBezTo>
+                  <a:cubicBezTo>
+                    <a:pt x="2" y="11"/>
+                    <a:pt x="1" y="10"/>
+                    <a:pt x="1" y="9"/>
+                  </a:cubicBezTo>
+                  <a:cubicBezTo>
+                    <a:pt x="1" y="4"/>
+                    <a:pt x="1" y="4"/>
+                    <a:pt x="1" y="4"/>
+                  </a:cubicBezTo>
+                  <a:cubicBezTo>
+                    <a:pt x="1" y="3"/>
+                    <a:pt x="3" y="2"/>
+                    <a:pt x="4" y="2"/>
+                  </a:cubicBezTo>
+                  <a:cubicBezTo>
+                    <a:pt x="11" y="0"/>
+                    <a:pt x="20" y="0"/>
+                    <a:pt x="28" y="0"/>
+                  </a:cubicBezTo>
+                  <a:cubicBezTo>
+                    <a:pt x="51" y="0"/>
+                    <a:pt x="61" y="7"/>
+                    <a:pt x="61" y="22"/>
+                  </a:cubicBezTo>
+                  <a:cubicBezTo>
+                    <a:pt x="61" y="33"/>
+                    <a:pt x="56" y="39"/>
+                    <a:pt x="43" y="47"/>
+                  </a:cubicBezTo>
+                  <a:close/>
+                </a:path>
+              </a:pathLst>
+            </a:custGeom>
+            <a:grpFill/>
+            <a:ln>
+              <a:noFill/>
+            </a:ln>
+            <a:extLst>
+              <a:ext uri="{91240B29-F687-4F45-9708-019B960494DF}">
+                <a14:hiddenLine xmlns:a14="http://schemas.microsoft.com/office/drawing/2010/main" w="9525">
+                  <a:solidFill>
+                    <a:srgbClr val="000000"/>
+                  </a:solidFill>
+                  <a:round/>
+                  <a:headEnd/>
+                  <a:tailEnd/>
+                </a14:hiddenLine>
+              </a:ext>
+            </a:extLst>
+          </p:spPr>
+          <p:txBody>
+            <a:bodyPr vert="horz" wrap="square" lIns="91440" tIns="45720" rIns="91440" bIns="45720" numCol="1" anchor="t" anchorCtr="0" compatLnSpc="1">
+              <a:prstTxWarp prst="textNoShape">
+                <a:avLst/>
+              </a:prstTxWarp>
+            </a:bodyPr>
+            <a:lstStyle/>
+            <a:p>
+              <a:pPr marL="0" marR="0" lvl="0" indent="0" defTabSz="914400" rtl="0" eaLnBrk="1" fontAlgn="auto" latinLnBrk="0" hangingPunct="1">
+                <a:lnSpc>
+                  <a:spcPct val="100000"/>
+                </a:lnSpc>
+                <a:spcBef>
+                  <a:spcPts val="0"/>
+                </a:spcBef>
+                <a:spcAft>
+                  <a:spcPts val="0"/>
+                </a:spcAft>
+                <a:buClrTx/>
+                <a:buSzTx/>
+                <a:buFontTx/>
+                <a:buNone/>
+                <a:tabLst/>
+                <a:defRPr/>
+              </a:pPr>
+              <a:endParaRPr kumimoji="0" lang="en-US" sz="1600" b="0" i="0" u="none" strike="noStrike" kern="1200" cap="none" spc="0" normalizeH="0" baseline="0" noProof="0" dirty="0">
+                <a:ln>
+                  <a:noFill/>
+                </a:ln>
+                <a:solidFill>
+                  <a:schemeClr val="bg1"/>
+                </a:solidFill>
+                <a:effectLst/>
+                <a:uLnTx/>
+                <a:uFillTx/>
+                <a:latin typeface="Calibri" panose="020F0502020204030204"/>
+                <a:ea typeface="+mn-ea"/>
+                <a:cs typeface="+mn-cs"/>
+              </a:endParaRPr>
+            </a:p>
+          </p:txBody>
+        </p:sp>
+        <p:sp>
+          <p:nvSpPr>
+            <p:cNvPr id="24" name="Freeform 255">
+              <a:extLst>
+                <a:ext uri="{FF2B5EF4-FFF2-40B4-BE49-F238E27FC236}">
+                  <a16:creationId xmlns:a16="http://schemas.microsoft.com/office/drawing/2014/main" id="{2B7217E0-9674-4788-8BEC-38E103450C37}"/>
+                </a:ext>
+              </a:extLst>
+            </p:cNvPr>
+            <p:cNvSpPr>
+              <a:spLocks noEditPoints="1"/>
+            </p:cNvSpPr>
+            <p:nvPr/>
+          </p:nvSpPr>
+          <p:spPr bwMode="auto">
+            <a:xfrm>
+              <a:off x="4208463" y="-2308225"/>
+              <a:ext cx="211137" cy="304800"/>
+            </a:xfrm>
+            <a:custGeom>
+              <a:avLst/>
+              <a:gdLst>
+                <a:gd name="T0" fmla="*/ 68 w 70"/>
+                <a:gd name="T1" fmla="*/ 74 h 100"/>
+                <a:gd name="T2" fmla="*/ 56 w 70"/>
+                <a:gd name="T3" fmla="*/ 74 h 100"/>
+                <a:gd name="T4" fmla="*/ 56 w 70"/>
+                <a:gd name="T5" fmla="*/ 98 h 100"/>
+                <a:gd name="T6" fmla="*/ 54 w 70"/>
+                <a:gd name="T7" fmla="*/ 100 h 100"/>
+                <a:gd name="T8" fmla="*/ 46 w 70"/>
+                <a:gd name="T9" fmla="*/ 100 h 100"/>
+                <a:gd name="T10" fmla="*/ 44 w 70"/>
+                <a:gd name="T11" fmla="*/ 98 h 100"/>
+                <a:gd name="T12" fmla="*/ 44 w 70"/>
+                <a:gd name="T13" fmla="*/ 74 h 100"/>
+                <a:gd name="T14" fmla="*/ 5 w 70"/>
+                <a:gd name="T15" fmla="*/ 74 h 100"/>
+                <a:gd name="T16" fmla="*/ 0 w 70"/>
+                <a:gd name="T17" fmla="*/ 68 h 100"/>
+                <a:gd name="T18" fmla="*/ 0 w 70"/>
+                <a:gd name="T19" fmla="*/ 63 h 100"/>
+                <a:gd name="T20" fmla="*/ 1 w 70"/>
+                <a:gd name="T21" fmla="*/ 58 h 100"/>
+                <a:gd name="T22" fmla="*/ 41 w 70"/>
+                <a:gd name="T23" fmla="*/ 2 h 100"/>
+                <a:gd name="T24" fmla="*/ 45 w 70"/>
+                <a:gd name="T25" fmla="*/ 0 h 100"/>
+                <a:gd name="T26" fmla="*/ 52 w 70"/>
+                <a:gd name="T27" fmla="*/ 0 h 100"/>
+                <a:gd name="T28" fmla="*/ 56 w 70"/>
+                <a:gd name="T29" fmla="*/ 3 h 100"/>
+                <a:gd name="T30" fmla="*/ 56 w 70"/>
+                <a:gd name="T31" fmla="*/ 63 h 100"/>
+                <a:gd name="T32" fmla="*/ 68 w 70"/>
+                <a:gd name="T33" fmla="*/ 63 h 100"/>
+                <a:gd name="T34" fmla="*/ 70 w 70"/>
+                <a:gd name="T35" fmla="*/ 66 h 100"/>
+                <a:gd name="T36" fmla="*/ 70 w 70"/>
+                <a:gd name="T37" fmla="*/ 71 h 100"/>
+                <a:gd name="T38" fmla="*/ 68 w 70"/>
+                <a:gd name="T39" fmla="*/ 74 h 100"/>
+                <a:gd name="T40" fmla="*/ 44 w 70"/>
+                <a:gd name="T41" fmla="*/ 17 h 100"/>
+                <a:gd name="T42" fmla="*/ 43 w 70"/>
+                <a:gd name="T43" fmla="*/ 17 h 100"/>
+                <a:gd name="T44" fmla="*/ 43 w 70"/>
+                <a:gd name="T45" fmla="*/ 17 h 100"/>
+                <a:gd name="T46" fmla="*/ 42 w 70"/>
+                <a:gd name="T47" fmla="*/ 17 h 100"/>
+                <a:gd name="T48" fmla="*/ 11 w 70"/>
+                <a:gd name="T49" fmla="*/ 61 h 100"/>
+                <a:gd name="T50" fmla="*/ 11 w 70"/>
+                <a:gd name="T51" fmla="*/ 63 h 100"/>
+                <a:gd name="T52" fmla="*/ 12 w 70"/>
+                <a:gd name="T53" fmla="*/ 63 h 100"/>
+                <a:gd name="T54" fmla="*/ 44 w 70"/>
+                <a:gd name="T55" fmla="*/ 63 h 100"/>
+                <a:gd name="T56" fmla="*/ 44 w 70"/>
+                <a:gd name="T57" fmla="*/ 17 h 100"/>
+              </a:gdLst>
+              <a:ahLst/>
+              <a:cxnLst>
+                <a:cxn ang="0">
+                  <a:pos x="T0" y="T1"/>
+                </a:cxn>
+                <a:cxn ang="0">
+                  <a:pos x="T2" y="T3"/>
+                </a:cxn>
+                <a:cxn ang="0">
+                  <a:pos x="T4" y="T5"/>
+                </a:cxn>
+                <a:cxn ang="0">
+                  <a:pos x="T6" y="T7"/>
+                </a:cxn>
+                <a:cxn ang="0">
+                  <a:pos x="T8" y="T9"/>
+                </a:cxn>
+                <a:cxn ang="0">
+                  <a:pos x="T10" y="T11"/>
+                </a:cxn>
+                <a:cxn ang="0">
+                  <a:pos x="T12" y="T13"/>
+                </a:cxn>
+                <a:cxn ang="0">
+                  <a:pos x="T14" y="T15"/>
+                </a:cxn>
+                <a:cxn ang="0">
+                  <a:pos x="T16" y="T17"/>
+                </a:cxn>
+                <a:cxn ang="0">
+                  <a:pos x="T18" y="T19"/>
+                </a:cxn>
+                <a:cxn ang="0">
+                  <a:pos x="T20" y="T21"/>
+                </a:cxn>
+                <a:cxn ang="0">
+                  <a:pos x="T22" y="T23"/>
+                </a:cxn>
+                <a:cxn ang="0">
+                  <a:pos x="T24" y="T25"/>
+                </a:cxn>
+                <a:cxn ang="0">
+                  <a:pos x="T26" y="T27"/>
+                </a:cxn>
+                <a:cxn ang="0">
+                  <a:pos x="T28" y="T29"/>
+                </a:cxn>
+                <a:cxn ang="0">
+                  <a:pos x="T30" y="T31"/>
+                </a:cxn>
+                <a:cxn ang="0">
+                  <a:pos x="T32" y="T33"/>
+                </a:cxn>
+                <a:cxn ang="0">
+                  <a:pos x="T34" y="T35"/>
+                </a:cxn>
+                <a:cxn ang="0">
+                  <a:pos x="T36" y="T37"/>
+                </a:cxn>
+                <a:cxn ang="0">
+                  <a:pos x="T38" y="T39"/>
+                </a:cxn>
+                <a:cxn ang="0">
+                  <a:pos x="T40" y="T41"/>
+                </a:cxn>
+                <a:cxn ang="0">
+                  <a:pos x="T42" y="T43"/>
+                </a:cxn>
+                <a:cxn ang="0">
+                  <a:pos x="T44" y="T45"/>
+                </a:cxn>
+                <a:cxn ang="0">
+                  <a:pos x="T46" y="T47"/>
+                </a:cxn>
+                <a:cxn ang="0">
+                  <a:pos x="T48" y="T49"/>
+                </a:cxn>
+                <a:cxn ang="0">
+                  <a:pos x="T50" y="T51"/>
+                </a:cxn>
+                <a:cxn ang="0">
+                  <a:pos x="T52" y="T53"/>
+                </a:cxn>
+                <a:cxn ang="0">
+                  <a:pos x="T54" y="T55"/>
+                </a:cxn>
+                <a:cxn ang="0">
+                  <a:pos x="T56" y="T57"/>
+                </a:cxn>
+              </a:cxnLst>
+              <a:rect l="0" t="0" r="r" b="b"/>
+              <a:pathLst>
+                <a:path w="70" h="100">
+                  <a:moveTo>
+                    <a:pt x="68" y="74"/>
+                  </a:moveTo>
+                  <a:cubicBezTo>
+                    <a:pt x="56" y="74"/>
+                    <a:pt x="56" y="74"/>
+                    <a:pt x="56" y="74"/>
+                  </a:cubicBezTo>
+                  <a:cubicBezTo>
+                    <a:pt x="56" y="98"/>
+                    <a:pt x="56" y="98"/>
+                    <a:pt x="56" y="98"/>
+                  </a:cubicBezTo>
+                  <a:cubicBezTo>
+                    <a:pt x="56" y="99"/>
+                    <a:pt x="55" y="100"/>
+                    <a:pt x="54" y="100"/>
+                  </a:cubicBezTo>
+                  <a:cubicBezTo>
+                    <a:pt x="46" y="100"/>
+                    <a:pt x="46" y="100"/>
+                    <a:pt x="46" y="100"/>
+                  </a:cubicBezTo>
+                  <a:cubicBezTo>
+                    <a:pt x="44" y="100"/>
+                    <a:pt x="44" y="99"/>
+                    <a:pt x="44" y="98"/>
+                  </a:cubicBezTo>
+                  <a:cubicBezTo>
+                    <a:pt x="44" y="74"/>
+                    <a:pt x="44" y="74"/>
+                    <a:pt x="44" y="74"/>
+                  </a:cubicBezTo>
+                  <a:cubicBezTo>
+                    <a:pt x="5" y="74"/>
+                    <a:pt x="5" y="74"/>
+                    <a:pt x="5" y="74"/>
+                  </a:cubicBezTo>
+                  <a:cubicBezTo>
+                    <a:pt x="1" y="74"/>
+                    <a:pt x="0" y="72"/>
+                    <a:pt x="0" y="68"/>
+                  </a:cubicBezTo>
+                  <a:cubicBezTo>
+                    <a:pt x="0" y="63"/>
+                    <a:pt x="0" y="63"/>
+                    <a:pt x="0" y="63"/>
+                  </a:cubicBezTo>
+                  <a:cubicBezTo>
+                    <a:pt x="0" y="61"/>
+                    <a:pt x="0" y="60"/>
+                    <a:pt x="1" y="58"/>
+                  </a:cubicBezTo>
+                  <a:cubicBezTo>
+                    <a:pt x="41" y="2"/>
+                    <a:pt x="41" y="2"/>
+                    <a:pt x="41" y="2"/>
+                  </a:cubicBezTo>
+                  <a:cubicBezTo>
+                    <a:pt x="41" y="1"/>
+                    <a:pt x="42" y="0"/>
+                    <a:pt x="45" y="0"/>
+                  </a:cubicBezTo>
+                  <a:cubicBezTo>
+                    <a:pt x="52" y="0"/>
+                    <a:pt x="52" y="0"/>
+                    <a:pt x="52" y="0"/>
+                  </a:cubicBezTo>
+                  <a:cubicBezTo>
+                    <a:pt x="55" y="0"/>
+                    <a:pt x="56" y="1"/>
+                    <a:pt x="56" y="3"/>
+                  </a:cubicBezTo>
+                  <a:cubicBezTo>
+                    <a:pt x="56" y="63"/>
+                    <a:pt x="56" y="63"/>
+                    <a:pt x="56" y="63"/>
+                  </a:cubicBezTo>
+                  <a:cubicBezTo>
+                    <a:pt x="68" y="63"/>
+                    <a:pt x="68" y="63"/>
+                    <a:pt x="68" y="63"/>
+                  </a:cubicBezTo>
+                  <a:cubicBezTo>
+                    <a:pt x="69" y="63"/>
+                    <a:pt x="70" y="64"/>
+                    <a:pt x="70" y="66"/>
+                  </a:cubicBezTo>
+                  <a:cubicBezTo>
+                    <a:pt x="70" y="71"/>
+                    <a:pt x="70" y="71"/>
+                    <a:pt x="70" y="71"/>
+                  </a:cubicBezTo>
+                  <a:cubicBezTo>
+                    <a:pt x="70" y="73"/>
+                    <a:pt x="69" y="74"/>
+                    <a:pt x="68" y="74"/>
+                  </a:cubicBezTo>
+                  <a:close/>
+                  <a:moveTo>
+                    <a:pt x="44" y="17"/>
+                  </a:moveTo>
+                  <a:cubicBezTo>
+                    <a:pt x="44" y="17"/>
+                    <a:pt x="44" y="17"/>
+                    <a:pt x="43" y="17"/>
+                  </a:cubicBezTo>
+                  <a:cubicBezTo>
+                    <a:pt x="43" y="17"/>
+                    <a:pt x="43" y="17"/>
+                    <a:pt x="43" y="17"/>
+                  </a:cubicBezTo>
+                  <a:cubicBezTo>
+                    <a:pt x="43" y="17"/>
+                    <a:pt x="42" y="17"/>
+                    <a:pt x="42" y="17"/>
+                  </a:cubicBezTo>
+                  <a:cubicBezTo>
+                    <a:pt x="11" y="61"/>
+                    <a:pt x="11" y="61"/>
+                    <a:pt x="11" y="61"/>
+                  </a:cubicBezTo>
+                  <a:cubicBezTo>
+                    <a:pt x="11" y="62"/>
+                    <a:pt x="11" y="62"/>
+                    <a:pt x="11" y="63"/>
+                  </a:cubicBezTo>
+                  <a:cubicBezTo>
+                    <a:pt x="11" y="63"/>
+                    <a:pt x="11" y="63"/>
+                    <a:pt x="12" y="63"/>
+                  </a:cubicBezTo>
+                  <a:cubicBezTo>
+                    <a:pt x="44" y="63"/>
+                    <a:pt x="44" y="63"/>
+                    <a:pt x="44" y="63"/>
+                  </a:cubicBezTo>
+                  <a:lnTo>
+                    <a:pt x="44" y="17"/>
+                  </a:lnTo>
+                  <a:close/>
+                </a:path>
+              </a:pathLst>
+            </a:custGeom>
+            <a:grpFill/>
+            <a:ln>
+              <a:noFill/>
+            </a:ln>
+            <a:extLst>
+              <a:ext uri="{91240B29-F687-4F45-9708-019B960494DF}">
+                <a14:hiddenLine xmlns:a14="http://schemas.microsoft.com/office/drawing/2010/main" w="9525">
+                  <a:solidFill>
+                    <a:srgbClr val="000000"/>
+                  </a:solidFill>
+                  <a:round/>
+                  <a:headEnd/>
+                  <a:tailEnd/>
+                </a14:hiddenLine>
+              </a:ext>
+            </a:extLst>
+          </p:spPr>
+          <p:txBody>
+            <a:bodyPr vert="horz" wrap="square" lIns="91440" tIns="45720" rIns="91440" bIns="45720" numCol="1" anchor="t" anchorCtr="0" compatLnSpc="1">
+              <a:prstTxWarp prst="textNoShape">
+                <a:avLst/>
+              </a:prstTxWarp>
+            </a:bodyPr>
+            <a:lstStyle/>
+            <a:p>
+              <a:pPr marL="0" marR="0" lvl="0" indent="0" defTabSz="914400" rtl="0" eaLnBrk="1" fontAlgn="auto" latinLnBrk="0" hangingPunct="1">
+                <a:lnSpc>
+                  <a:spcPct val="100000"/>
+                </a:lnSpc>
+                <a:spcBef>
+                  <a:spcPts val="0"/>
+                </a:spcBef>
+                <a:spcAft>
+                  <a:spcPts val="0"/>
+                </a:spcAft>
+                <a:buClrTx/>
+                <a:buSzTx/>
+                <a:buFontTx/>
+                <a:buNone/>
+                <a:tabLst/>
+                <a:defRPr/>
+              </a:pPr>
+              <a:endParaRPr kumimoji="0" lang="en-US" sz="1600" b="0" i="0" u="none" strike="noStrike" kern="1200" cap="none" spc="0" normalizeH="0" baseline="0" noProof="0" dirty="0">
+                <a:ln>
+                  <a:noFill/>
+                </a:ln>
+                <a:solidFill>
+                  <a:schemeClr val="bg1"/>
+                </a:solidFill>
+                <a:effectLst/>
+                <a:uLnTx/>
+                <a:uFillTx/>
+                <a:latin typeface="Calibri" panose="020F0502020204030204"/>
+                <a:ea typeface="+mn-ea"/>
+                <a:cs typeface="+mn-cs"/>
+              </a:endParaRPr>
+            </a:p>
+          </p:txBody>
+        </p:sp>
+        <p:sp>
+          <p:nvSpPr>
+            <p:cNvPr id="25" name="Freeform 256">
+              <a:extLst>
+                <a:ext uri="{FF2B5EF4-FFF2-40B4-BE49-F238E27FC236}">
+                  <a16:creationId xmlns:a16="http://schemas.microsoft.com/office/drawing/2014/main" id="{1D0B782E-951D-4429-B3BE-7DCE4215F2E8}"/>
+                </a:ext>
+              </a:extLst>
+            </p:cNvPr>
+            <p:cNvSpPr>
+              <a:spLocks/>
+            </p:cNvSpPr>
+            <p:nvPr/>
+          </p:nvSpPr>
+          <p:spPr bwMode="auto">
+            <a:xfrm>
+              <a:off x="4645025" y="-2374900"/>
+              <a:ext cx="34925" cy="292100"/>
+            </a:xfrm>
+            <a:custGeom>
+              <a:avLst/>
+              <a:gdLst>
+                <a:gd name="T0" fmla="*/ 11 w 12"/>
+                <a:gd name="T1" fmla="*/ 95 h 96"/>
+                <a:gd name="T2" fmla="*/ 10 w 12"/>
+                <a:gd name="T3" fmla="*/ 96 h 96"/>
+                <a:gd name="T4" fmla="*/ 3 w 12"/>
+                <a:gd name="T5" fmla="*/ 96 h 96"/>
+                <a:gd name="T6" fmla="*/ 1 w 12"/>
+                <a:gd name="T7" fmla="*/ 95 h 96"/>
+                <a:gd name="T8" fmla="*/ 0 w 12"/>
+                <a:gd name="T9" fmla="*/ 93 h 96"/>
+                <a:gd name="T10" fmla="*/ 0 w 12"/>
+                <a:gd name="T11" fmla="*/ 2 h 96"/>
+                <a:gd name="T12" fmla="*/ 1 w 12"/>
+                <a:gd name="T13" fmla="*/ 1 h 96"/>
+                <a:gd name="T14" fmla="*/ 3 w 12"/>
+                <a:gd name="T15" fmla="*/ 0 h 96"/>
+                <a:gd name="T16" fmla="*/ 10 w 12"/>
+                <a:gd name="T17" fmla="*/ 0 h 96"/>
+                <a:gd name="T18" fmla="*/ 11 w 12"/>
+                <a:gd name="T19" fmla="*/ 1 h 96"/>
+                <a:gd name="T20" fmla="*/ 12 w 12"/>
+                <a:gd name="T21" fmla="*/ 2 h 96"/>
+                <a:gd name="T22" fmla="*/ 12 w 12"/>
+                <a:gd name="T23" fmla="*/ 93 h 96"/>
+                <a:gd name="T24" fmla="*/ 11 w 12"/>
+                <a:gd name="T25" fmla="*/ 95 h 96"/>
+              </a:gdLst>
+              <a:ahLst/>
+              <a:cxnLst>
+                <a:cxn ang="0">
+                  <a:pos x="T0" y="T1"/>
+                </a:cxn>
+                <a:cxn ang="0">
+                  <a:pos x="T2" y="T3"/>
+                </a:cxn>
+                <a:cxn ang="0">
+                  <a:pos x="T4" y="T5"/>
+                </a:cxn>
+                <a:cxn ang="0">
+                  <a:pos x="T6" y="T7"/>
+                </a:cxn>
+                <a:cxn ang="0">
+                  <a:pos x="T8" y="T9"/>
+                </a:cxn>
+                <a:cxn ang="0">
+                  <a:pos x="T10" y="T11"/>
+                </a:cxn>
+                <a:cxn ang="0">
+                  <a:pos x="T12" y="T13"/>
+                </a:cxn>
+                <a:cxn ang="0">
+                  <a:pos x="T14" y="T15"/>
+                </a:cxn>
+                <a:cxn ang="0">
+                  <a:pos x="T16" y="T17"/>
+                </a:cxn>
+                <a:cxn ang="0">
+                  <a:pos x="T18" y="T19"/>
+                </a:cxn>
+                <a:cxn ang="0">
+                  <a:pos x="T20" y="T21"/>
+                </a:cxn>
+                <a:cxn ang="0">
+                  <a:pos x="T22" y="T23"/>
+                </a:cxn>
+                <a:cxn ang="0">
+                  <a:pos x="T24" y="T25"/>
+                </a:cxn>
+              </a:cxnLst>
+              <a:rect l="0" t="0" r="r" b="b"/>
+              <a:pathLst>
+                <a:path w="12" h="96">
+                  <a:moveTo>
+                    <a:pt x="11" y="95"/>
+                  </a:moveTo>
+                  <a:cubicBezTo>
+                    <a:pt x="11" y="95"/>
+                    <a:pt x="10" y="96"/>
+                    <a:pt x="10" y="96"/>
+                  </a:cubicBezTo>
+                  <a:cubicBezTo>
+                    <a:pt x="3" y="96"/>
+                    <a:pt x="3" y="96"/>
+                    <a:pt x="3" y="96"/>
+                  </a:cubicBezTo>
+                  <a:cubicBezTo>
+                    <a:pt x="2" y="96"/>
+                    <a:pt x="1" y="95"/>
+                    <a:pt x="1" y="95"/>
+                  </a:cubicBezTo>
+                  <a:cubicBezTo>
+                    <a:pt x="0" y="94"/>
+                    <a:pt x="0" y="94"/>
+                    <a:pt x="0" y="93"/>
+                  </a:cubicBezTo>
+                  <a:cubicBezTo>
+                    <a:pt x="0" y="2"/>
+                    <a:pt x="0" y="2"/>
+                    <a:pt x="0" y="2"/>
+                  </a:cubicBezTo>
+                  <a:cubicBezTo>
+                    <a:pt x="0" y="2"/>
+                    <a:pt x="0" y="1"/>
+                    <a:pt x="1" y="1"/>
+                  </a:cubicBezTo>
+                  <a:cubicBezTo>
+                    <a:pt x="1" y="0"/>
+                    <a:pt x="2" y="0"/>
+                    <a:pt x="3" y="0"/>
+                  </a:cubicBezTo>
+                  <a:cubicBezTo>
+                    <a:pt x="10" y="0"/>
+                    <a:pt x="10" y="0"/>
+                    <a:pt x="10" y="0"/>
+                  </a:cubicBezTo>
+                  <a:cubicBezTo>
+                    <a:pt x="10" y="0"/>
+                    <a:pt x="11" y="0"/>
+                    <a:pt x="11" y="1"/>
+                  </a:cubicBezTo>
+                  <a:cubicBezTo>
+                    <a:pt x="12" y="1"/>
+                    <a:pt x="12" y="2"/>
+                    <a:pt x="12" y="2"/>
+                  </a:cubicBezTo>
+                  <a:cubicBezTo>
+                    <a:pt x="12" y="93"/>
+                    <a:pt x="12" y="93"/>
+                    <a:pt x="12" y="93"/>
+                  </a:cubicBezTo>
+                  <a:cubicBezTo>
+                    <a:pt x="12" y="94"/>
+                    <a:pt x="12" y="94"/>
+                    <a:pt x="11" y="95"/>
+                  </a:cubicBezTo>
+                  <a:close/>
+                </a:path>
+              </a:pathLst>
+            </a:custGeom>
+            <a:grpFill/>
+            <a:ln>
+              <a:noFill/>
+            </a:ln>
+            <a:extLst>
+              <a:ext uri="{91240B29-F687-4F45-9708-019B960494DF}">
+                <a14:hiddenLine xmlns:a14="http://schemas.microsoft.com/office/drawing/2010/main" w="9525">
+                  <a:solidFill>
+                    <a:srgbClr val="000000"/>
+                  </a:solidFill>
+                  <a:round/>
+                  <a:headEnd/>
+                  <a:tailEnd/>
+                </a14:hiddenLine>
+              </a:ext>
+            </a:extLst>
+          </p:spPr>
+          <p:txBody>
+            <a:bodyPr vert="horz" wrap="square" lIns="91440" tIns="45720" rIns="91440" bIns="45720" numCol="1" anchor="t" anchorCtr="0" compatLnSpc="1">
+              <a:prstTxWarp prst="textNoShape">
+                <a:avLst/>
+              </a:prstTxWarp>
+            </a:bodyPr>
+            <a:lstStyle/>
+            <a:p>
+              <a:pPr marL="0" marR="0" lvl="0" indent="0" defTabSz="914400" rtl="0" eaLnBrk="1" fontAlgn="auto" latinLnBrk="0" hangingPunct="1">
+                <a:lnSpc>
+                  <a:spcPct val="100000"/>
+                </a:lnSpc>
+                <a:spcBef>
+                  <a:spcPts val="0"/>
+                </a:spcBef>
+                <a:spcAft>
+                  <a:spcPts val="0"/>
+                </a:spcAft>
+                <a:buClrTx/>
+                <a:buSzTx/>
+                <a:buFontTx/>
+                <a:buNone/>
+                <a:tabLst/>
+                <a:defRPr/>
+              </a:pPr>
+              <a:endParaRPr kumimoji="0" lang="en-US" sz="1600" b="0" i="0" u="none" strike="noStrike" kern="1200" cap="none" spc="0" normalizeH="0" baseline="0" noProof="0" dirty="0">
+                <a:ln>
+                  <a:noFill/>
+                </a:ln>
+                <a:solidFill>
+                  <a:schemeClr val="bg1"/>
+                </a:solidFill>
+                <a:effectLst/>
+                <a:uLnTx/>
+                <a:uFillTx/>
+                <a:latin typeface="Calibri" panose="020F0502020204030204"/>
+                <a:ea typeface="+mn-ea"/>
+                <a:cs typeface="+mn-cs"/>
+              </a:endParaRPr>
+            </a:p>
+          </p:txBody>
+        </p:sp>
+        <p:sp>
+          <p:nvSpPr>
+            <p:cNvPr id="26" name="Freeform 257">
+              <a:extLst>
+                <a:ext uri="{FF2B5EF4-FFF2-40B4-BE49-F238E27FC236}">
+                  <a16:creationId xmlns:a16="http://schemas.microsoft.com/office/drawing/2014/main" id="{583385A4-335D-4DC7-B775-855D309FD638}"/>
+                </a:ext>
+              </a:extLst>
+            </p:cNvPr>
+            <p:cNvSpPr>
+              <a:spLocks noEditPoints="1"/>
+            </p:cNvSpPr>
+            <p:nvPr/>
+          </p:nvSpPr>
+          <p:spPr bwMode="auto">
+            <a:xfrm>
+              <a:off x="4743450" y="-2378075"/>
+              <a:ext cx="36512" cy="295275"/>
+            </a:xfrm>
+            <a:custGeom>
+              <a:avLst/>
+              <a:gdLst>
+                <a:gd name="T0" fmla="*/ 11 w 12"/>
+                <a:gd name="T1" fmla="*/ 15 h 97"/>
+                <a:gd name="T2" fmla="*/ 9 w 12"/>
+                <a:gd name="T3" fmla="*/ 15 h 97"/>
+                <a:gd name="T4" fmla="*/ 3 w 12"/>
+                <a:gd name="T5" fmla="*/ 15 h 97"/>
+                <a:gd name="T6" fmla="*/ 1 w 12"/>
+                <a:gd name="T7" fmla="*/ 15 h 97"/>
+                <a:gd name="T8" fmla="*/ 0 w 12"/>
+                <a:gd name="T9" fmla="*/ 13 h 97"/>
+                <a:gd name="T10" fmla="*/ 0 w 12"/>
+                <a:gd name="T11" fmla="*/ 3 h 97"/>
+                <a:gd name="T12" fmla="*/ 1 w 12"/>
+                <a:gd name="T13" fmla="*/ 1 h 97"/>
+                <a:gd name="T14" fmla="*/ 3 w 12"/>
+                <a:gd name="T15" fmla="*/ 0 h 97"/>
+                <a:gd name="T16" fmla="*/ 9 w 12"/>
+                <a:gd name="T17" fmla="*/ 0 h 97"/>
+                <a:gd name="T18" fmla="*/ 11 w 12"/>
+                <a:gd name="T19" fmla="*/ 1 h 97"/>
+                <a:gd name="T20" fmla="*/ 12 w 12"/>
+                <a:gd name="T21" fmla="*/ 3 h 97"/>
+                <a:gd name="T22" fmla="*/ 12 w 12"/>
+                <a:gd name="T23" fmla="*/ 13 h 97"/>
+                <a:gd name="T24" fmla="*/ 11 w 12"/>
+                <a:gd name="T25" fmla="*/ 15 h 97"/>
+                <a:gd name="T26" fmla="*/ 11 w 12"/>
+                <a:gd name="T27" fmla="*/ 96 h 97"/>
+                <a:gd name="T28" fmla="*/ 9 w 12"/>
+                <a:gd name="T29" fmla="*/ 97 h 97"/>
+                <a:gd name="T30" fmla="*/ 3 w 12"/>
+                <a:gd name="T31" fmla="*/ 97 h 97"/>
+                <a:gd name="T32" fmla="*/ 1 w 12"/>
+                <a:gd name="T33" fmla="*/ 96 h 97"/>
+                <a:gd name="T34" fmla="*/ 0 w 12"/>
+                <a:gd name="T35" fmla="*/ 94 h 97"/>
+                <a:gd name="T36" fmla="*/ 0 w 12"/>
+                <a:gd name="T37" fmla="*/ 29 h 97"/>
+                <a:gd name="T38" fmla="*/ 1 w 12"/>
+                <a:gd name="T39" fmla="*/ 27 h 97"/>
+                <a:gd name="T40" fmla="*/ 3 w 12"/>
+                <a:gd name="T41" fmla="*/ 27 h 97"/>
+                <a:gd name="T42" fmla="*/ 9 w 12"/>
+                <a:gd name="T43" fmla="*/ 27 h 97"/>
+                <a:gd name="T44" fmla="*/ 11 w 12"/>
+                <a:gd name="T45" fmla="*/ 27 h 97"/>
+                <a:gd name="T46" fmla="*/ 12 w 12"/>
+                <a:gd name="T47" fmla="*/ 29 h 97"/>
+                <a:gd name="T48" fmla="*/ 12 w 12"/>
+                <a:gd name="T49" fmla="*/ 94 h 97"/>
+                <a:gd name="T50" fmla="*/ 11 w 12"/>
+                <a:gd name="T51" fmla="*/ 96 h 97"/>
+              </a:gdLst>
+              <a:ahLst/>
+              <a:cxnLst>
+                <a:cxn ang="0">
+                  <a:pos x="T0" y="T1"/>
+                </a:cxn>
+                <a:cxn ang="0">
+                  <a:pos x="T2" y="T3"/>
+                </a:cxn>
+                <a:cxn ang="0">
+                  <a:pos x="T4" y="T5"/>
+                </a:cxn>
+                <a:cxn ang="0">
+                  <a:pos x="T6" y="T7"/>
+                </a:cxn>
+                <a:cxn ang="0">
+                  <a:pos x="T8" y="T9"/>
+                </a:cxn>
+                <a:cxn ang="0">
+                  <a:pos x="T10" y="T11"/>
+                </a:cxn>
+                <a:cxn ang="0">
+                  <a:pos x="T12" y="T13"/>
+                </a:cxn>
+                <a:cxn ang="0">
+                  <a:pos x="T14" y="T15"/>
+                </a:cxn>
+                <a:cxn ang="0">
+                  <a:pos x="T16" y="T17"/>
+                </a:cxn>
+                <a:cxn ang="0">
+                  <a:pos x="T18" y="T19"/>
+                </a:cxn>
+                <a:cxn ang="0">
+                  <a:pos x="T20" y="T21"/>
+                </a:cxn>
+                <a:cxn ang="0">
+                  <a:pos x="T22" y="T23"/>
+                </a:cxn>
+                <a:cxn ang="0">
+                  <a:pos x="T24" y="T25"/>
+                </a:cxn>
+                <a:cxn ang="0">
+                  <a:pos x="T26" y="T27"/>
+                </a:cxn>
+                <a:cxn ang="0">
+                  <a:pos x="T28" y="T29"/>
+                </a:cxn>
+                <a:cxn ang="0">
+                  <a:pos x="T30" y="T31"/>
+                </a:cxn>
+                <a:cxn ang="0">
+                  <a:pos x="T32" y="T33"/>
+                </a:cxn>
+                <a:cxn ang="0">
+                  <a:pos x="T34" y="T35"/>
+                </a:cxn>
+                <a:cxn ang="0">
+                  <a:pos x="T36" y="T37"/>
+                </a:cxn>
+                <a:cxn ang="0">
+                  <a:pos x="T38" y="T39"/>
+                </a:cxn>
+                <a:cxn ang="0">
+                  <a:pos x="T40" y="T41"/>
+                </a:cxn>
+                <a:cxn ang="0">
+                  <a:pos x="T42" y="T43"/>
+                </a:cxn>
+                <a:cxn ang="0">
+                  <a:pos x="T44" y="T45"/>
+                </a:cxn>
+                <a:cxn ang="0">
+                  <a:pos x="T46" y="T47"/>
+                </a:cxn>
+                <a:cxn ang="0">
+                  <a:pos x="T48" y="T49"/>
+                </a:cxn>
+                <a:cxn ang="0">
+                  <a:pos x="T50" y="T51"/>
+                </a:cxn>
+              </a:cxnLst>
+              <a:rect l="0" t="0" r="r" b="b"/>
+              <a:pathLst>
+                <a:path w="12" h="97">
+                  <a:moveTo>
+                    <a:pt x="11" y="15"/>
+                  </a:moveTo>
+                  <a:cubicBezTo>
+                    <a:pt x="11" y="15"/>
+                    <a:pt x="10" y="15"/>
+                    <a:pt x="9" y="15"/>
+                  </a:cubicBezTo>
+                  <a:cubicBezTo>
+                    <a:pt x="3" y="15"/>
+                    <a:pt x="3" y="15"/>
+                    <a:pt x="3" y="15"/>
+                  </a:cubicBezTo>
+                  <a:cubicBezTo>
+                    <a:pt x="2" y="15"/>
+                    <a:pt x="1" y="15"/>
+                    <a:pt x="1" y="15"/>
+                  </a:cubicBezTo>
+                  <a:cubicBezTo>
+                    <a:pt x="0" y="14"/>
+                    <a:pt x="0" y="14"/>
+                    <a:pt x="0" y="13"/>
+                  </a:cubicBezTo>
+                  <a:cubicBezTo>
+                    <a:pt x="0" y="3"/>
+                    <a:pt x="0" y="3"/>
+                    <a:pt x="0" y="3"/>
+                  </a:cubicBezTo>
+                  <a:cubicBezTo>
+                    <a:pt x="0" y="2"/>
+                    <a:pt x="0" y="1"/>
+                    <a:pt x="1" y="1"/>
+                  </a:cubicBezTo>
+                  <a:cubicBezTo>
+                    <a:pt x="1" y="0"/>
+                    <a:pt x="2" y="0"/>
+                    <a:pt x="3" y="0"/>
+                  </a:cubicBezTo>
+                  <a:cubicBezTo>
+                    <a:pt x="9" y="0"/>
+                    <a:pt x="9" y="0"/>
+                    <a:pt x="9" y="0"/>
+                  </a:cubicBezTo>
+                  <a:cubicBezTo>
+                    <a:pt x="10" y="0"/>
+                    <a:pt x="11" y="0"/>
+                    <a:pt x="11" y="1"/>
+                  </a:cubicBezTo>
+                  <a:cubicBezTo>
+                    <a:pt x="12" y="1"/>
+                    <a:pt x="12" y="2"/>
+                    <a:pt x="12" y="3"/>
+                  </a:cubicBezTo>
+                  <a:cubicBezTo>
+                    <a:pt x="12" y="13"/>
+                    <a:pt x="12" y="13"/>
+                    <a:pt x="12" y="13"/>
+                  </a:cubicBezTo>
+                  <a:cubicBezTo>
+                    <a:pt x="12" y="14"/>
+                    <a:pt x="12" y="14"/>
+                    <a:pt x="11" y="15"/>
+                  </a:cubicBezTo>
+                  <a:close/>
+                  <a:moveTo>
+                    <a:pt x="11" y="96"/>
+                  </a:moveTo>
+                  <a:cubicBezTo>
+                    <a:pt x="10" y="96"/>
+                    <a:pt x="10" y="97"/>
+                    <a:pt x="9" y="97"/>
+                  </a:cubicBezTo>
+                  <a:cubicBezTo>
+                    <a:pt x="3" y="97"/>
+                    <a:pt x="3" y="97"/>
+                    <a:pt x="3" y="97"/>
+                  </a:cubicBezTo>
+                  <a:cubicBezTo>
+                    <a:pt x="2" y="97"/>
+                    <a:pt x="1" y="96"/>
+                    <a:pt x="1" y="96"/>
+                  </a:cubicBezTo>
+                  <a:cubicBezTo>
+                    <a:pt x="0" y="95"/>
+                    <a:pt x="0" y="95"/>
+                    <a:pt x="0" y="94"/>
+                  </a:cubicBezTo>
+                  <a:cubicBezTo>
+                    <a:pt x="0" y="29"/>
+                    <a:pt x="0" y="29"/>
+                    <a:pt x="0" y="29"/>
+                  </a:cubicBezTo>
+                  <a:cubicBezTo>
+                    <a:pt x="0" y="28"/>
+                    <a:pt x="0" y="28"/>
+                    <a:pt x="1" y="27"/>
+                  </a:cubicBezTo>
+                  <a:cubicBezTo>
+                    <a:pt x="1" y="27"/>
+                    <a:pt x="2" y="27"/>
+                    <a:pt x="3" y="27"/>
+                  </a:cubicBezTo>
+                  <a:cubicBezTo>
+                    <a:pt x="9" y="27"/>
+                    <a:pt x="9" y="27"/>
+                    <a:pt x="9" y="27"/>
+                  </a:cubicBezTo>
+                  <a:cubicBezTo>
+                    <a:pt x="10" y="27"/>
+                    <a:pt x="10" y="27"/>
+                    <a:pt x="11" y="27"/>
+                  </a:cubicBezTo>
+                  <a:cubicBezTo>
+                    <a:pt x="11" y="28"/>
+                    <a:pt x="12" y="28"/>
+                    <a:pt x="12" y="29"/>
+                  </a:cubicBezTo>
+                  <a:cubicBezTo>
+                    <a:pt x="12" y="94"/>
+                    <a:pt x="12" y="94"/>
+                    <a:pt x="12" y="94"/>
+                  </a:cubicBezTo>
+                  <a:cubicBezTo>
+                    <a:pt x="12" y="95"/>
+                    <a:pt x="11" y="95"/>
+                    <a:pt x="11" y="96"/>
+                  </a:cubicBezTo>
+                  <a:close/>
+                </a:path>
+              </a:pathLst>
+            </a:custGeom>
+            <a:grpFill/>
+            <a:ln>
+              <a:noFill/>
+            </a:ln>
+            <a:extLst>
+              <a:ext uri="{91240B29-F687-4F45-9708-019B960494DF}">
+                <a14:hiddenLine xmlns:a14="http://schemas.microsoft.com/office/drawing/2010/main" w="9525">
+                  <a:solidFill>
+                    <a:srgbClr val="000000"/>
+                  </a:solidFill>
+                  <a:round/>
+                  <a:headEnd/>
+                  <a:tailEnd/>
+                </a14:hiddenLine>
+              </a:ext>
+            </a:extLst>
+          </p:spPr>
+          <p:txBody>
+            <a:bodyPr vert="horz" wrap="square" lIns="91440" tIns="45720" rIns="91440" bIns="45720" numCol="1" anchor="t" anchorCtr="0" compatLnSpc="1">
+              <a:prstTxWarp prst="textNoShape">
+                <a:avLst/>
+              </a:prstTxWarp>
+            </a:bodyPr>
+            <a:lstStyle/>
+            <a:p>
+              <a:pPr marL="0" marR="0" lvl="0" indent="0" defTabSz="914400" rtl="0" eaLnBrk="1" fontAlgn="auto" latinLnBrk="0" hangingPunct="1">
+                <a:lnSpc>
+                  <a:spcPct val="100000"/>
+                </a:lnSpc>
+                <a:spcBef>
+                  <a:spcPts val="0"/>
+                </a:spcBef>
+                <a:spcAft>
+                  <a:spcPts val="0"/>
+                </a:spcAft>
+                <a:buClrTx/>
+                <a:buSzTx/>
+                <a:buFontTx/>
+                <a:buNone/>
+                <a:tabLst/>
+                <a:defRPr/>
+              </a:pPr>
+              <a:endParaRPr kumimoji="0" lang="en-US" sz="1600" b="0" i="0" u="none" strike="noStrike" kern="1200" cap="none" spc="0" normalizeH="0" baseline="0" noProof="0" dirty="0">
+                <a:ln>
+                  <a:noFill/>
+                </a:ln>
+                <a:solidFill>
+                  <a:schemeClr val="bg1"/>
+                </a:solidFill>
+                <a:effectLst/>
+                <a:uLnTx/>
+                <a:uFillTx/>
+                <a:latin typeface="Calibri" panose="020F0502020204030204"/>
+                <a:ea typeface="+mn-ea"/>
+                <a:cs typeface="+mn-cs"/>
+              </a:endParaRPr>
+            </a:p>
+          </p:txBody>
+        </p:sp>
+        <p:sp>
+          <p:nvSpPr>
+            <p:cNvPr id="27" name="Freeform 258">
+              <a:extLst>
+                <a:ext uri="{FF2B5EF4-FFF2-40B4-BE49-F238E27FC236}">
+                  <a16:creationId xmlns:a16="http://schemas.microsoft.com/office/drawing/2014/main" id="{7006BCEB-9B5C-4707-94D0-B6769968610B}"/>
+                </a:ext>
+              </a:extLst>
+            </p:cNvPr>
+            <p:cNvSpPr>
+              <a:spLocks noEditPoints="1"/>
+            </p:cNvSpPr>
+            <p:nvPr/>
+          </p:nvSpPr>
+          <p:spPr bwMode="auto">
+            <a:xfrm>
+              <a:off x="4830763" y="-2374900"/>
+              <a:ext cx="171450" cy="295275"/>
+            </a:xfrm>
+            <a:custGeom>
+              <a:avLst/>
+              <a:gdLst>
+                <a:gd name="T0" fmla="*/ 56 w 57"/>
+                <a:gd name="T1" fmla="*/ 93 h 97"/>
+                <a:gd name="T2" fmla="*/ 54 w 57"/>
+                <a:gd name="T3" fmla="*/ 94 h 97"/>
+                <a:gd name="T4" fmla="*/ 41 w 57"/>
+                <a:gd name="T5" fmla="*/ 96 h 97"/>
+                <a:gd name="T6" fmla="*/ 29 w 57"/>
+                <a:gd name="T7" fmla="*/ 97 h 97"/>
+                <a:gd name="T8" fmla="*/ 16 w 57"/>
+                <a:gd name="T9" fmla="*/ 94 h 97"/>
+                <a:gd name="T10" fmla="*/ 7 w 57"/>
+                <a:gd name="T11" fmla="*/ 88 h 97"/>
+                <a:gd name="T12" fmla="*/ 2 w 57"/>
+                <a:gd name="T13" fmla="*/ 78 h 97"/>
+                <a:gd name="T14" fmla="*/ 0 w 57"/>
+                <a:gd name="T15" fmla="*/ 65 h 97"/>
+                <a:gd name="T16" fmla="*/ 0 w 57"/>
+                <a:gd name="T17" fmla="*/ 56 h 97"/>
+                <a:gd name="T18" fmla="*/ 7 w 57"/>
+                <a:gd name="T19" fmla="*/ 33 h 97"/>
+                <a:gd name="T20" fmla="*/ 29 w 57"/>
+                <a:gd name="T21" fmla="*/ 25 h 97"/>
+                <a:gd name="T22" fmla="*/ 37 w 57"/>
+                <a:gd name="T23" fmla="*/ 25 h 97"/>
+                <a:gd name="T24" fmla="*/ 45 w 57"/>
+                <a:gd name="T25" fmla="*/ 26 h 97"/>
+                <a:gd name="T26" fmla="*/ 45 w 57"/>
+                <a:gd name="T27" fmla="*/ 2 h 97"/>
+                <a:gd name="T28" fmla="*/ 46 w 57"/>
+                <a:gd name="T29" fmla="*/ 1 h 97"/>
+                <a:gd name="T30" fmla="*/ 47 w 57"/>
+                <a:gd name="T31" fmla="*/ 0 h 97"/>
+                <a:gd name="T32" fmla="*/ 54 w 57"/>
+                <a:gd name="T33" fmla="*/ 0 h 97"/>
+                <a:gd name="T34" fmla="*/ 56 w 57"/>
+                <a:gd name="T35" fmla="*/ 1 h 97"/>
+                <a:gd name="T36" fmla="*/ 57 w 57"/>
+                <a:gd name="T37" fmla="*/ 2 h 97"/>
+                <a:gd name="T38" fmla="*/ 57 w 57"/>
+                <a:gd name="T39" fmla="*/ 91 h 97"/>
+                <a:gd name="T40" fmla="*/ 56 w 57"/>
+                <a:gd name="T41" fmla="*/ 93 h 97"/>
+                <a:gd name="T42" fmla="*/ 45 w 57"/>
+                <a:gd name="T43" fmla="*/ 35 h 97"/>
+                <a:gd name="T44" fmla="*/ 37 w 57"/>
+                <a:gd name="T45" fmla="*/ 35 h 97"/>
+                <a:gd name="T46" fmla="*/ 29 w 57"/>
+                <a:gd name="T47" fmla="*/ 35 h 97"/>
+                <a:gd name="T48" fmla="*/ 16 w 57"/>
+                <a:gd name="T49" fmla="*/ 40 h 97"/>
+                <a:gd name="T50" fmla="*/ 12 w 57"/>
+                <a:gd name="T51" fmla="*/ 56 h 97"/>
+                <a:gd name="T52" fmla="*/ 12 w 57"/>
+                <a:gd name="T53" fmla="*/ 65 h 97"/>
+                <a:gd name="T54" fmla="*/ 16 w 57"/>
+                <a:gd name="T55" fmla="*/ 81 h 97"/>
+                <a:gd name="T56" fmla="*/ 29 w 57"/>
+                <a:gd name="T57" fmla="*/ 87 h 97"/>
+                <a:gd name="T58" fmla="*/ 37 w 57"/>
+                <a:gd name="T59" fmla="*/ 86 h 97"/>
+                <a:gd name="T60" fmla="*/ 45 w 57"/>
+                <a:gd name="T61" fmla="*/ 86 h 97"/>
+                <a:gd name="T62" fmla="*/ 45 w 57"/>
+                <a:gd name="T63" fmla="*/ 35 h 97"/>
+              </a:gdLst>
+              <a:ahLst/>
+              <a:cxnLst>
+                <a:cxn ang="0">
+                  <a:pos x="T0" y="T1"/>
+                </a:cxn>
+                <a:cxn ang="0">
+                  <a:pos x="T2" y="T3"/>
+                </a:cxn>
+                <a:cxn ang="0">
+                  <a:pos x="T4" y="T5"/>
+                </a:cxn>
+                <a:cxn ang="0">
+                  <a:pos x="T6" y="T7"/>
+                </a:cxn>
+                <a:cxn ang="0">
+                  <a:pos x="T8" y="T9"/>
+                </a:cxn>
+                <a:cxn ang="0">
+                  <a:pos x="T10" y="T11"/>
+                </a:cxn>
+                <a:cxn ang="0">
+                  <a:pos x="T12" y="T13"/>
+                </a:cxn>
+                <a:cxn ang="0">
+                  <a:pos x="T14" y="T15"/>
+                </a:cxn>
+                <a:cxn ang="0">
+                  <a:pos x="T16" y="T17"/>
+                </a:cxn>
+                <a:cxn ang="0">
+                  <a:pos x="T18" y="T19"/>
+                </a:cxn>
+                <a:cxn ang="0">
+                  <a:pos x="T20" y="T21"/>
+                </a:cxn>
+                <a:cxn ang="0">
+                  <a:pos x="T22" y="T23"/>
+                </a:cxn>
+                <a:cxn ang="0">
+                  <a:pos x="T24" y="T25"/>
+                </a:cxn>
+                <a:cxn ang="0">
+                  <a:pos x="T26" y="T27"/>
+                </a:cxn>
+                <a:cxn ang="0">
+                  <a:pos x="T28" y="T29"/>
+                </a:cxn>
+                <a:cxn ang="0">
+                  <a:pos x="T30" y="T31"/>
+                </a:cxn>
+                <a:cxn ang="0">
+                  <a:pos x="T32" y="T33"/>
+                </a:cxn>
+                <a:cxn ang="0">
+                  <a:pos x="T34" y="T35"/>
+                </a:cxn>
+                <a:cxn ang="0">
+                  <a:pos x="T36" y="T37"/>
+                </a:cxn>
+                <a:cxn ang="0">
+                  <a:pos x="T38" y="T39"/>
+                </a:cxn>
+                <a:cxn ang="0">
+                  <a:pos x="T40" y="T41"/>
+                </a:cxn>
+                <a:cxn ang="0">
+                  <a:pos x="T42" y="T43"/>
+                </a:cxn>
+                <a:cxn ang="0">
+                  <a:pos x="T44" y="T45"/>
+                </a:cxn>
+                <a:cxn ang="0">
+                  <a:pos x="T46" y="T47"/>
+                </a:cxn>
+                <a:cxn ang="0">
+                  <a:pos x="T48" y="T49"/>
+                </a:cxn>
+                <a:cxn ang="0">
+                  <a:pos x="T50" y="T51"/>
+                </a:cxn>
+                <a:cxn ang="0">
+                  <a:pos x="T52" y="T53"/>
+                </a:cxn>
+                <a:cxn ang="0">
+                  <a:pos x="T54" y="T55"/>
+                </a:cxn>
+                <a:cxn ang="0">
+                  <a:pos x="T56" y="T57"/>
+                </a:cxn>
+                <a:cxn ang="0">
+                  <a:pos x="T58" y="T59"/>
+                </a:cxn>
+                <a:cxn ang="0">
+                  <a:pos x="T60" y="T61"/>
+                </a:cxn>
+                <a:cxn ang="0">
+                  <a:pos x="T62" y="T63"/>
+                </a:cxn>
+              </a:cxnLst>
+              <a:rect l="0" t="0" r="r" b="b"/>
+              <a:pathLst>
+                <a:path w="57" h="97">
+                  <a:moveTo>
+                    <a:pt x="56" y="93"/>
+                  </a:moveTo>
+                  <a:cubicBezTo>
+                    <a:pt x="56" y="94"/>
+                    <a:pt x="55" y="94"/>
+                    <a:pt x="54" y="94"/>
+                  </a:cubicBezTo>
+                  <a:cubicBezTo>
+                    <a:pt x="50" y="95"/>
+                    <a:pt x="46" y="96"/>
+                    <a:pt x="41" y="96"/>
+                  </a:cubicBezTo>
+                  <a:cubicBezTo>
+                    <a:pt x="37" y="96"/>
+                    <a:pt x="33" y="97"/>
+                    <a:pt x="29" y="97"/>
+                  </a:cubicBezTo>
+                  <a:cubicBezTo>
+                    <a:pt x="24" y="97"/>
+                    <a:pt x="20" y="96"/>
+                    <a:pt x="16" y="94"/>
+                  </a:cubicBezTo>
+                  <a:cubicBezTo>
+                    <a:pt x="13" y="93"/>
+                    <a:pt x="10" y="91"/>
+                    <a:pt x="7" y="88"/>
+                  </a:cubicBezTo>
+                  <a:cubicBezTo>
+                    <a:pt x="5" y="85"/>
+                    <a:pt x="3" y="82"/>
+                    <a:pt x="2" y="78"/>
+                  </a:cubicBezTo>
+                  <a:cubicBezTo>
+                    <a:pt x="1" y="74"/>
+                    <a:pt x="0" y="70"/>
+                    <a:pt x="0" y="65"/>
+                  </a:cubicBezTo>
+                  <a:cubicBezTo>
+                    <a:pt x="0" y="56"/>
+                    <a:pt x="0" y="56"/>
+                    <a:pt x="0" y="56"/>
+                  </a:cubicBezTo>
+                  <a:cubicBezTo>
+                    <a:pt x="0" y="46"/>
+                    <a:pt x="3" y="38"/>
+                    <a:pt x="7" y="33"/>
+                  </a:cubicBezTo>
+                  <a:cubicBezTo>
+                    <a:pt x="12" y="27"/>
+                    <a:pt x="19" y="25"/>
+                    <a:pt x="29" y="25"/>
+                  </a:cubicBezTo>
+                  <a:cubicBezTo>
+                    <a:pt x="31" y="25"/>
+                    <a:pt x="34" y="25"/>
+                    <a:pt x="37" y="25"/>
+                  </a:cubicBezTo>
+                  <a:cubicBezTo>
+                    <a:pt x="40" y="25"/>
+                    <a:pt x="42" y="26"/>
+                    <a:pt x="45" y="26"/>
+                  </a:cubicBezTo>
+                  <a:cubicBezTo>
+                    <a:pt x="45" y="2"/>
+                    <a:pt x="45" y="2"/>
+                    <a:pt x="45" y="2"/>
+                  </a:cubicBezTo>
+                  <a:cubicBezTo>
+                    <a:pt x="45" y="2"/>
+                    <a:pt x="45" y="1"/>
+                    <a:pt x="46" y="1"/>
+                  </a:cubicBezTo>
+                  <a:cubicBezTo>
+                    <a:pt x="46" y="0"/>
+                    <a:pt x="47" y="0"/>
+                    <a:pt x="47" y="0"/>
+                  </a:cubicBezTo>
+                  <a:cubicBezTo>
+                    <a:pt x="54" y="0"/>
+                    <a:pt x="54" y="0"/>
+                    <a:pt x="54" y="0"/>
+                  </a:cubicBezTo>
+                  <a:cubicBezTo>
+                    <a:pt x="55" y="0"/>
+                    <a:pt x="56" y="0"/>
+                    <a:pt x="56" y="1"/>
+                  </a:cubicBezTo>
+                  <a:cubicBezTo>
+                    <a:pt x="56" y="1"/>
+                    <a:pt x="57" y="2"/>
+                    <a:pt x="57" y="2"/>
+                  </a:cubicBezTo>
+                  <a:cubicBezTo>
+                    <a:pt x="57" y="91"/>
+                    <a:pt x="57" y="91"/>
+                    <a:pt x="57" y="91"/>
+                  </a:cubicBezTo>
+                  <a:cubicBezTo>
+                    <a:pt x="57" y="92"/>
+                    <a:pt x="57" y="93"/>
+                    <a:pt x="56" y="93"/>
+                  </a:cubicBezTo>
+                  <a:close/>
+                  <a:moveTo>
+                    <a:pt x="45" y="35"/>
+                  </a:moveTo>
+                  <a:cubicBezTo>
+                    <a:pt x="43" y="35"/>
+                    <a:pt x="40" y="35"/>
+                    <a:pt x="37" y="35"/>
+                  </a:cubicBezTo>
+                  <a:cubicBezTo>
+                    <a:pt x="34" y="35"/>
+                    <a:pt x="31" y="35"/>
+                    <a:pt x="29" y="35"/>
+                  </a:cubicBezTo>
+                  <a:cubicBezTo>
+                    <a:pt x="23" y="35"/>
+                    <a:pt x="18" y="36"/>
+                    <a:pt x="16" y="40"/>
+                  </a:cubicBezTo>
+                  <a:cubicBezTo>
+                    <a:pt x="13" y="44"/>
+                    <a:pt x="12" y="49"/>
+                    <a:pt x="12" y="56"/>
+                  </a:cubicBezTo>
+                  <a:cubicBezTo>
+                    <a:pt x="12" y="65"/>
+                    <a:pt x="12" y="65"/>
+                    <a:pt x="12" y="65"/>
+                  </a:cubicBezTo>
+                  <a:cubicBezTo>
+                    <a:pt x="12" y="72"/>
+                    <a:pt x="13" y="77"/>
+                    <a:pt x="16" y="81"/>
+                  </a:cubicBezTo>
+                  <a:cubicBezTo>
+                    <a:pt x="18" y="85"/>
+                    <a:pt x="23" y="87"/>
+                    <a:pt x="29" y="87"/>
+                  </a:cubicBezTo>
+                  <a:cubicBezTo>
+                    <a:pt x="32" y="87"/>
+                    <a:pt x="34" y="87"/>
+                    <a:pt x="37" y="86"/>
+                  </a:cubicBezTo>
+                  <a:cubicBezTo>
+                    <a:pt x="40" y="86"/>
+                    <a:pt x="43" y="86"/>
+                    <a:pt x="45" y="86"/>
+                  </a:cubicBezTo>
+                  <a:lnTo>
+                    <a:pt x="45" y="35"/>
+                  </a:lnTo>
+                  <a:close/>
+                </a:path>
+              </a:pathLst>
+            </a:custGeom>
+            <a:grpFill/>
+            <a:ln>
+              <a:noFill/>
+            </a:ln>
+            <a:extLst>
+              <a:ext uri="{91240B29-F687-4F45-9708-019B960494DF}">
+                <a14:hiddenLine xmlns:a14="http://schemas.microsoft.com/office/drawing/2010/main" w="9525">
+                  <a:solidFill>
+                    <a:srgbClr val="000000"/>
+                  </a:solidFill>
+                  <a:round/>
+                  <a:headEnd/>
+                  <a:tailEnd/>
+                </a14:hiddenLine>
+              </a:ext>
+            </a:extLst>
+          </p:spPr>
+          <p:txBody>
+            <a:bodyPr vert="horz" wrap="square" lIns="91440" tIns="45720" rIns="91440" bIns="45720" numCol="1" anchor="t" anchorCtr="0" compatLnSpc="1">
+              <a:prstTxWarp prst="textNoShape">
+                <a:avLst/>
+              </a:prstTxWarp>
+            </a:bodyPr>
+            <a:lstStyle/>
+            <a:p>
+              <a:pPr marL="0" marR="0" lvl="0" indent="0" defTabSz="914400" rtl="0" eaLnBrk="1" fontAlgn="auto" latinLnBrk="0" hangingPunct="1">
+                <a:lnSpc>
+                  <a:spcPct val="100000"/>
+                </a:lnSpc>
+                <a:spcBef>
+                  <a:spcPts val="0"/>
+                </a:spcBef>
+                <a:spcAft>
+                  <a:spcPts val="0"/>
+                </a:spcAft>
+                <a:buClrTx/>
+                <a:buSzTx/>
+                <a:buFontTx/>
+                <a:buNone/>
+                <a:tabLst/>
+                <a:defRPr/>
+              </a:pPr>
+              <a:endParaRPr kumimoji="0" lang="en-US" sz="1600" b="0" i="0" u="none" strike="noStrike" kern="1200" cap="none" spc="0" normalizeH="0" baseline="0" noProof="0" dirty="0">
+                <a:ln>
+                  <a:noFill/>
+                </a:ln>
+                <a:solidFill>
+                  <a:schemeClr val="bg1"/>
+                </a:solidFill>
+                <a:effectLst/>
+                <a:uLnTx/>
+                <a:uFillTx/>
+                <a:latin typeface="Calibri" panose="020F0502020204030204"/>
+                <a:ea typeface="+mn-ea"/>
+                <a:cs typeface="+mn-cs"/>
+              </a:endParaRPr>
+            </a:p>
+          </p:txBody>
+        </p:sp>
+        <p:sp>
+          <p:nvSpPr>
+            <p:cNvPr id="28" name="Freeform 259">
+              <a:extLst>
+                <a:ext uri="{FF2B5EF4-FFF2-40B4-BE49-F238E27FC236}">
+                  <a16:creationId xmlns:a16="http://schemas.microsoft.com/office/drawing/2014/main" id="{04A28FAA-9146-41CC-B2D6-4BADACFF4225}"/>
+                </a:ext>
+              </a:extLst>
+            </p:cNvPr>
+            <p:cNvSpPr>
+              <a:spLocks noEditPoints="1"/>
+            </p:cNvSpPr>
+            <p:nvPr/>
+          </p:nvSpPr>
+          <p:spPr bwMode="auto">
+            <a:xfrm>
+              <a:off x="5046663" y="-2298700"/>
+              <a:ext cx="180975" cy="219075"/>
+            </a:xfrm>
+            <a:custGeom>
+              <a:avLst/>
+              <a:gdLst>
+                <a:gd name="T0" fmla="*/ 57 w 60"/>
+                <a:gd name="T1" fmla="*/ 39 h 72"/>
+                <a:gd name="T2" fmla="*/ 12 w 60"/>
+                <a:gd name="T3" fmla="*/ 39 h 72"/>
+                <a:gd name="T4" fmla="*/ 12 w 60"/>
+                <a:gd name="T5" fmla="*/ 41 h 72"/>
+                <a:gd name="T6" fmla="*/ 17 w 60"/>
+                <a:gd name="T7" fmla="*/ 57 h 72"/>
+                <a:gd name="T8" fmla="*/ 31 w 60"/>
+                <a:gd name="T9" fmla="*/ 62 h 72"/>
+                <a:gd name="T10" fmla="*/ 43 w 60"/>
+                <a:gd name="T11" fmla="*/ 61 h 72"/>
+                <a:gd name="T12" fmla="*/ 55 w 60"/>
+                <a:gd name="T13" fmla="*/ 60 h 72"/>
+                <a:gd name="T14" fmla="*/ 55 w 60"/>
+                <a:gd name="T15" fmla="*/ 60 h 72"/>
+                <a:gd name="T16" fmla="*/ 57 w 60"/>
+                <a:gd name="T17" fmla="*/ 61 h 72"/>
+                <a:gd name="T18" fmla="*/ 57 w 60"/>
+                <a:gd name="T19" fmla="*/ 62 h 72"/>
+                <a:gd name="T20" fmla="*/ 57 w 60"/>
+                <a:gd name="T21" fmla="*/ 66 h 72"/>
+                <a:gd name="T22" fmla="*/ 57 w 60"/>
+                <a:gd name="T23" fmla="*/ 68 h 72"/>
+                <a:gd name="T24" fmla="*/ 55 w 60"/>
+                <a:gd name="T25" fmla="*/ 69 h 72"/>
+                <a:gd name="T26" fmla="*/ 43 w 60"/>
+                <a:gd name="T27" fmla="*/ 71 h 72"/>
+                <a:gd name="T28" fmla="*/ 31 w 60"/>
+                <a:gd name="T29" fmla="*/ 72 h 72"/>
+                <a:gd name="T30" fmla="*/ 20 w 60"/>
+                <a:gd name="T31" fmla="*/ 70 h 72"/>
+                <a:gd name="T32" fmla="*/ 10 w 60"/>
+                <a:gd name="T33" fmla="*/ 65 h 72"/>
+                <a:gd name="T34" fmla="*/ 3 w 60"/>
+                <a:gd name="T35" fmla="*/ 56 h 72"/>
+                <a:gd name="T36" fmla="*/ 0 w 60"/>
+                <a:gd name="T37" fmla="*/ 41 h 72"/>
+                <a:gd name="T38" fmla="*/ 0 w 60"/>
+                <a:gd name="T39" fmla="*/ 29 h 72"/>
+                <a:gd name="T40" fmla="*/ 8 w 60"/>
+                <a:gd name="T41" fmla="*/ 8 h 72"/>
+                <a:gd name="T42" fmla="*/ 30 w 60"/>
+                <a:gd name="T43" fmla="*/ 0 h 72"/>
+                <a:gd name="T44" fmla="*/ 43 w 60"/>
+                <a:gd name="T45" fmla="*/ 2 h 72"/>
+                <a:gd name="T46" fmla="*/ 52 w 60"/>
+                <a:gd name="T47" fmla="*/ 8 h 72"/>
+                <a:gd name="T48" fmla="*/ 58 w 60"/>
+                <a:gd name="T49" fmla="*/ 17 h 72"/>
+                <a:gd name="T50" fmla="*/ 60 w 60"/>
+                <a:gd name="T51" fmla="*/ 29 h 72"/>
+                <a:gd name="T52" fmla="*/ 60 w 60"/>
+                <a:gd name="T53" fmla="*/ 36 h 72"/>
+                <a:gd name="T54" fmla="*/ 57 w 60"/>
+                <a:gd name="T55" fmla="*/ 39 h 72"/>
+                <a:gd name="T56" fmla="*/ 48 w 60"/>
+                <a:gd name="T57" fmla="*/ 29 h 72"/>
+                <a:gd name="T58" fmla="*/ 43 w 60"/>
+                <a:gd name="T59" fmla="*/ 14 h 72"/>
+                <a:gd name="T60" fmla="*/ 30 w 60"/>
+                <a:gd name="T61" fmla="*/ 10 h 72"/>
+                <a:gd name="T62" fmla="*/ 17 w 60"/>
+                <a:gd name="T63" fmla="*/ 14 h 72"/>
+                <a:gd name="T64" fmla="*/ 12 w 60"/>
+                <a:gd name="T65" fmla="*/ 29 h 72"/>
+                <a:gd name="T66" fmla="*/ 12 w 60"/>
+                <a:gd name="T67" fmla="*/ 31 h 72"/>
+                <a:gd name="T68" fmla="*/ 48 w 60"/>
+                <a:gd name="T69" fmla="*/ 31 h 72"/>
+                <a:gd name="T70" fmla="*/ 48 w 60"/>
+                <a:gd name="T71" fmla="*/ 29 h 72"/>
+              </a:gdLst>
+              <a:ahLst/>
+              <a:cxnLst>
+                <a:cxn ang="0">
+                  <a:pos x="T0" y="T1"/>
+                </a:cxn>
+                <a:cxn ang="0">
+                  <a:pos x="T2" y="T3"/>
+                </a:cxn>
+                <a:cxn ang="0">
+                  <a:pos x="T4" y="T5"/>
+                </a:cxn>
+                <a:cxn ang="0">
+                  <a:pos x="T6" y="T7"/>
+                </a:cxn>
+                <a:cxn ang="0">
+                  <a:pos x="T8" y="T9"/>
+                </a:cxn>
+                <a:cxn ang="0">
+                  <a:pos x="T10" y="T11"/>
+                </a:cxn>
+                <a:cxn ang="0">
+                  <a:pos x="T12" y="T13"/>
+                </a:cxn>
+                <a:cxn ang="0">
+                  <a:pos x="T14" y="T15"/>
+                </a:cxn>
+                <a:cxn ang="0">
+                  <a:pos x="T16" y="T17"/>
+                </a:cxn>
+                <a:cxn ang="0">
+                  <a:pos x="T18" y="T19"/>
+                </a:cxn>
+                <a:cxn ang="0">
+                  <a:pos x="T20" y="T21"/>
+                </a:cxn>
+                <a:cxn ang="0">
+                  <a:pos x="T22" y="T23"/>
+                </a:cxn>
+                <a:cxn ang="0">
+                  <a:pos x="T24" y="T25"/>
+                </a:cxn>
+                <a:cxn ang="0">
+                  <a:pos x="T26" y="T27"/>
+                </a:cxn>
+                <a:cxn ang="0">
+                  <a:pos x="T28" y="T29"/>
+                </a:cxn>
+                <a:cxn ang="0">
+                  <a:pos x="T30" y="T31"/>
+                </a:cxn>
+                <a:cxn ang="0">
+                  <a:pos x="T32" y="T33"/>
+                </a:cxn>
+                <a:cxn ang="0">
+                  <a:pos x="T34" y="T35"/>
+                </a:cxn>
+                <a:cxn ang="0">
+                  <a:pos x="T36" y="T37"/>
+                </a:cxn>
+                <a:cxn ang="0">
+                  <a:pos x="T38" y="T39"/>
+                </a:cxn>
+                <a:cxn ang="0">
+                  <a:pos x="T40" y="T41"/>
+                </a:cxn>
+                <a:cxn ang="0">
+                  <a:pos x="T42" y="T43"/>
+                </a:cxn>
+                <a:cxn ang="0">
+                  <a:pos x="T44" y="T45"/>
+                </a:cxn>
+                <a:cxn ang="0">
+                  <a:pos x="T46" y="T47"/>
+                </a:cxn>
+                <a:cxn ang="0">
+                  <a:pos x="T48" y="T49"/>
+                </a:cxn>
+                <a:cxn ang="0">
+                  <a:pos x="T50" y="T51"/>
+                </a:cxn>
+                <a:cxn ang="0">
+                  <a:pos x="T52" y="T53"/>
+                </a:cxn>
+                <a:cxn ang="0">
+                  <a:pos x="T54" y="T55"/>
+                </a:cxn>
+                <a:cxn ang="0">
+                  <a:pos x="T56" y="T57"/>
+                </a:cxn>
+                <a:cxn ang="0">
+                  <a:pos x="T58" y="T59"/>
+                </a:cxn>
+                <a:cxn ang="0">
+                  <a:pos x="T60" y="T61"/>
+                </a:cxn>
+                <a:cxn ang="0">
+                  <a:pos x="T62" y="T63"/>
+                </a:cxn>
+                <a:cxn ang="0">
+                  <a:pos x="T64" y="T65"/>
+                </a:cxn>
+                <a:cxn ang="0">
+                  <a:pos x="T66" y="T67"/>
+                </a:cxn>
+                <a:cxn ang="0">
+                  <a:pos x="T68" y="T69"/>
+                </a:cxn>
+                <a:cxn ang="0">
+                  <a:pos x="T70" y="T71"/>
+                </a:cxn>
+              </a:cxnLst>
+              <a:rect l="0" t="0" r="r" b="b"/>
+              <a:pathLst>
+                <a:path w="60" h="72">
+                  <a:moveTo>
+                    <a:pt x="57" y="39"/>
+                  </a:moveTo>
+                  <a:cubicBezTo>
+                    <a:pt x="12" y="39"/>
+                    <a:pt x="12" y="39"/>
+                    <a:pt x="12" y="39"/>
+                  </a:cubicBezTo>
+                  <a:cubicBezTo>
+                    <a:pt x="12" y="41"/>
+                    <a:pt x="12" y="41"/>
+                    <a:pt x="12" y="41"/>
+                  </a:cubicBezTo>
+                  <a:cubicBezTo>
+                    <a:pt x="12" y="49"/>
+                    <a:pt x="14" y="54"/>
+                    <a:pt x="17" y="57"/>
+                  </a:cubicBezTo>
+                  <a:cubicBezTo>
+                    <a:pt x="20" y="60"/>
+                    <a:pt x="25" y="62"/>
+                    <a:pt x="31" y="62"/>
+                  </a:cubicBezTo>
+                  <a:cubicBezTo>
+                    <a:pt x="35" y="62"/>
+                    <a:pt x="39" y="62"/>
+                    <a:pt x="43" y="61"/>
+                  </a:cubicBezTo>
+                  <a:cubicBezTo>
+                    <a:pt x="48" y="61"/>
+                    <a:pt x="51" y="61"/>
+                    <a:pt x="55" y="60"/>
+                  </a:cubicBezTo>
+                  <a:cubicBezTo>
+                    <a:pt x="55" y="60"/>
+                    <a:pt x="55" y="60"/>
+                    <a:pt x="55" y="60"/>
+                  </a:cubicBezTo>
+                  <a:cubicBezTo>
+                    <a:pt x="56" y="60"/>
+                    <a:pt x="56" y="60"/>
+                    <a:pt x="57" y="61"/>
+                  </a:cubicBezTo>
+                  <a:cubicBezTo>
+                    <a:pt x="57" y="61"/>
+                    <a:pt x="57" y="61"/>
+                    <a:pt x="57" y="62"/>
+                  </a:cubicBezTo>
+                  <a:cubicBezTo>
+                    <a:pt x="57" y="66"/>
+                    <a:pt x="57" y="66"/>
+                    <a:pt x="57" y="66"/>
+                  </a:cubicBezTo>
+                  <a:cubicBezTo>
+                    <a:pt x="57" y="67"/>
+                    <a:pt x="57" y="68"/>
+                    <a:pt x="57" y="68"/>
+                  </a:cubicBezTo>
+                  <a:cubicBezTo>
+                    <a:pt x="56" y="69"/>
+                    <a:pt x="56" y="69"/>
+                    <a:pt x="55" y="69"/>
+                  </a:cubicBezTo>
+                  <a:cubicBezTo>
+                    <a:pt x="51" y="70"/>
+                    <a:pt x="47" y="71"/>
+                    <a:pt x="43" y="71"/>
+                  </a:cubicBezTo>
+                  <a:cubicBezTo>
+                    <a:pt x="39" y="71"/>
+                    <a:pt x="35" y="72"/>
+                    <a:pt x="31" y="72"/>
+                  </a:cubicBezTo>
+                  <a:cubicBezTo>
+                    <a:pt x="27" y="72"/>
+                    <a:pt x="23" y="71"/>
+                    <a:pt x="20" y="70"/>
+                  </a:cubicBezTo>
+                  <a:cubicBezTo>
+                    <a:pt x="16" y="69"/>
+                    <a:pt x="13" y="67"/>
+                    <a:pt x="10" y="65"/>
+                  </a:cubicBezTo>
+                  <a:cubicBezTo>
+                    <a:pt x="7" y="63"/>
+                    <a:pt x="5" y="60"/>
+                    <a:pt x="3" y="56"/>
+                  </a:cubicBezTo>
+                  <a:cubicBezTo>
+                    <a:pt x="1" y="52"/>
+                    <a:pt x="0" y="47"/>
+                    <a:pt x="0" y="41"/>
+                  </a:cubicBezTo>
+                  <a:cubicBezTo>
+                    <a:pt x="0" y="29"/>
+                    <a:pt x="0" y="29"/>
+                    <a:pt x="0" y="29"/>
+                  </a:cubicBezTo>
+                  <a:cubicBezTo>
+                    <a:pt x="0" y="20"/>
+                    <a:pt x="3" y="13"/>
+                    <a:pt x="8" y="8"/>
+                  </a:cubicBezTo>
+                  <a:cubicBezTo>
+                    <a:pt x="13" y="2"/>
+                    <a:pt x="20" y="0"/>
+                    <a:pt x="30" y="0"/>
+                  </a:cubicBezTo>
+                  <a:cubicBezTo>
+                    <a:pt x="35" y="0"/>
+                    <a:pt x="39" y="0"/>
+                    <a:pt x="43" y="2"/>
+                  </a:cubicBezTo>
+                  <a:cubicBezTo>
+                    <a:pt x="47" y="3"/>
+                    <a:pt x="50" y="5"/>
+                    <a:pt x="52" y="8"/>
+                  </a:cubicBezTo>
+                  <a:cubicBezTo>
+                    <a:pt x="55" y="10"/>
+                    <a:pt x="56" y="14"/>
+                    <a:pt x="58" y="17"/>
+                  </a:cubicBezTo>
+                  <a:cubicBezTo>
+                    <a:pt x="59" y="21"/>
+                    <a:pt x="60" y="25"/>
+                    <a:pt x="60" y="29"/>
+                  </a:cubicBezTo>
+                  <a:cubicBezTo>
+                    <a:pt x="60" y="36"/>
+                    <a:pt x="60" y="36"/>
+                    <a:pt x="60" y="36"/>
+                  </a:cubicBezTo>
+                  <a:cubicBezTo>
+                    <a:pt x="60" y="38"/>
+                    <a:pt x="59" y="39"/>
+                    <a:pt x="57" y="39"/>
+                  </a:cubicBezTo>
+                  <a:close/>
+                  <a:moveTo>
+                    <a:pt x="48" y="29"/>
+                  </a:moveTo>
+                  <a:cubicBezTo>
+                    <a:pt x="48" y="22"/>
+                    <a:pt x="46" y="17"/>
+                    <a:pt x="43" y="14"/>
+                  </a:cubicBezTo>
+                  <a:cubicBezTo>
+                    <a:pt x="40" y="11"/>
+                    <a:pt x="36" y="10"/>
+                    <a:pt x="30" y="10"/>
+                  </a:cubicBezTo>
+                  <a:cubicBezTo>
+                    <a:pt x="24" y="10"/>
+                    <a:pt x="20" y="11"/>
+                    <a:pt x="17" y="14"/>
+                  </a:cubicBezTo>
+                  <a:cubicBezTo>
+                    <a:pt x="14" y="18"/>
+                    <a:pt x="12" y="23"/>
+                    <a:pt x="12" y="29"/>
+                  </a:cubicBezTo>
+                  <a:cubicBezTo>
+                    <a:pt x="12" y="31"/>
+                    <a:pt x="12" y="31"/>
+                    <a:pt x="12" y="31"/>
+                  </a:cubicBezTo>
+                  <a:cubicBezTo>
+                    <a:pt x="48" y="31"/>
+                    <a:pt x="48" y="31"/>
+                    <a:pt x="48" y="31"/>
+                  </a:cubicBezTo>
+                  <a:lnTo>
+                    <a:pt x="48" y="29"/>
+                  </a:lnTo>
+                  <a:close/>
+                </a:path>
+              </a:pathLst>
+            </a:custGeom>
+            <a:grpFill/>
+            <a:ln>
+              <a:noFill/>
+            </a:ln>
+            <a:extLst>
+              <a:ext uri="{91240B29-F687-4F45-9708-019B960494DF}">
+                <a14:hiddenLine xmlns:a14="http://schemas.microsoft.com/office/drawing/2010/main" w="9525">
+                  <a:solidFill>
+                    <a:srgbClr val="000000"/>
+                  </a:solidFill>
+                  <a:round/>
+                  <a:headEnd/>
+                  <a:tailEnd/>
+                </a14:hiddenLine>
+              </a:ext>
+            </a:extLst>
+          </p:spPr>
+          <p:txBody>
+            <a:bodyPr vert="horz" wrap="square" lIns="91440" tIns="45720" rIns="91440" bIns="45720" numCol="1" anchor="t" anchorCtr="0" compatLnSpc="1">
+              <a:prstTxWarp prst="textNoShape">
+                <a:avLst/>
+              </a:prstTxWarp>
+            </a:bodyPr>
+            <a:lstStyle/>
+            <a:p>
+              <a:pPr marL="0" marR="0" lvl="0" indent="0" defTabSz="914400" rtl="0" eaLnBrk="1" fontAlgn="auto" latinLnBrk="0" hangingPunct="1">
+                <a:lnSpc>
+                  <a:spcPct val="100000"/>
+                </a:lnSpc>
+                <a:spcBef>
+                  <a:spcPts val="0"/>
+                </a:spcBef>
+                <a:spcAft>
+                  <a:spcPts val="0"/>
+                </a:spcAft>
+                <a:buClrTx/>
+                <a:buSzTx/>
+                <a:buFontTx/>
+                <a:buNone/>
+                <a:tabLst/>
+                <a:defRPr/>
+              </a:pPr>
+              <a:endParaRPr kumimoji="0" lang="en-US" sz="1600" b="0" i="0" u="none" strike="noStrike" kern="1200" cap="none" spc="0" normalizeH="0" baseline="0" noProof="0" dirty="0">
+                <a:ln>
+                  <a:noFill/>
+                </a:ln>
+                <a:solidFill>
+                  <a:schemeClr val="bg1"/>
+                </a:solidFill>
+                <a:effectLst/>
+                <a:uLnTx/>
+                <a:uFillTx/>
+                <a:latin typeface="Calibri" panose="020F0502020204030204"/>
+                <a:ea typeface="+mn-ea"/>
+                <a:cs typeface="+mn-cs"/>
+              </a:endParaRPr>
+            </a:p>
+          </p:txBody>
+        </p:sp>
+        <p:sp>
+          <p:nvSpPr>
+            <p:cNvPr id="29" name="Freeform 260">
+              <a:extLst>
+                <a:ext uri="{FF2B5EF4-FFF2-40B4-BE49-F238E27FC236}">
+                  <a16:creationId xmlns:a16="http://schemas.microsoft.com/office/drawing/2014/main" id="{D51BD546-8CE1-480A-ABC8-0E1DC12CA66B}"/>
+                </a:ext>
+              </a:extLst>
+            </p:cNvPr>
+            <p:cNvSpPr>
+              <a:spLocks/>
+            </p:cNvSpPr>
+            <p:nvPr/>
+          </p:nvSpPr>
+          <p:spPr bwMode="auto">
+            <a:xfrm>
+              <a:off x="5265738" y="-2298700"/>
+              <a:ext cx="147637" cy="219075"/>
+            </a:xfrm>
+            <a:custGeom>
+              <a:avLst/>
+              <a:gdLst>
+                <a:gd name="T0" fmla="*/ 49 w 49"/>
+                <a:gd name="T1" fmla="*/ 53 h 72"/>
+                <a:gd name="T2" fmla="*/ 42 w 49"/>
+                <a:gd name="T3" fmla="*/ 67 h 72"/>
+                <a:gd name="T4" fmla="*/ 24 w 49"/>
+                <a:gd name="T5" fmla="*/ 72 h 72"/>
+                <a:gd name="T6" fmla="*/ 20 w 49"/>
+                <a:gd name="T7" fmla="*/ 71 h 72"/>
+                <a:gd name="T8" fmla="*/ 14 w 49"/>
+                <a:gd name="T9" fmla="*/ 71 h 72"/>
+                <a:gd name="T10" fmla="*/ 8 w 49"/>
+                <a:gd name="T11" fmla="*/ 70 h 72"/>
+                <a:gd name="T12" fmla="*/ 3 w 49"/>
+                <a:gd name="T13" fmla="*/ 70 h 72"/>
+                <a:gd name="T14" fmla="*/ 0 w 49"/>
+                <a:gd name="T15" fmla="*/ 67 h 72"/>
+                <a:gd name="T16" fmla="*/ 0 w 49"/>
+                <a:gd name="T17" fmla="*/ 63 h 72"/>
+                <a:gd name="T18" fmla="*/ 1 w 49"/>
+                <a:gd name="T19" fmla="*/ 61 h 72"/>
+                <a:gd name="T20" fmla="*/ 3 w 49"/>
+                <a:gd name="T21" fmla="*/ 61 h 72"/>
+                <a:gd name="T22" fmla="*/ 3 w 49"/>
+                <a:gd name="T23" fmla="*/ 61 h 72"/>
+                <a:gd name="T24" fmla="*/ 8 w 49"/>
+                <a:gd name="T25" fmla="*/ 61 h 72"/>
+                <a:gd name="T26" fmla="*/ 14 w 49"/>
+                <a:gd name="T27" fmla="*/ 62 h 72"/>
+                <a:gd name="T28" fmla="*/ 20 w 49"/>
+                <a:gd name="T29" fmla="*/ 62 h 72"/>
+                <a:gd name="T30" fmla="*/ 24 w 49"/>
+                <a:gd name="T31" fmla="*/ 62 h 72"/>
+                <a:gd name="T32" fmla="*/ 34 w 49"/>
+                <a:gd name="T33" fmla="*/ 60 h 72"/>
+                <a:gd name="T34" fmla="*/ 37 w 49"/>
+                <a:gd name="T35" fmla="*/ 53 h 72"/>
+                <a:gd name="T36" fmla="*/ 35 w 49"/>
+                <a:gd name="T37" fmla="*/ 48 h 72"/>
+                <a:gd name="T38" fmla="*/ 27 w 49"/>
+                <a:gd name="T39" fmla="*/ 42 h 72"/>
+                <a:gd name="T40" fmla="*/ 14 w 49"/>
+                <a:gd name="T41" fmla="*/ 35 h 72"/>
+                <a:gd name="T42" fmla="*/ 4 w 49"/>
+                <a:gd name="T43" fmla="*/ 27 h 72"/>
+                <a:gd name="T44" fmla="*/ 0 w 49"/>
+                <a:gd name="T45" fmla="*/ 17 h 72"/>
+                <a:gd name="T46" fmla="*/ 2 w 49"/>
+                <a:gd name="T47" fmla="*/ 8 h 72"/>
+                <a:gd name="T48" fmla="*/ 7 w 49"/>
+                <a:gd name="T49" fmla="*/ 3 h 72"/>
+                <a:gd name="T50" fmla="*/ 15 w 49"/>
+                <a:gd name="T51" fmla="*/ 0 h 72"/>
+                <a:gd name="T52" fmla="*/ 24 w 49"/>
+                <a:gd name="T53" fmla="*/ 0 h 72"/>
+                <a:gd name="T54" fmla="*/ 35 w 49"/>
+                <a:gd name="T55" fmla="*/ 0 h 72"/>
+                <a:gd name="T56" fmla="*/ 45 w 49"/>
+                <a:gd name="T57" fmla="*/ 1 h 72"/>
+                <a:gd name="T58" fmla="*/ 48 w 49"/>
+                <a:gd name="T59" fmla="*/ 4 h 72"/>
+                <a:gd name="T60" fmla="*/ 48 w 49"/>
+                <a:gd name="T61" fmla="*/ 8 h 72"/>
+                <a:gd name="T62" fmla="*/ 45 w 49"/>
+                <a:gd name="T63" fmla="*/ 10 h 72"/>
+                <a:gd name="T64" fmla="*/ 45 w 49"/>
+                <a:gd name="T65" fmla="*/ 10 h 72"/>
+                <a:gd name="T66" fmla="*/ 36 w 49"/>
+                <a:gd name="T67" fmla="*/ 10 h 72"/>
+                <a:gd name="T68" fmla="*/ 24 w 49"/>
+                <a:gd name="T69" fmla="*/ 9 h 72"/>
+                <a:gd name="T70" fmla="*/ 15 w 49"/>
+                <a:gd name="T71" fmla="*/ 11 h 72"/>
+                <a:gd name="T72" fmla="*/ 12 w 49"/>
+                <a:gd name="T73" fmla="*/ 17 h 72"/>
+                <a:gd name="T74" fmla="*/ 14 w 49"/>
+                <a:gd name="T75" fmla="*/ 22 h 72"/>
+                <a:gd name="T76" fmla="*/ 21 w 49"/>
+                <a:gd name="T77" fmla="*/ 26 h 72"/>
+                <a:gd name="T78" fmla="*/ 34 w 49"/>
+                <a:gd name="T79" fmla="*/ 34 h 72"/>
+                <a:gd name="T80" fmla="*/ 46 w 49"/>
+                <a:gd name="T81" fmla="*/ 43 h 72"/>
+                <a:gd name="T82" fmla="*/ 49 w 49"/>
+                <a:gd name="T83" fmla="*/ 53 h 72"/>
+              </a:gdLst>
+              <a:ahLst/>
+              <a:cxnLst>
+                <a:cxn ang="0">
+                  <a:pos x="T0" y="T1"/>
+                </a:cxn>
+                <a:cxn ang="0">
+                  <a:pos x="T2" y="T3"/>
+                </a:cxn>
+                <a:cxn ang="0">
+                  <a:pos x="T4" y="T5"/>
+                </a:cxn>
+                <a:cxn ang="0">
+                  <a:pos x="T6" y="T7"/>
+                </a:cxn>
+                <a:cxn ang="0">
+                  <a:pos x="T8" y="T9"/>
+                </a:cxn>
+                <a:cxn ang="0">
+                  <a:pos x="T10" y="T11"/>
+                </a:cxn>
+                <a:cxn ang="0">
+                  <a:pos x="T12" y="T13"/>
+                </a:cxn>
+                <a:cxn ang="0">
+                  <a:pos x="T14" y="T15"/>
+                </a:cxn>
+                <a:cxn ang="0">
+                  <a:pos x="T16" y="T17"/>
+                </a:cxn>
+                <a:cxn ang="0">
+                  <a:pos x="T18" y="T19"/>
+                </a:cxn>
+                <a:cxn ang="0">
+                  <a:pos x="T20" y="T21"/>
+                </a:cxn>
+                <a:cxn ang="0">
+                  <a:pos x="T22" y="T23"/>
+                </a:cxn>
+                <a:cxn ang="0">
+                  <a:pos x="T24" y="T25"/>
+                </a:cxn>
+                <a:cxn ang="0">
+                  <a:pos x="T26" y="T27"/>
+                </a:cxn>
+                <a:cxn ang="0">
+                  <a:pos x="T28" y="T29"/>
+                </a:cxn>
+                <a:cxn ang="0">
+                  <a:pos x="T30" y="T31"/>
+                </a:cxn>
+                <a:cxn ang="0">
+                  <a:pos x="T32" y="T33"/>
+                </a:cxn>
+                <a:cxn ang="0">
+                  <a:pos x="T34" y="T35"/>
+                </a:cxn>
+                <a:cxn ang="0">
+                  <a:pos x="T36" y="T37"/>
+                </a:cxn>
+                <a:cxn ang="0">
+                  <a:pos x="T38" y="T39"/>
+                </a:cxn>
+                <a:cxn ang="0">
+                  <a:pos x="T40" y="T41"/>
+                </a:cxn>
+                <a:cxn ang="0">
+                  <a:pos x="T42" y="T43"/>
+                </a:cxn>
+                <a:cxn ang="0">
+                  <a:pos x="T44" y="T45"/>
+                </a:cxn>
+                <a:cxn ang="0">
+                  <a:pos x="T46" y="T47"/>
+                </a:cxn>
+                <a:cxn ang="0">
+                  <a:pos x="T48" y="T49"/>
+                </a:cxn>
+                <a:cxn ang="0">
+                  <a:pos x="T50" y="T51"/>
+                </a:cxn>
+                <a:cxn ang="0">
+                  <a:pos x="T52" y="T53"/>
+                </a:cxn>
+                <a:cxn ang="0">
+                  <a:pos x="T54" y="T55"/>
+                </a:cxn>
+                <a:cxn ang="0">
+                  <a:pos x="T56" y="T57"/>
+                </a:cxn>
+                <a:cxn ang="0">
+                  <a:pos x="T58" y="T59"/>
+                </a:cxn>
+                <a:cxn ang="0">
+                  <a:pos x="T60" y="T61"/>
+                </a:cxn>
+                <a:cxn ang="0">
+                  <a:pos x="T62" y="T63"/>
+                </a:cxn>
+                <a:cxn ang="0">
+                  <a:pos x="T64" y="T65"/>
+                </a:cxn>
+                <a:cxn ang="0">
+                  <a:pos x="T66" y="T67"/>
+                </a:cxn>
+                <a:cxn ang="0">
+                  <a:pos x="T68" y="T69"/>
+                </a:cxn>
+                <a:cxn ang="0">
+                  <a:pos x="T70" y="T71"/>
+                </a:cxn>
+                <a:cxn ang="0">
+                  <a:pos x="T72" y="T73"/>
+                </a:cxn>
+                <a:cxn ang="0">
+                  <a:pos x="T74" y="T75"/>
+                </a:cxn>
+                <a:cxn ang="0">
+                  <a:pos x="T76" y="T77"/>
+                </a:cxn>
+                <a:cxn ang="0">
+                  <a:pos x="T78" y="T79"/>
+                </a:cxn>
+                <a:cxn ang="0">
+                  <a:pos x="T80" y="T81"/>
+                </a:cxn>
+                <a:cxn ang="0">
+                  <a:pos x="T82" y="T83"/>
+                </a:cxn>
+              </a:cxnLst>
+              <a:rect l="0" t="0" r="r" b="b"/>
+              <a:pathLst>
+                <a:path w="49" h="72">
+                  <a:moveTo>
+                    <a:pt x="49" y="53"/>
+                  </a:moveTo>
+                  <a:cubicBezTo>
+                    <a:pt x="49" y="59"/>
+                    <a:pt x="47" y="64"/>
+                    <a:pt x="42" y="67"/>
+                  </a:cubicBezTo>
+                  <a:cubicBezTo>
+                    <a:pt x="38" y="70"/>
+                    <a:pt x="32" y="72"/>
+                    <a:pt x="24" y="72"/>
+                  </a:cubicBezTo>
+                  <a:cubicBezTo>
+                    <a:pt x="23" y="72"/>
+                    <a:pt x="21" y="71"/>
+                    <a:pt x="20" y="71"/>
+                  </a:cubicBezTo>
+                  <a:cubicBezTo>
+                    <a:pt x="18" y="71"/>
+                    <a:pt x="16" y="71"/>
+                    <a:pt x="14" y="71"/>
+                  </a:cubicBezTo>
+                  <a:cubicBezTo>
+                    <a:pt x="12" y="71"/>
+                    <a:pt x="10" y="71"/>
+                    <a:pt x="8" y="70"/>
+                  </a:cubicBezTo>
+                  <a:cubicBezTo>
+                    <a:pt x="6" y="70"/>
+                    <a:pt x="5" y="70"/>
+                    <a:pt x="3" y="70"/>
+                  </a:cubicBezTo>
+                  <a:cubicBezTo>
+                    <a:pt x="1" y="69"/>
+                    <a:pt x="0" y="68"/>
+                    <a:pt x="0" y="67"/>
+                  </a:cubicBezTo>
+                  <a:cubicBezTo>
+                    <a:pt x="0" y="63"/>
+                    <a:pt x="0" y="63"/>
+                    <a:pt x="0" y="63"/>
+                  </a:cubicBezTo>
+                  <a:cubicBezTo>
+                    <a:pt x="0" y="62"/>
+                    <a:pt x="0" y="62"/>
+                    <a:pt x="1" y="61"/>
+                  </a:cubicBezTo>
+                  <a:cubicBezTo>
+                    <a:pt x="1" y="61"/>
+                    <a:pt x="2" y="61"/>
+                    <a:pt x="3" y="61"/>
+                  </a:cubicBezTo>
+                  <a:cubicBezTo>
+                    <a:pt x="3" y="61"/>
+                    <a:pt x="3" y="61"/>
+                    <a:pt x="3" y="61"/>
+                  </a:cubicBezTo>
+                  <a:cubicBezTo>
+                    <a:pt x="5" y="61"/>
+                    <a:pt x="6" y="61"/>
+                    <a:pt x="8" y="61"/>
+                  </a:cubicBezTo>
+                  <a:cubicBezTo>
+                    <a:pt x="10" y="61"/>
+                    <a:pt x="12" y="62"/>
+                    <a:pt x="14" y="62"/>
+                  </a:cubicBezTo>
+                  <a:cubicBezTo>
+                    <a:pt x="16" y="62"/>
+                    <a:pt x="18" y="62"/>
+                    <a:pt x="20" y="62"/>
+                  </a:cubicBezTo>
+                  <a:cubicBezTo>
+                    <a:pt x="21" y="62"/>
+                    <a:pt x="23" y="62"/>
+                    <a:pt x="24" y="62"/>
+                  </a:cubicBezTo>
+                  <a:cubicBezTo>
+                    <a:pt x="28" y="62"/>
+                    <a:pt x="32" y="61"/>
+                    <a:pt x="34" y="60"/>
+                  </a:cubicBezTo>
+                  <a:cubicBezTo>
+                    <a:pt x="36" y="59"/>
+                    <a:pt x="37" y="57"/>
+                    <a:pt x="37" y="53"/>
+                  </a:cubicBezTo>
+                  <a:cubicBezTo>
+                    <a:pt x="37" y="51"/>
+                    <a:pt x="37" y="49"/>
+                    <a:pt x="35" y="48"/>
+                  </a:cubicBezTo>
+                  <a:cubicBezTo>
+                    <a:pt x="34" y="47"/>
+                    <a:pt x="31" y="45"/>
+                    <a:pt x="27" y="42"/>
+                  </a:cubicBezTo>
+                  <a:cubicBezTo>
+                    <a:pt x="14" y="35"/>
+                    <a:pt x="14" y="35"/>
+                    <a:pt x="14" y="35"/>
+                  </a:cubicBezTo>
+                  <a:cubicBezTo>
+                    <a:pt x="10" y="32"/>
+                    <a:pt x="6" y="30"/>
+                    <a:pt x="4" y="27"/>
+                  </a:cubicBezTo>
+                  <a:cubicBezTo>
+                    <a:pt x="1" y="24"/>
+                    <a:pt x="0" y="21"/>
+                    <a:pt x="0" y="17"/>
+                  </a:cubicBezTo>
+                  <a:cubicBezTo>
+                    <a:pt x="0" y="13"/>
+                    <a:pt x="1" y="11"/>
+                    <a:pt x="2" y="8"/>
+                  </a:cubicBezTo>
+                  <a:cubicBezTo>
+                    <a:pt x="3" y="6"/>
+                    <a:pt x="5" y="5"/>
+                    <a:pt x="7" y="3"/>
+                  </a:cubicBezTo>
+                  <a:cubicBezTo>
+                    <a:pt x="9" y="2"/>
+                    <a:pt x="12" y="1"/>
+                    <a:pt x="15" y="0"/>
+                  </a:cubicBezTo>
+                  <a:cubicBezTo>
+                    <a:pt x="18" y="0"/>
+                    <a:pt x="21" y="0"/>
+                    <a:pt x="24" y="0"/>
+                  </a:cubicBezTo>
+                  <a:cubicBezTo>
+                    <a:pt x="28" y="0"/>
+                    <a:pt x="32" y="0"/>
+                    <a:pt x="35" y="0"/>
+                  </a:cubicBezTo>
+                  <a:cubicBezTo>
+                    <a:pt x="39" y="0"/>
+                    <a:pt x="42" y="1"/>
+                    <a:pt x="45" y="1"/>
+                  </a:cubicBezTo>
+                  <a:cubicBezTo>
+                    <a:pt x="47" y="2"/>
+                    <a:pt x="48" y="2"/>
+                    <a:pt x="48" y="4"/>
+                  </a:cubicBezTo>
+                  <a:cubicBezTo>
+                    <a:pt x="48" y="8"/>
+                    <a:pt x="48" y="8"/>
+                    <a:pt x="48" y="8"/>
+                  </a:cubicBezTo>
+                  <a:cubicBezTo>
+                    <a:pt x="48" y="10"/>
+                    <a:pt x="47" y="10"/>
+                    <a:pt x="45" y="10"/>
+                  </a:cubicBezTo>
+                  <a:cubicBezTo>
+                    <a:pt x="45" y="10"/>
+                    <a:pt x="45" y="10"/>
+                    <a:pt x="45" y="10"/>
+                  </a:cubicBezTo>
+                  <a:cubicBezTo>
+                    <a:pt x="43" y="10"/>
+                    <a:pt x="40" y="10"/>
+                    <a:pt x="36" y="10"/>
+                  </a:cubicBezTo>
+                  <a:cubicBezTo>
+                    <a:pt x="32" y="9"/>
+                    <a:pt x="28" y="9"/>
+                    <a:pt x="24" y="9"/>
+                  </a:cubicBezTo>
+                  <a:cubicBezTo>
+                    <a:pt x="21" y="9"/>
+                    <a:pt x="18" y="10"/>
+                    <a:pt x="15" y="11"/>
+                  </a:cubicBezTo>
+                  <a:cubicBezTo>
+                    <a:pt x="13" y="11"/>
+                    <a:pt x="12" y="13"/>
+                    <a:pt x="12" y="17"/>
+                  </a:cubicBezTo>
+                  <a:cubicBezTo>
+                    <a:pt x="12" y="19"/>
+                    <a:pt x="13" y="20"/>
+                    <a:pt x="14" y="22"/>
+                  </a:cubicBezTo>
+                  <a:cubicBezTo>
+                    <a:pt x="16" y="23"/>
+                    <a:pt x="18" y="25"/>
+                    <a:pt x="21" y="26"/>
+                  </a:cubicBezTo>
+                  <a:cubicBezTo>
+                    <a:pt x="34" y="34"/>
+                    <a:pt x="34" y="34"/>
+                    <a:pt x="34" y="34"/>
+                  </a:cubicBezTo>
+                  <a:cubicBezTo>
+                    <a:pt x="40" y="37"/>
+                    <a:pt x="44" y="40"/>
+                    <a:pt x="46" y="43"/>
+                  </a:cubicBezTo>
+                  <a:cubicBezTo>
+                    <a:pt x="48" y="46"/>
+                    <a:pt x="49" y="49"/>
+                    <a:pt x="49" y="53"/>
+                  </a:cubicBezTo>
+                  <a:close/>
+                </a:path>
+              </a:pathLst>
+            </a:custGeom>
+            <a:grpFill/>
+            <a:ln>
+              <a:noFill/>
+            </a:ln>
+            <a:extLst>
+              <a:ext uri="{91240B29-F687-4F45-9708-019B960494DF}">
+                <a14:hiddenLine xmlns:a14="http://schemas.microsoft.com/office/drawing/2010/main" w="9525">
+                  <a:solidFill>
+                    <a:srgbClr val="000000"/>
+                  </a:solidFill>
+                  <a:round/>
+                  <a:headEnd/>
+                  <a:tailEnd/>
+                </a14:hiddenLine>
+              </a:ext>
+            </a:extLst>
+          </p:spPr>
+          <p:txBody>
+            <a:bodyPr vert="horz" wrap="square" lIns="91440" tIns="45720" rIns="91440" bIns="45720" numCol="1" anchor="t" anchorCtr="0" compatLnSpc="1">
+              <a:prstTxWarp prst="textNoShape">
+                <a:avLst/>
+              </a:prstTxWarp>
+            </a:bodyPr>
+            <a:lstStyle/>
+            <a:p>
+              <a:pPr marL="0" marR="0" lvl="0" indent="0" defTabSz="914400" rtl="0" eaLnBrk="1" fontAlgn="auto" latinLnBrk="0" hangingPunct="1">
+                <a:lnSpc>
+                  <a:spcPct val="100000"/>
+                </a:lnSpc>
+                <a:spcBef>
+                  <a:spcPts val="0"/>
+                </a:spcBef>
+                <a:spcAft>
+                  <a:spcPts val="0"/>
+                </a:spcAft>
+                <a:buClrTx/>
+                <a:buSzTx/>
+                <a:buFontTx/>
+                <a:buNone/>
+                <a:tabLst/>
+                <a:defRPr/>
+              </a:pPr>
+              <a:endParaRPr kumimoji="0" lang="en-US" sz="1600" b="0" i="0" u="none" strike="noStrike" kern="1200" cap="none" spc="0" normalizeH="0" baseline="0" noProof="0" dirty="0">
+                <a:ln>
+                  <a:noFill/>
+                </a:ln>
+                <a:solidFill>
+                  <a:schemeClr val="bg1"/>
+                </a:solidFill>
+                <a:effectLst/>
+                <a:uLnTx/>
+                <a:uFillTx/>
+                <a:latin typeface="Calibri" panose="020F0502020204030204"/>
+                <a:ea typeface="+mn-ea"/>
+                <a:cs typeface="+mn-cs"/>
+              </a:endParaRPr>
+            </a:p>
+          </p:txBody>
+        </p:sp>
+        <p:sp>
+          <p:nvSpPr>
+            <p:cNvPr id="30" name="Rectangle 261">
+              <a:extLst>
+                <a:ext uri="{FF2B5EF4-FFF2-40B4-BE49-F238E27FC236}">
+                  <a16:creationId xmlns:a16="http://schemas.microsoft.com/office/drawing/2014/main" id="{A47EFC5E-BBB1-4355-9EC6-EEDC5BE6CE0A}"/>
+                </a:ext>
+              </a:extLst>
+            </p:cNvPr>
+            <p:cNvSpPr>
+              <a:spLocks noChangeArrowheads="1"/>
+            </p:cNvSpPr>
+            <p:nvPr/>
+          </p:nvSpPr>
+          <p:spPr bwMode="auto">
+            <a:xfrm>
+              <a:off x="4410075" y="-2116138"/>
+              <a:ext cx="165100" cy="33338"/>
+            </a:xfrm>
+            <a:prstGeom prst="rect">
+              <a:avLst/>
+            </a:prstGeom>
+            <a:grpFill/>
+            <a:ln>
+              <a:noFill/>
+            </a:ln>
+            <a:extLst>
+              <a:ext uri="{91240B29-F687-4F45-9708-019B960494DF}">
+                <a14:hiddenLine xmlns:a14="http://schemas.microsoft.com/office/drawing/2010/main" w="9525">
+                  <a:solidFill>
+                    <a:srgbClr val="000000"/>
+                  </a:solidFill>
+                  <a:round/>
+                  <a:headEnd/>
+                  <a:tailEnd/>
+                </a14:hiddenLine>
+              </a:ext>
+            </a:extLst>
+          </p:spPr>
+          <p:txBody>
+            <a:bodyPr vert="horz" wrap="square" lIns="91440" tIns="45720" rIns="91440" bIns="45720" numCol="1" anchor="t" anchorCtr="0" compatLnSpc="1">
+              <a:prstTxWarp prst="textNoShape">
+                <a:avLst/>
+              </a:prstTxWarp>
+            </a:bodyPr>
+            <a:lstStyle/>
+            <a:p>
+              <a:pPr marL="0" marR="0" lvl="0" indent="0" defTabSz="914400" rtl="0" eaLnBrk="1" fontAlgn="auto" latinLnBrk="0" hangingPunct="1">
+                <a:lnSpc>
+                  <a:spcPct val="100000"/>
+                </a:lnSpc>
+                <a:spcBef>
+                  <a:spcPts val="0"/>
+                </a:spcBef>
+                <a:spcAft>
+                  <a:spcPts val="0"/>
+                </a:spcAft>
+                <a:buClrTx/>
+                <a:buSzTx/>
+                <a:buFontTx/>
+                <a:buNone/>
+                <a:tabLst/>
+                <a:defRPr/>
+              </a:pPr>
+              <a:endParaRPr kumimoji="0" lang="en-US" sz="1600" b="0" i="0" u="none" strike="noStrike" kern="1200" cap="none" spc="0" normalizeH="0" baseline="0" noProof="0" dirty="0">
+                <a:ln>
+                  <a:noFill/>
+                </a:ln>
+                <a:solidFill>
+                  <a:schemeClr val="bg1"/>
+                </a:solidFill>
+                <a:effectLst/>
+                <a:uLnTx/>
+                <a:uFillTx/>
+                <a:latin typeface="Calibri" panose="020F0502020204030204"/>
+                <a:ea typeface="+mn-ea"/>
+                <a:cs typeface="+mn-cs"/>
+              </a:endParaRPr>
+            </a:p>
+          </p:txBody>
+        </p:sp>
+        <p:sp>
+          <p:nvSpPr>
+            <p:cNvPr id="31" name="Freeform 262">
+              <a:extLst>
+                <a:ext uri="{FF2B5EF4-FFF2-40B4-BE49-F238E27FC236}">
+                  <a16:creationId xmlns:a16="http://schemas.microsoft.com/office/drawing/2014/main" id="{9F3FBD92-84DF-4895-B61E-08FD296DBDF3}"/>
+                </a:ext>
+              </a:extLst>
+            </p:cNvPr>
+            <p:cNvSpPr>
+              <a:spLocks/>
+            </p:cNvSpPr>
+            <p:nvPr/>
+          </p:nvSpPr>
+          <p:spPr bwMode="auto">
+            <a:xfrm>
+              <a:off x="4419600" y="-2374900"/>
+              <a:ext cx="168275" cy="292100"/>
+            </a:xfrm>
+            <a:custGeom>
+              <a:avLst/>
+              <a:gdLst>
+                <a:gd name="T0" fmla="*/ 7 w 56"/>
+                <a:gd name="T1" fmla="*/ 5 h 96"/>
+                <a:gd name="T2" fmla="*/ 30 w 56"/>
+                <a:gd name="T3" fmla="*/ 0 h 96"/>
+                <a:gd name="T4" fmla="*/ 41 w 56"/>
+                <a:gd name="T5" fmla="*/ 0 h 96"/>
+                <a:gd name="T6" fmla="*/ 52 w 56"/>
+                <a:gd name="T7" fmla="*/ 2 h 96"/>
+                <a:gd name="T8" fmla="*/ 54 w 56"/>
+                <a:gd name="T9" fmla="*/ 3 h 96"/>
+                <a:gd name="T10" fmla="*/ 54 w 56"/>
+                <a:gd name="T11" fmla="*/ 5 h 96"/>
+                <a:gd name="T12" fmla="*/ 54 w 56"/>
+                <a:gd name="T13" fmla="*/ 9 h 96"/>
+                <a:gd name="T14" fmla="*/ 52 w 56"/>
+                <a:gd name="T15" fmla="*/ 12 h 96"/>
+                <a:gd name="T16" fmla="*/ 52 w 56"/>
+                <a:gd name="T17" fmla="*/ 12 h 96"/>
+                <a:gd name="T18" fmla="*/ 41 w 56"/>
+                <a:gd name="T19" fmla="*/ 10 h 96"/>
+                <a:gd name="T20" fmla="*/ 30 w 56"/>
+                <a:gd name="T21" fmla="*/ 10 h 96"/>
+                <a:gd name="T22" fmla="*/ 15 w 56"/>
+                <a:gd name="T23" fmla="*/ 13 h 96"/>
+                <a:gd name="T24" fmla="*/ 11 w 56"/>
+                <a:gd name="T25" fmla="*/ 23 h 96"/>
+                <a:gd name="T26" fmla="*/ 11 w 56"/>
+                <a:gd name="T27" fmla="*/ 28 h 96"/>
+                <a:gd name="T28" fmla="*/ 13 w 56"/>
+                <a:gd name="T29" fmla="*/ 32 h 96"/>
+                <a:gd name="T30" fmla="*/ 17 w 56"/>
+                <a:gd name="T31" fmla="*/ 36 h 96"/>
+                <a:gd name="T32" fmla="*/ 24 w 56"/>
+                <a:gd name="T33" fmla="*/ 41 h 96"/>
+                <a:gd name="T34" fmla="*/ 36 w 56"/>
+                <a:gd name="T35" fmla="*/ 49 h 96"/>
+                <a:gd name="T36" fmla="*/ 51 w 56"/>
+                <a:gd name="T37" fmla="*/ 65 h 96"/>
+                <a:gd name="T38" fmla="*/ 56 w 56"/>
+                <a:gd name="T39" fmla="*/ 83 h 96"/>
+                <a:gd name="T40" fmla="*/ 56 w 56"/>
+                <a:gd name="T41" fmla="*/ 93 h 96"/>
+                <a:gd name="T42" fmla="*/ 55 w 56"/>
+                <a:gd name="T43" fmla="*/ 95 h 96"/>
+                <a:gd name="T44" fmla="*/ 53 w 56"/>
+                <a:gd name="T45" fmla="*/ 96 h 96"/>
+                <a:gd name="T46" fmla="*/ 3 w 56"/>
+                <a:gd name="T47" fmla="*/ 96 h 96"/>
+                <a:gd name="T48" fmla="*/ 2 w 56"/>
+                <a:gd name="T49" fmla="*/ 95 h 96"/>
+                <a:gd name="T50" fmla="*/ 1 w 56"/>
+                <a:gd name="T51" fmla="*/ 93 h 96"/>
+                <a:gd name="T52" fmla="*/ 1 w 56"/>
+                <a:gd name="T53" fmla="*/ 88 h 96"/>
+                <a:gd name="T54" fmla="*/ 2 w 56"/>
+                <a:gd name="T55" fmla="*/ 86 h 96"/>
+                <a:gd name="T56" fmla="*/ 3 w 56"/>
+                <a:gd name="T57" fmla="*/ 85 h 96"/>
+                <a:gd name="T58" fmla="*/ 46 w 56"/>
+                <a:gd name="T59" fmla="*/ 85 h 96"/>
+                <a:gd name="T60" fmla="*/ 46 w 56"/>
+                <a:gd name="T61" fmla="*/ 83 h 96"/>
+                <a:gd name="T62" fmla="*/ 45 w 56"/>
+                <a:gd name="T63" fmla="*/ 75 h 96"/>
+                <a:gd name="T64" fmla="*/ 42 w 56"/>
+                <a:gd name="T65" fmla="*/ 69 h 96"/>
+                <a:gd name="T66" fmla="*/ 37 w 56"/>
+                <a:gd name="T67" fmla="*/ 62 h 96"/>
+                <a:gd name="T68" fmla="*/ 28 w 56"/>
+                <a:gd name="T69" fmla="*/ 56 h 96"/>
+                <a:gd name="T70" fmla="*/ 16 w 56"/>
+                <a:gd name="T71" fmla="*/ 47 h 96"/>
+                <a:gd name="T72" fmla="*/ 3 w 56"/>
+                <a:gd name="T73" fmla="*/ 36 h 96"/>
+                <a:gd name="T74" fmla="*/ 0 w 56"/>
+                <a:gd name="T75" fmla="*/ 23 h 96"/>
+                <a:gd name="T76" fmla="*/ 7 w 56"/>
+                <a:gd name="T77" fmla="*/ 5 h 96"/>
+              </a:gdLst>
+              <a:ahLst/>
+              <a:cxnLst>
+                <a:cxn ang="0">
+                  <a:pos x="T0" y="T1"/>
+                </a:cxn>
+                <a:cxn ang="0">
+                  <a:pos x="T2" y="T3"/>
+                </a:cxn>
+                <a:cxn ang="0">
+                  <a:pos x="T4" y="T5"/>
+                </a:cxn>
+                <a:cxn ang="0">
+                  <a:pos x="T6" y="T7"/>
+                </a:cxn>
+                <a:cxn ang="0">
+                  <a:pos x="T8" y="T9"/>
+                </a:cxn>
+                <a:cxn ang="0">
+                  <a:pos x="T10" y="T11"/>
+                </a:cxn>
+                <a:cxn ang="0">
+                  <a:pos x="T12" y="T13"/>
+                </a:cxn>
+                <a:cxn ang="0">
+                  <a:pos x="T14" y="T15"/>
+                </a:cxn>
+                <a:cxn ang="0">
+                  <a:pos x="T16" y="T17"/>
+                </a:cxn>
+                <a:cxn ang="0">
+                  <a:pos x="T18" y="T19"/>
+                </a:cxn>
+                <a:cxn ang="0">
+                  <a:pos x="T20" y="T21"/>
+                </a:cxn>
+                <a:cxn ang="0">
+                  <a:pos x="T22" y="T23"/>
+                </a:cxn>
+                <a:cxn ang="0">
+                  <a:pos x="T24" y="T25"/>
+                </a:cxn>
+                <a:cxn ang="0">
+                  <a:pos x="T26" y="T27"/>
+                </a:cxn>
+                <a:cxn ang="0">
+                  <a:pos x="T28" y="T29"/>
+                </a:cxn>
+                <a:cxn ang="0">
+                  <a:pos x="T30" y="T31"/>
+                </a:cxn>
+                <a:cxn ang="0">
+                  <a:pos x="T32" y="T33"/>
+                </a:cxn>
+                <a:cxn ang="0">
+                  <a:pos x="T34" y="T35"/>
+                </a:cxn>
+                <a:cxn ang="0">
+                  <a:pos x="T36" y="T37"/>
+                </a:cxn>
+                <a:cxn ang="0">
+                  <a:pos x="T38" y="T39"/>
+                </a:cxn>
+                <a:cxn ang="0">
+                  <a:pos x="T40" y="T41"/>
+                </a:cxn>
+                <a:cxn ang="0">
+                  <a:pos x="T42" y="T43"/>
+                </a:cxn>
+                <a:cxn ang="0">
+                  <a:pos x="T44" y="T45"/>
+                </a:cxn>
+                <a:cxn ang="0">
+                  <a:pos x="T46" y="T47"/>
+                </a:cxn>
+                <a:cxn ang="0">
+                  <a:pos x="T48" y="T49"/>
+                </a:cxn>
+                <a:cxn ang="0">
+                  <a:pos x="T50" y="T51"/>
+                </a:cxn>
+                <a:cxn ang="0">
+                  <a:pos x="T52" y="T53"/>
+                </a:cxn>
+                <a:cxn ang="0">
+                  <a:pos x="T54" y="T55"/>
+                </a:cxn>
+                <a:cxn ang="0">
+                  <a:pos x="T56" y="T57"/>
+                </a:cxn>
+                <a:cxn ang="0">
+                  <a:pos x="T58" y="T59"/>
+                </a:cxn>
+                <a:cxn ang="0">
+                  <a:pos x="T60" y="T61"/>
+                </a:cxn>
+                <a:cxn ang="0">
+                  <a:pos x="T62" y="T63"/>
+                </a:cxn>
+                <a:cxn ang="0">
+                  <a:pos x="T64" y="T65"/>
+                </a:cxn>
+                <a:cxn ang="0">
+                  <a:pos x="T66" y="T67"/>
+                </a:cxn>
+                <a:cxn ang="0">
+                  <a:pos x="T68" y="T69"/>
+                </a:cxn>
+                <a:cxn ang="0">
+                  <a:pos x="T70" y="T71"/>
+                </a:cxn>
+                <a:cxn ang="0">
+                  <a:pos x="T72" y="T73"/>
+                </a:cxn>
+                <a:cxn ang="0">
+                  <a:pos x="T74" y="T75"/>
+                </a:cxn>
+                <a:cxn ang="0">
+                  <a:pos x="T76" y="T77"/>
+                </a:cxn>
+              </a:cxnLst>
+              <a:rect l="0" t="0" r="r" b="b"/>
+              <a:pathLst>
+                <a:path w="56" h="96">
+                  <a:moveTo>
+                    <a:pt x="7" y="5"/>
+                  </a:moveTo>
+                  <a:cubicBezTo>
+                    <a:pt x="12" y="2"/>
+                    <a:pt x="19" y="0"/>
+                    <a:pt x="30" y="0"/>
+                  </a:cubicBezTo>
+                  <a:cubicBezTo>
+                    <a:pt x="33" y="0"/>
+                    <a:pt x="37" y="0"/>
+                    <a:pt x="41" y="0"/>
+                  </a:cubicBezTo>
+                  <a:cubicBezTo>
+                    <a:pt x="45" y="1"/>
+                    <a:pt x="49" y="1"/>
+                    <a:pt x="52" y="2"/>
+                  </a:cubicBezTo>
+                  <a:cubicBezTo>
+                    <a:pt x="53" y="3"/>
+                    <a:pt x="53" y="3"/>
+                    <a:pt x="54" y="3"/>
+                  </a:cubicBezTo>
+                  <a:cubicBezTo>
+                    <a:pt x="54" y="3"/>
+                    <a:pt x="54" y="4"/>
+                    <a:pt x="54" y="5"/>
+                  </a:cubicBezTo>
+                  <a:cubicBezTo>
+                    <a:pt x="54" y="9"/>
+                    <a:pt x="54" y="9"/>
+                    <a:pt x="54" y="9"/>
+                  </a:cubicBezTo>
+                  <a:cubicBezTo>
+                    <a:pt x="54" y="11"/>
+                    <a:pt x="54" y="12"/>
+                    <a:pt x="52" y="12"/>
+                  </a:cubicBezTo>
+                  <a:cubicBezTo>
+                    <a:pt x="52" y="12"/>
+                    <a:pt x="52" y="12"/>
+                    <a:pt x="52" y="12"/>
+                  </a:cubicBezTo>
+                  <a:cubicBezTo>
+                    <a:pt x="48" y="11"/>
+                    <a:pt x="45" y="11"/>
+                    <a:pt x="41" y="10"/>
+                  </a:cubicBezTo>
+                  <a:cubicBezTo>
+                    <a:pt x="37" y="10"/>
+                    <a:pt x="33" y="10"/>
+                    <a:pt x="30" y="10"/>
+                  </a:cubicBezTo>
+                  <a:cubicBezTo>
+                    <a:pt x="23" y="10"/>
+                    <a:pt x="18" y="11"/>
+                    <a:pt x="15" y="13"/>
+                  </a:cubicBezTo>
+                  <a:cubicBezTo>
+                    <a:pt x="12" y="15"/>
+                    <a:pt x="11" y="18"/>
+                    <a:pt x="11" y="23"/>
+                  </a:cubicBezTo>
+                  <a:cubicBezTo>
+                    <a:pt x="11" y="25"/>
+                    <a:pt x="11" y="26"/>
+                    <a:pt x="11" y="28"/>
+                  </a:cubicBezTo>
+                  <a:cubicBezTo>
+                    <a:pt x="12" y="29"/>
+                    <a:pt x="12" y="31"/>
+                    <a:pt x="13" y="32"/>
+                  </a:cubicBezTo>
+                  <a:cubicBezTo>
+                    <a:pt x="14" y="33"/>
+                    <a:pt x="16" y="35"/>
+                    <a:pt x="17" y="36"/>
+                  </a:cubicBezTo>
+                  <a:cubicBezTo>
+                    <a:pt x="19" y="37"/>
+                    <a:pt x="21" y="39"/>
+                    <a:pt x="24" y="41"/>
+                  </a:cubicBezTo>
+                  <a:cubicBezTo>
+                    <a:pt x="36" y="49"/>
+                    <a:pt x="36" y="49"/>
+                    <a:pt x="36" y="49"/>
+                  </a:cubicBezTo>
+                  <a:cubicBezTo>
+                    <a:pt x="43" y="54"/>
+                    <a:pt x="48" y="59"/>
+                    <a:pt x="51" y="65"/>
+                  </a:cubicBezTo>
+                  <a:cubicBezTo>
+                    <a:pt x="54" y="70"/>
+                    <a:pt x="56" y="76"/>
+                    <a:pt x="56" y="83"/>
+                  </a:cubicBezTo>
+                  <a:cubicBezTo>
+                    <a:pt x="56" y="93"/>
+                    <a:pt x="56" y="93"/>
+                    <a:pt x="56" y="93"/>
+                  </a:cubicBezTo>
+                  <a:cubicBezTo>
+                    <a:pt x="56" y="94"/>
+                    <a:pt x="56" y="94"/>
+                    <a:pt x="55" y="95"/>
+                  </a:cubicBezTo>
+                  <a:cubicBezTo>
+                    <a:pt x="55" y="95"/>
+                    <a:pt x="54" y="96"/>
+                    <a:pt x="53" y="96"/>
+                  </a:cubicBezTo>
+                  <a:cubicBezTo>
+                    <a:pt x="3" y="96"/>
+                    <a:pt x="3" y="96"/>
+                    <a:pt x="3" y="96"/>
+                  </a:cubicBezTo>
+                  <a:cubicBezTo>
+                    <a:pt x="3" y="96"/>
+                    <a:pt x="2" y="95"/>
+                    <a:pt x="2" y="95"/>
+                  </a:cubicBezTo>
+                  <a:cubicBezTo>
+                    <a:pt x="1" y="94"/>
+                    <a:pt x="1" y="94"/>
+                    <a:pt x="1" y="93"/>
+                  </a:cubicBezTo>
+                  <a:cubicBezTo>
+                    <a:pt x="1" y="88"/>
+                    <a:pt x="1" y="88"/>
+                    <a:pt x="1" y="88"/>
+                  </a:cubicBezTo>
+                  <a:cubicBezTo>
+                    <a:pt x="1" y="87"/>
+                    <a:pt x="1" y="86"/>
+                    <a:pt x="2" y="86"/>
+                  </a:cubicBezTo>
+                  <a:cubicBezTo>
+                    <a:pt x="2" y="86"/>
+                    <a:pt x="3" y="85"/>
+                    <a:pt x="3" y="85"/>
+                  </a:cubicBezTo>
+                  <a:cubicBezTo>
+                    <a:pt x="46" y="85"/>
+                    <a:pt x="46" y="85"/>
+                    <a:pt x="46" y="85"/>
+                  </a:cubicBezTo>
+                  <a:cubicBezTo>
+                    <a:pt x="46" y="83"/>
+                    <a:pt x="46" y="83"/>
+                    <a:pt x="46" y="83"/>
+                  </a:cubicBezTo>
+                  <a:cubicBezTo>
+                    <a:pt x="46" y="80"/>
+                    <a:pt x="46" y="77"/>
+                    <a:pt x="45" y="75"/>
+                  </a:cubicBezTo>
+                  <a:cubicBezTo>
+                    <a:pt x="44" y="73"/>
+                    <a:pt x="44" y="71"/>
+                    <a:pt x="42" y="69"/>
+                  </a:cubicBezTo>
+                  <a:cubicBezTo>
+                    <a:pt x="41" y="66"/>
+                    <a:pt x="39" y="64"/>
+                    <a:pt x="37" y="62"/>
+                  </a:cubicBezTo>
+                  <a:cubicBezTo>
+                    <a:pt x="35" y="60"/>
+                    <a:pt x="32" y="58"/>
+                    <a:pt x="28" y="56"/>
+                  </a:cubicBezTo>
+                  <a:cubicBezTo>
+                    <a:pt x="16" y="47"/>
+                    <a:pt x="16" y="47"/>
+                    <a:pt x="16" y="47"/>
+                  </a:cubicBezTo>
+                  <a:cubicBezTo>
+                    <a:pt x="10" y="43"/>
+                    <a:pt x="6" y="39"/>
+                    <a:pt x="3" y="36"/>
+                  </a:cubicBezTo>
+                  <a:cubicBezTo>
+                    <a:pt x="1" y="32"/>
+                    <a:pt x="0" y="28"/>
+                    <a:pt x="0" y="23"/>
+                  </a:cubicBezTo>
+                  <a:cubicBezTo>
+                    <a:pt x="0" y="15"/>
+                    <a:pt x="2" y="9"/>
+                    <a:pt x="7" y="5"/>
+                  </a:cubicBezTo>
+                  <a:close/>
+                </a:path>
+              </a:pathLst>
+            </a:custGeom>
+            <a:grpFill/>
+            <a:ln>
+              <a:noFill/>
+            </a:ln>
+            <a:extLst>
+              <a:ext uri="{91240B29-F687-4F45-9708-019B960494DF}">
+                <a14:hiddenLine xmlns:a14="http://schemas.microsoft.com/office/drawing/2010/main" w="9525">
+                  <a:solidFill>
+                    <a:srgbClr val="000000"/>
+                  </a:solidFill>
+                  <a:round/>
+                  <a:headEnd/>
+                  <a:tailEnd/>
+                </a14:hiddenLine>
+              </a:ext>
+            </a:extLst>
+          </p:spPr>
+          <p:txBody>
+            <a:bodyPr vert="horz" wrap="square" lIns="91440" tIns="45720" rIns="91440" bIns="45720" numCol="1" anchor="t" anchorCtr="0" compatLnSpc="1">
+              <a:prstTxWarp prst="textNoShape">
+                <a:avLst/>
+              </a:prstTxWarp>
+            </a:bodyPr>
+            <a:lstStyle/>
+            <a:p>
+              <a:pPr marL="0" marR="0" lvl="0" indent="0" defTabSz="914400" rtl="0" eaLnBrk="1" fontAlgn="auto" latinLnBrk="0" hangingPunct="1">
+                <a:lnSpc>
+                  <a:spcPct val="100000"/>
+                </a:lnSpc>
+                <a:spcBef>
+                  <a:spcPts val="0"/>
+                </a:spcBef>
+                <a:spcAft>
+                  <a:spcPts val="0"/>
+                </a:spcAft>
+                <a:buClrTx/>
+                <a:buSzTx/>
+                <a:buFontTx/>
+                <a:buNone/>
+                <a:tabLst/>
+                <a:defRPr/>
+              </a:pPr>
+              <a:endParaRPr kumimoji="0" lang="en-US" sz="1600" b="0" i="0" u="none" strike="noStrike" kern="1200" cap="none" spc="0" normalizeH="0" baseline="0" noProof="0" dirty="0">
+                <a:ln>
+                  <a:noFill/>
+                </a:ln>
+                <a:solidFill>
+                  <a:schemeClr val="bg1"/>
+                </a:solidFill>
+                <a:effectLst/>
+                <a:uLnTx/>
+                <a:uFillTx/>
+                <a:latin typeface="Calibri" panose="020F0502020204030204"/>
+                <a:ea typeface="+mn-ea"/>
+                <a:cs typeface="+mn-cs"/>
+              </a:endParaRPr>
+            </a:p>
+          </p:txBody>
+        </p:sp>
+      </p:grpSp>
+      <p:sp>
+        <p:nvSpPr>
+          <p:cNvPr id="36" name="Freeform: Shape 59">
+            <a:extLst>
+              <a:ext uri="{FF2B5EF4-FFF2-40B4-BE49-F238E27FC236}">
+                <a16:creationId xmlns:a16="http://schemas.microsoft.com/office/drawing/2014/main" id="{FD40B6E3-0E0A-459D-A4EF-656A2EF33C1F}"/>
+              </a:ext>
+            </a:extLst>
+          </p:cNvPr>
+          <p:cNvSpPr/>
+          <p:nvPr/>
+        </p:nvSpPr>
+        <p:spPr>
+          <a:xfrm rot="10800000">
+            <a:off x="-1546429" y="0"/>
+            <a:ext cx="13738429" cy="1566021"/>
+          </a:xfrm>
+          <a:custGeom>
+            <a:avLst/>
+            <a:gdLst>
+              <a:gd name="connsiteX0" fmla="*/ 1310303 w 10988503"/>
+              <a:gd name="connsiteY0" fmla="*/ 22 h 1869882"/>
+              <a:gd name="connsiteX1" fmla="*/ 6483550 w 10988503"/>
+              <a:gd name="connsiteY1" fmla="*/ 1580690 h 1869882"/>
+              <a:gd name="connsiteX2" fmla="*/ 10974880 w 10988503"/>
+              <a:gd name="connsiteY2" fmla="*/ 1866382 h 1869882"/>
+              <a:gd name="connsiteX3" fmla="*/ 10988503 w 10988503"/>
+              <a:gd name="connsiteY3" fmla="*/ 1869882 h 1869882"/>
+              <a:gd name="connsiteX4" fmla="*/ 0 w 10988503"/>
+              <a:gd name="connsiteY4" fmla="*/ 1869882 h 1869882"/>
+              <a:gd name="connsiteX5" fmla="*/ 0 w 10988503"/>
+              <a:gd name="connsiteY5" fmla="*/ 1794198 h 1869882"/>
+              <a:gd name="connsiteX6" fmla="*/ 0 w 10988503"/>
+              <a:gd name="connsiteY6" fmla="*/ 334669 h 1869882"/>
+              <a:gd name="connsiteX7" fmla="*/ 1310303 w 10988503"/>
+              <a:gd name="connsiteY7" fmla="*/ 22 h 1869882"/>
+            </a:gdLst>
+            <a:ahLst/>
+            <a:cxnLst>
+              <a:cxn ang="0">
+                <a:pos x="connsiteX0" y="connsiteY0"/>
+              </a:cxn>
+              <a:cxn ang="0">
+                <a:pos x="connsiteX1" y="connsiteY1"/>
+              </a:cxn>
+              <a:cxn ang="0">
+                <a:pos x="connsiteX2" y="connsiteY2"/>
+              </a:cxn>
+              <a:cxn ang="0">
+                <a:pos x="connsiteX3" y="connsiteY3"/>
+              </a:cxn>
+              <a:cxn ang="0">
+                <a:pos x="connsiteX4" y="connsiteY4"/>
+              </a:cxn>
+              <a:cxn ang="0">
+                <a:pos x="connsiteX5" y="connsiteY5"/>
+              </a:cxn>
+              <a:cxn ang="0">
+                <a:pos x="connsiteX6" y="connsiteY6"/>
+              </a:cxn>
+              <a:cxn ang="0">
+                <a:pos x="connsiteX7" y="connsiteY7"/>
+              </a:cxn>
+            </a:cxnLst>
+            <a:rect l="l" t="t" r="r" b="b"/>
+            <a:pathLst>
+              <a:path w="10988503" h="1869882">
+                <a:moveTo>
+                  <a:pt x="1310303" y="22"/>
+                </a:moveTo>
+                <a:cubicBezTo>
+                  <a:pt x="3087798" y="-7336"/>
+                  <a:pt x="4449871" y="1761474"/>
+                  <a:pt x="6483550" y="1580690"/>
+                </a:cubicBezTo>
+                <a:cubicBezTo>
+                  <a:pt x="8348226" y="1415442"/>
+                  <a:pt x="9844847" y="1591559"/>
+                  <a:pt x="10974880" y="1866382"/>
+                </a:cubicBezTo>
+                <a:lnTo>
+                  <a:pt x="10988503" y="1869882"/>
+                </a:lnTo>
+                <a:lnTo>
+                  <a:pt x="0" y="1869882"/>
+                </a:lnTo>
+                <a:lnTo>
+                  <a:pt x="0" y="1794198"/>
+                </a:lnTo>
+                <a:cubicBezTo>
+                  <a:pt x="0" y="1432462"/>
+                  <a:pt x="0" y="957720"/>
+                  <a:pt x="0" y="334669"/>
+                </a:cubicBezTo>
+                <a:cubicBezTo>
+                  <a:pt x="467797" y="98006"/>
+                  <a:pt x="900111" y="1719"/>
+                  <a:pt x="1310303" y="22"/>
+                </a:cubicBezTo>
+                <a:close/>
+              </a:path>
+            </a:pathLst>
+          </a:custGeom>
+          <a:gradFill>
+            <a:gsLst>
+              <a:gs pos="43750">
+                <a:schemeClr val="accent1">
+                  <a:lumMod val="77000"/>
+                </a:schemeClr>
+              </a:gs>
+              <a:gs pos="42000">
+                <a:schemeClr val="accent1">
+                  <a:lumMod val="75000"/>
+                </a:schemeClr>
+              </a:gs>
+              <a:gs pos="0">
+                <a:srgbClr val="393762"/>
+              </a:gs>
+              <a:gs pos="77000">
+                <a:schemeClr val="accent1">
+                  <a:lumMod val="60000"/>
+                  <a:lumOff val="40000"/>
+                </a:schemeClr>
+              </a:gs>
+              <a:gs pos="100000">
+                <a:srgbClr val="0CFA00"/>
+              </a:gs>
+            </a:gsLst>
+            <a:lin ang="2700000" scaled="1"/>
+          </a:gradFill>
+          <a:ln>
+            <a:noFill/>
+          </a:ln>
+        </p:spPr>
+        <p:style>
+          <a:lnRef idx="2">
+            <a:schemeClr val="accent1">
+              <a:shade val="50000"/>
+            </a:schemeClr>
+          </a:lnRef>
+          <a:fillRef idx="1">
+            <a:schemeClr val="accent1"/>
+          </a:fillRef>
+          <a:effectRef idx="0">
+            <a:schemeClr val="accent1"/>
+          </a:effectRef>
+          <a:fontRef idx="minor">
+            <a:schemeClr val="lt1"/>
+          </a:fontRef>
+        </p:style>
+        <p:txBody>
+          <a:bodyPr rtlCol="0" anchor="ctr"/>
+          <a:lstStyle/>
+          <a:p>
+            <a:pPr algn="ctr"/>
+            <a:endParaRPr lang="en-US" dirty="0"/>
+          </a:p>
+        </p:txBody>
+      </p:sp>
+      <p:sp>
+        <p:nvSpPr>
+          <p:cNvPr id="38" name="TextBox 45">
+            <a:extLst>
+              <a:ext uri="{FF2B5EF4-FFF2-40B4-BE49-F238E27FC236}">
+                <a16:creationId xmlns:a16="http://schemas.microsoft.com/office/drawing/2014/main" id="{AA47936C-FD8D-47A0-B381-B43D2F2F2C66}"/>
+              </a:ext>
+            </a:extLst>
+          </p:cNvPr>
+          <p:cNvSpPr txBox="1"/>
+          <p:nvPr/>
+        </p:nvSpPr>
+        <p:spPr>
+          <a:xfrm>
+            <a:off x="825019" y="3082752"/>
+            <a:ext cx="10541963" cy="692497"/>
+          </a:xfrm>
+          <a:prstGeom prst="rect">
+            <a:avLst/>
+          </a:prstGeom>
+          <a:noFill/>
+        </p:spPr>
+        <p:txBody>
+          <a:bodyPr wrap="square" lIns="0" tIns="0" rIns="0" bIns="0" rtlCol="0" anchor="t">
+            <a:spAutoFit/>
+          </a:bodyPr>
+          <a:lstStyle/>
+          <a:p>
+            <a:pPr algn="ctr"/>
+            <a:r>
+              <a:rPr lang="it-IT" sz="4500" b="1" dirty="0">
+                <a:solidFill>
+                  <a:srgbClr val="083D65"/>
+                </a:solidFill>
+                <a:latin typeface="Segoe UI" panose="020B0502040204020203" pitchFamily="34" charset="0"/>
+                <a:cs typeface="Segoe UI" panose="020B0502040204020203" pitchFamily="34" charset="0"/>
+              </a:rPr>
+              <a:t>Future Work</a:t>
+            </a:r>
+          </a:p>
+        </p:txBody>
+      </p:sp>
+      <p:sp>
+        <p:nvSpPr>
+          <p:cNvPr id="3" name="Freeform: Shape 59">
+            <a:extLst>
+              <a:ext uri="{FF2B5EF4-FFF2-40B4-BE49-F238E27FC236}">
+                <a16:creationId xmlns:a16="http://schemas.microsoft.com/office/drawing/2014/main" id="{D9BB1F59-BAFF-CD06-D0E7-4666548B435C}"/>
+              </a:ext>
+            </a:extLst>
+          </p:cNvPr>
+          <p:cNvSpPr/>
+          <p:nvPr/>
+        </p:nvSpPr>
+        <p:spPr>
+          <a:xfrm rot="10800000" flipH="1" flipV="1">
+            <a:off x="0" y="5291979"/>
+            <a:ext cx="13738429" cy="1566021"/>
+          </a:xfrm>
+          <a:custGeom>
+            <a:avLst/>
+            <a:gdLst>
+              <a:gd name="connsiteX0" fmla="*/ 1310303 w 10988503"/>
+              <a:gd name="connsiteY0" fmla="*/ 22 h 1869882"/>
+              <a:gd name="connsiteX1" fmla="*/ 6483550 w 10988503"/>
+              <a:gd name="connsiteY1" fmla="*/ 1580690 h 1869882"/>
+              <a:gd name="connsiteX2" fmla="*/ 10974880 w 10988503"/>
+              <a:gd name="connsiteY2" fmla="*/ 1866382 h 1869882"/>
+              <a:gd name="connsiteX3" fmla="*/ 10988503 w 10988503"/>
+              <a:gd name="connsiteY3" fmla="*/ 1869882 h 1869882"/>
+              <a:gd name="connsiteX4" fmla="*/ 0 w 10988503"/>
+              <a:gd name="connsiteY4" fmla="*/ 1869882 h 1869882"/>
+              <a:gd name="connsiteX5" fmla="*/ 0 w 10988503"/>
+              <a:gd name="connsiteY5" fmla="*/ 1794198 h 1869882"/>
+              <a:gd name="connsiteX6" fmla="*/ 0 w 10988503"/>
+              <a:gd name="connsiteY6" fmla="*/ 334669 h 1869882"/>
+              <a:gd name="connsiteX7" fmla="*/ 1310303 w 10988503"/>
+              <a:gd name="connsiteY7" fmla="*/ 22 h 1869882"/>
+            </a:gdLst>
+            <a:ahLst/>
+            <a:cxnLst>
+              <a:cxn ang="0">
+                <a:pos x="connsiteX0" y="connsiteY0"/>
+              </a:cxn>
+              <a:cxn ang="0">
+                <a:pos x="connsiteX1" y="connsiteY1"/>
+              </a:cxn>
+              <a:cxn ang="0">
+                <a:pos x="connsiteX2" y="connsiteY2"/>
+              </a:cxn>
+              <a:cxn ang="0">
+                <a:pos x="connsiteX3" y="connsiteY3"/>
+              </a:cxn>
+              <a:cxn ang="0">
+                <a:pos x="connsiteX4" y="connsiteY4"/>
+              </a:cxn>
+              <a:cxn ang="0">
+                <a:pos x="connsiteX5" y="connsiteY5"/>
+              </a:cxn>
+              <a:cxn ang="0">
+                <a:pos x="connsiteX6" y="connsiteY6"/>
+              </a:cxn>
+              <a:cxn ang="0">
+                <a:pos x="connsiteX7" y="connsiteY7"/>
+              </a:cxn>
+            </a:cxnLst>
+            <a:rect l="l" t="t" r="r" b="b"/>
+            <a:pathLst>
+              <a:path w="10988503" h="1869882">
+                <a:moveTo>
+                  <a:pt x="1310303" y="22"/>
+                </a:moveTo>
+                <a:cubicBezTo>
+                  <a:pt x="3087798" y="-7336"/>
+                  <a:pt x="4449871" y="1761474"/>
+                  <a:pt x="6483550" y="1580690"/>
+                </a:cubicBezTo>
+                <a:cubicBezTo>
+                  <a:pt x="8348226" y="1415442"/>
+                  <a:pt x="9844847" y="1591559"/>
+                  <a:pt x="10974880" y="1866382"/>
+                </a:cubicBezTo>
+                <a:lnTo>
+                  <a:pt x="10988503" y="1869882"/>
+                </a:lnTo>
+                <a:lnTo>
+                  <a:pt x="0" y="1869882"/>
+                </a:lnTo>
+                <a:lnTo>
+                  <a:pt x="0" y="1794198"/>
+                </a:lnTo>
+                <a:cubicBezTo>
+                  <a:pt x="0" y="1432462"/>
+                  <a:pt x="0" y="957720"/>
+                  <a:pt x="0" y="334669"/>
+                </a:cubicBezTo>
+                <a:cubicBezTo>
+                  <a:pt x="467797" y="98006"/>
+                  <a:pt x="900111" y="1719"/>
+                  <a:pt x="1310303" y="22"/>
+                </a:cubicBezTo>
+                <a:close/>
+              </a:path>
+            </a:pathLst>
+          </a:custGeom>
+          <a:gradFill>
+            <a:gsLst>
+              <a:gs pos="43750">
+                <a:schemeClr val="accent1">
+                  <a:lumMod val="77000"/>
+                </a:schemeClr>
+              </a:gs>
+              <a:gs pos="42000">
+                <a:schemeClr val="accent1">
+                  <a:lumMod val="75000"/>
+                </a:schemeClr>
+              </a:gs>
+              <a:gs pos="0">
+                <a:srgbClr val="393762"/>
+              </a:gs>
+              <a:gs pos="77000">
+                <a:schemeClr val="accent1">
+                  <a:lumMod val="60000"/>
+                  <a:lumOff val="40000"/>
+                </a:schemeClr>
+              </a:gs>
+              <a:gs pos="100000">
+                <a:srgbClr val="0CFA00"/>
+              </a:gs>
+            </a:gsLst>
+            <a:lin ang="2700000" scaled="1"/>
+          </a:gradFill>
+          <a:ln>
+            <a:noFill/>
+          </a:ln>
+        </p:spPr>
+        <p:style>
+          <a:lnRef idx="2">
+            <a:schemeClr val="accent1">
+              <a:shade val="50000"/>
+            </a:schemeClr>
+          </a:lnRef>
+          <a:fillRef idx="1">
+            <a:schemeClr val="accent1"/>
+          </a:fillRef>
+          <a:effectRef idx="0">
+            <a:schemeClr val="accent1"/>
+          </a:effectRef>
+          <a:fontRef idx="minor">
+            <a:schemeClr val="lt1"/>
+          </a:fontRef>
+        </p:style>
+        <p:txBody>
+          <a:bodyPr rtlCol="0" anchor="ctr"/>
+          <a:lstStyle/>
+          <a:p>
+            <a:pPr algn="ctr"/>
+            <a:endParaRPr lang="en-US" dirty="0"/>
+          </a:p>
+        </p:txBody>
+      </p:sp>
+    </p:spTree>
+    <p:extLst>
+      <p:ext uri="{BB962C8B-B14F-4D97-AF65-F5344CB8AC3E}">
+        <p14:creationId xmlns:p14="http://schemas.microsoft.com/office/powerpoint/2010/main" val="3689208715"/>
+      </p:ext>
+    </p:extLst>
+  </p:cSld>
+  <p:clrMapOvr>
+    <a:masterClrMapping/>
+  </p:clrMapOvr>
+</p:sld>
+</file>
+
+<file path=ppt/slides/slide13.xml><?xml version="1.0" encoding="utf-8"?>
+<p:sld xmlns:a="http://schemas.openxmlformats.org/drawingml/2006/main" xmlns:r="http://schemas.openxmlformats.org/officeDocument/2006/relationships" xmlns:p="http://schemas.openxmlformats.org/presentationml/2006/main">
+  <p:cSld>
+    <p:spTree>
+      <p:nvGrpSpPr>
         <p:cNvPr id="1" name="">
           <a:extLst>
             <a:ext uri="{FF2B5EF4-FFF2-40B4-BE49-F238E27FC236}">
@@ -8352,7 +13340,7 @@
 </p:sld>
 </file>
 
-<file path=ppt/slides/slide11.xml><?xml version="1.0" encoding="utf-8"?>
+<file path=ppt/slides/slide14.xml><?xml version="1.0" encoding="utf-8"?>
 <p:sld xmlns:a="http://schemas.openxmlformats.org/drawingml/2006/main" xmlns:r="http://schemas.openxmlformats.org/officeDocument/2006/relationships" xmlns:p="http://schemas.openxmlformats.org/presentationml/2006/main">
   <p:cSld>
     <p:spTree>
@@ -27299,6 +32287,16 @@
           <a:p>
             <a:pPr algn="ctr"/>
             <a:r>
+              <a:rPr lang="it-IT" sz="4500" b="1" dirty="0" err="1">
+                <a:solidFill>
+                  <a:srgbClr val="083D65"/>
+                </a:solidFill>
+                <a:latin typeface="Segoe UI" panose="020B0502040204020203" pitchFamily="34" charset="0"/>
+                <a:cs typeface="Segoe UI" panose="020B0502040204020203" pitchFamily="34" charset="0"/>
+              </a:rPr>
+              <a:t>Underlying</a:t>
+            </a:r>
+            <a:r>
               <a:rPr lang="it-IT" sz="4500" b="1" dirty="0">
                 <a:solidFill>
                   <a:srgbClr val="083D65"/>
@@ -27306,8 +32304,45 @@
                 <a:latin typeface="Segoe UI" panose="020B0502040204020203" pitchFamily="34" charset="0"/>
                 <a:cs typeface="Segoe UI" panose="020B0502040204020203" pitchFamily="34" charset="0"/>
               </a:rPr>
-              <a:t>Future Work</a:t>
+              <a:t> </a:t>
             </a:r>
+            <a:r>
+              <a:rPr lang="it-IT" sz="4500" b="1" dirty="0" err="1">
+                <a:solidFill>
+                  <a:srgbClr val="083D65"/>
+                </a:solidFill>
+                <a:latin typeface="Segoe UI" panose="020B0502040204020203" pitchFamily="34" charset="0"/>
+                <a:cs typeface="Segoe UI" panose="020B0502040204020203" pitchFamily="34" charset="0"/>
+              </a:rPr>
+              <a:t>Structure</a:t>
+            </a:r>
+            <a:r>
+              <a:rPr lang="it-IT" sz="4500" b="1" dirty="0">
+                <a:solidFill>
+                  <a:srgbClr val="083D65"/>
+                </a:solidFill>
+                <a:latin typeface="Segoe UI" panose="020B0502040204020203" pitchFamily="34" charset="0"/>
+                <a:cs typeface="Segoe UI" panose="020B0502040204020203" pitchFamily="34" charset="0"/>
+              </a:rPr>
+              <a:t> &amp; </a:t>
+            </a:r>
+            <a:r>
+              <a:rPr lang="it-IT" sz="4500" b="1" dirty="0" err="1">
+                <a:solidFill>
+                  <a:srgbClr val="083D65"/>
+                </a:solidFill>
+                <a:latin typeface="Segoe UI" panose="020B0502040204020203" pitchFamily="34" charset="0"/>
+                <a:cs typeface="Segoe UI" panose="020B0502040204020203" pitchFamily="34" charset="0"/>
+              </a:rPr>
+              <a:t>Advantages</a:t>
+            </a:r>
+            <a:endParaRPr lang="it-IT" sz="4500" b="1" dirty="0">
+              <a:solidFill>
+                <a:srgbClr val="083D65"/>
+              </a:solidFill>
+              <a:latin typeface="Segoe UI" panose="020B0502040204020203" pitchFamily="34" charset="0"/>
+              <a:cs typeface="Segoe UI" panose="020B0502040204020203" pitchFamily="34" charset="0"/>
+            </a:endParaRPr>
           </a:p>
         </p:txBody>
       </p:sp>
@@ -27473,7 +32508,7 @@
     </p:spTree>
     <p:extLst>
       <p:ext uri="{BB962C8B-B14F-4D97-AF65-F5344CB8AC3E}">
-        <p14:creationId xmlns:p14="http://schemas.microsoft.com/office/powerpoint/2010/main" val="3689208715"/>
+        <p14:creationId xmlns:p14="http://schemas.microsoft.com/office/powerpoint/2010/main" val="4005976993"/>
       </p:ext>
     </p:extLst>
   </p:cSld>

--- a/Slides/PresentationDS.pptx
+++ b/Slides/PresentationDS.pptx
@@ -5,7 +5,7 @@
     <p:sldMasterId id="2147483648" r:id="rId1"/>
   </p:sldMasterIdLst>
   <p:notesMasterIdLst>
-    <p:notesMasterId r:id="rId16"/>
+    <p:notesMasterId r:id="rId18"/>
   </p:notesMasterIdLst>
   <p:sldIdLst>
     <p:sldId id="256" r:id="rId2"/>
@@ -19,9 +19,11 @@
     <p:sldId id="308" r:id="rId10"/>
     <p:sldId id="309" r:id="rId11"/>
     <p:sldId id="307" r:id="rId12"/>
-    <p:sldId id="306" r:id="rId13"/>
-    <p:sldId id="288" r:id="rId14"/>
-    <p:sldId id="275" r:id="rId15"/>
+    <p:sldId id="310" r:id="rId13"/>
+    <p:sldId id="306" r:id="rId14"/>
+    <p:sldId id="288" r:id="rId15"/>
+    <p:sldId id="312" r:id="rId16"/>
+    <p:sldId id="275" r:id="rId17"/>
   </p:sldIdLst>
   <p:sldSz cx="12192000" cy="6858000"/>
   <p:notesSz cx="6858000" cy="9144000"/>
@@ -210,7 +212,7 @@
           <a:p>
             <a:fld id="{E39489D7-192C-4EE5-B7CA-2D045AE1A9F6}" type="datetimeFigureOut">
               <a:rPr lang="it-IT" smtClean="0"/>
-              <a:t>10/03/24</a:t>
+              <a:t>10/03/2024</a:t>
             </a:fld>
             <a:endParaRPr lang="it-IT" dirty="0"/>
           </a:p>
@@ -1101,6 +1103,174 @@
 </p:notes>
 </file>
 
+<file path=ppt/notesSlides/notesSlide5.xml><?xml version="1.0" encoding="utf-8"?>
+<p:notes xmlns:a="http://schemas.openxmlformats.org/drawingml/2006/main" xmlns:r="http://schemas.openxmlformats.org/officeDocument/2006/relationships" xmlns:p="http://schemas.openxmlformats.org/presentationml/2006/main">
+  <p:cSld>
+    <p:spTree>
+      <p:nvGrpSpPr>
+        <p:cNvPr id="1" name="">
+          <a:extLst>
+            <a:ext uri="{FF2B5EF4-FFF2-40B4-BE49-F238E27FC236}">
+              <a16:creationId xmlns:a16="http://schemas.microsoft.com/office/drawing/2014/main" id="{20F46D5D-C6BD-689C-B34B-4F8802A7F411}"/>
+            </a:ext>
+          </a:extLst>
+        </p:cNvPr>
+        <p:cNvGrpSpPr/>
+        <p:nvPr/>
+      </p:nvGrpSpPr>
+      <p:grpSpPr>
+        <a:xfrm>
+          <a:off x="0" y="0"/>
+          <a:ext cx="0" cy="0"/>
+          <a:chOff x="0" y="0"/>
+          <a:chExt cx="0" cy="0"/>
+        </a:xfrm>
+      </p:grpSpPr>
+      <p:sp>
+        <p:nvSpPr>
+          <p:cNvPr id="2" name="Slide Image Placeholder 1">
+            <a:extLst>
+              <a:ext uri="{FF2B5EF4-FFF2-40B4-BE49-F238E27FC236}">
+                <a16:creationId xmlns:a16="http://schemas.microsoft.com/office/drawing/2014/main" id="{F0196E4E-2CC3-61BD-498A-51D5BF83FC76}"/>
+              </a:ext>
+            </a:extLst>
+          </p:cNvPr>
+          <p:cNvSpPr>
+            <a:spLocks noGrp="1" noRot="1" noChangeAspect="1"/>
+          </p:cNvSpPr>
+          <p:nvPr>
+            <p:ph type="sldImg"/>
+          </p:nvPr>
+        </p:nvSpPr>
+        <p:spPr/>
+      </p:sp>
+      <p:sp>
+        <p:nvSpPr>
+          <p:cNvPr id="3" name="Notes Placeholder 2">
+            <a:extLst>
+              <a:ext uri="{FF2B5EF4-FFF2-40B4-BE49-F238E27FC236}">
+                <a16:creationId xmlns:a16="http://schemas.microsoft.com/office/drawing/2014/main" id="{39E51682-46CA-9631-9D5E-DAA03B186B11}"/>
+              </a:ext>
+            </a:extLst>
+          </p:cNvPr>
+          <p:cNvSpPr>
+            <a:spLocks noGrp="1"/>
+          </p:cNvSpPr>
+          <p:nvPr>
+            <p:ph type="body" idx="1"/>
+          </p:nvPr>
+        </p:nvSpPr>
+        <p:spPr/>
+        <p:txBody>
+          <a:bodyPr/>
+          <a:lstStyle/>
+          <a:p>
+            <a:endParaRPr lang="en-US" dirty="0"/>
+          </a:p>
+        </p:txBody>
+      </p:sp>
+      <p:sp>
+        <p:nvSpPr>
+          <p:cNvPr id="4" name="Slide Number Placeholder 3">
+            <a:extLst>
+              <a:ext uri="{FF2B5EF4-FFF2-40B4-BE49-F238E27FC236}">
+                <a16:creationId xmlns:a16="http://schemas.microsoft.com/office/drawing/2014/main" id="{94629B30-E249-C8CC-F2AB-05569E9032C3}"/>
+              </a:ext>
+            </a:extLst>
+          </p:cNvPr>
+          <p:cNvSpPr>
+            <a:spLocks noGrp="1"/>
+          </p:cNvSpPr>
+          <p:nvPr>
+            <p:ph type="sldNum" sz="quarter" idx="10"/>
+          </p:nvPr>
+        </p:nvSpPr>
+        <p:spPr/>
+        <p:txBody>
+          <a:bodyPr/>
+          <a:lstStyle/>
+          <a:p>
+            <a:pPr marL="0" marR="0" lvl="0" indent="0" algn="r" defTabSz="914400" rtl="0" eaLnBrk="1" fontAlgn="auto" latinLnBrk="0" hangingPunct="1">
+              <a:lnSpc>
+                <a:spcPct val="100000"/>
+              </a:lnSpc>
+              <a:spcBef>
+                <a:spcPts val="0"/>
+              </a:spcBef>
+              <a:spcAft>
+                <a:spcPts val="0"/>
+              </a:spcAft>
+              <a:buClrTx/>
+              <a:buSzTx/>
+              <a:buFontTx/>
+              <a:buNone/>
+              <a:tabLst/>
+              <a:defRPr/>
+            </a:pPr>
+            <a:fld id="{F8E8EE67-7A75-494E-98A3-D8E57C5B2CB1}" type="slidenum">
+              <a:rPr kumimoji="0" lang="en-US" sz="1200" b="0" i="0" u="none" strike="noStrike" kern="1200" cap="none" spc="0" normalizeH="0" baseline="0" noProof="0" smtClean="0">
+                <a:ln>
+                  <a:noFill/>
+                </a:ln>
+                <a:solidFill>
+                  <a:prstClr val="black"/>
+                </a:solidFill>
+                <a:effectLst/>
+                <a:uLnTx/>
+                <a:uFillTx/>
+                <a:latin typeface="Calibri" panose="020F0502020204030204"/>
+                <a:ea typeface="+mn-ea"/>
+                <a:cs typeface="+mn-cs"/>
+              </a:rPr>
+              <a:pPr marL="0" marR="0" lvl="0" indent="0" algn="r" defTabSz="914400" rtl="0" eaLnBrk="1" fontAlgn="auto" latinLnBrk="0" hangingPunct="1">
+                <a:lnSpc>
+                  <a:spcPct val="100000"/>
+                </a:lnSpc>
+                <a:spcBef>
+                  <a:spcPts val="0"/>
+                </a:spcBef>
+                <a:spcAft>
+                  <a:spcPts val="0"/>
+                </a:spcAft>
+                <a:buClrTx/>
+                <a:buSzTx/>
+                <a:buFontTx/>
+                <a:buNone/>
+                <a:tabLst/>
+                <a:defRPr/>
+              </a:pPr>
+              <a:t>12</a:t>
+            </a:fld>
+            <a:endParaRPr kumimoji="0" lang="en-US" sz="1200" b="0" i="0" u="none" strike="noStrike" kern="1200" cap="none" spc="0" normalizeH="0" baseline="0" noProof="0" dirty="0">
+              <a:ln>
+                <a:noFill/>
+              </a:ln>
+              <a:solidFill>
+                <a:prstClr val="black"/>
+              </a:solidFill>
+              <a:effectLst/>
+              <a:uLnTx/>
+              <a:uFillTx/>
+              <a:latin typeface="Calibri" panose="020F0502020204030204"/>
+              <a:ea typeface="+mn-ea"/>
+              <a:cs typeface="+mn-cs"/>
+            </a:endParaRPr>
+          </a:p>
+        </p:txBody>
+      </p:sp>
+    </p:spTree>
+    <p:extLst>
+      <p:ext uri="{BB962C8B-B14F-4D97-AF65-F5344CB8AC3E}">
+        <p14:creationId xmlns:p14="http://schemas.microsoft.com/office/powerpoint/2010/main" val="3901040036"/>
+      </p:ext>
+    </p:extLst>
+  </p:cSld>
+  <p:clrMapOvr>
+    <a:masterClrMapping/>
+  </p:clrMapOvr>
+</p:notes>
+</file>
+
 <file path=ppt/slideLayouts/slideLayout1.xml><?xml version="1.0" encoding="utf-8"?>
 <p:sldLayout xmlns:a="http://schemas.openxmlformats.org/drawingml/2006/main" xmlns:r="http://schemas.openxmlformats.org/officeDocument/2006/relationships" xmlns:p="http://schemas.openxmlformats.org/presentationml/2006/main" type="title" preserve="1">
   <p:cSld name="Diapositiva titolo">
@@ -1248,7 +1418,7 @@
           <a:p>
             <a:fld id="{58FE4944-0C94-4E3A-962D-94EC96D9E7C8}" type="datetimeFigureOut">
               <a:rPr lang="it-IT" smtClean="0"/>
-              <a:t>10/03/24</a:t>
+              <a:t>10/03/2024</a:t>
             </a:fld>
             <a:endParaRPr lang="it-IT" dirty="0"/>
           </a:p>
@@ -1446,7 +1616,7 @@
           <a:p>
             <a:fld id="{58FE4944-0C94-4E3A-962D-94EC96D9E7C8}" type="datetimeFigureOut">
               <a:rPr lang="it-IT" smtClean="0"/>
-              <a:t>10/03/24</a:t>
+              <a:t>10/03/2024</a:t>
             </a:fld>
             <a:endParaRPr lang="it-IT" dirty="0"/>
           </a:p>
@@ -1654,7 +1824,7 @@
           <a:p>
             <a:fld id="{58FE4944-0C94-4E3A-962D-94EC96D9E7C8}" type="datetimeFigureOut">
               <a:rPr lang="it-IT" smtClean="0"/>
-              <a:t>10/03/24</a:t>
+              <a:t>10/03/2024</a:t>
             </a:fld>
             <a:endParaRPr lang="it-IT" dirty="0"/>
           </a:p>
@@ -1852,7 +2022,7 @@
           <a:p>
             <a:fld id="{58FE4944-0C94-4E3A-962D-94EC96D9E7C8}" type="datetimeFigureOut">
               <a:rPr lang="it-IT" smtClean="0"/>
-              <a:t>10/03/24</a:t>
+              <a:t>10/03/2024</a:t>
             </a:fld>
             <a:endParaRPr lang="it-IT" dirty="0"/>
           </a:p>
@@ -2127,7 +2297,7 @@
           <a:p>
             <a:fld id="{58FE4944-0C94-4E3A-962D-94EC96D9E7C8}" type="datetimeFigureOut">
               <a:rPr lang="it-IT" smtClean="0"/>
-              <a:t>10/03/24</a:t>
+              <a:t>10/03/2024</a:t>
             </a:fld>
             <a:endParaRPr lang="it-IT" dirty="0"/>
           </a:p>
@@ -2392,7 +2562,7 @@
           <a:p>
             <a:fld id="{58FE4944-0C94-4E3A-962D-94EC96D9E7C8}" type="datetimeFigureOut">
               <a:rPr lang="it-IT" smtClean="0"/>
-              <a:t>10/03/24</a:t>
+              <a:t>10/03/2024</a:t>
             </a:fld>
             <a:endParaRPr lang="it-IT" dirty="0"/>
           </a:p>
@@ -2804,7 +2974,7 @@
           <a:p>
             <a:fld id="{58FE4944-0C94-4E3A-962D-94EC96D9E7C8}" type="datetimeFigureOut">
               <a:rPr lang="it-IT" smtClean="0"/>
-              <a:t>10/03/24</a:t>
+              <a:t>10/03/2024</a:t>
             </a:fld>
             <a:endParaRPr lang="it-IT" dirty="0"/>
           </a:p>
@@ -2945,7 +3115,7 @@
           <a:p>
             <a:fld id="{58FE4944-0C94-4E3A-962D-94EC96D9E7C8}" type="datetimeFigureOut">
               <a:rPr lang="it-IT" smtClean="0"/>
-              <a:t>10/03/24</a:t>
+              <a:t>10/03/2024</a:t>
             </a:fld>
             <a:endParaRPr lang="it-IT" dirty="0"/>
           </a:p>
@@ -3058,7 +3228,7 @@
           <a:p>
             <a:fld id="{58FE4944-0C94-4E3A-962D-94EC96D9E7C8}" type="datetimeFigureOut">
               <a:rPr lang="it-IT" smtClean="0"/>
-              <a:t>10/03/24</a:t>
+              <a:t>10/03/2024</a:t>
             </a:fld>
             <a:endParaRPr lang="it-IT" dirty="0"/>
           </a:p>
@@ -3369,7 +3539,7 @@
           <a:p>
             <a:fld id="{58FE4944-0C94-4E3A-962D-94EC96D9E7C8}" type="datetimeFigureOut">
               <a:rPr lang="it-IT" smtClean="0"/>
-              <a:t>10/03/24</a:t>
+              <a:t>10/03/2024</a:t>
             </a:fld>
             <a:endParaRPr lang="it-IT" dirty="0"/>
           </a:p>
@@ -3657,7 +3827,7 @@
           <a:p>
             <a:fld id="{58FE4944-0C94-4E3A-962D-94EC96D9E7C8}" type="datetimeFigureOut">
               <a:rPr lang="it-IT" smtClean="0"/>
-              <a:t>10/03/24</a:t>
+              <a:t>10/03/2024</a:t>
             </a:fld>
             <a:endParaRPr lang="it-IT" dirty="0"/>
           </a:p>
@@ -3898,7 +4068,7 @@
           <a:p>
             <a:fld id="{58FE4944-0C94-4E3A-962D-94EC96D9E7C8}" type="datetimeFigureOut">
               <a:rPr lang="it-IT" smtClean="0"/>
-              <a:t>10/03/24</a:t>
+              <a:t>10/03/2024</a:t>
             </a:fld>
             <a:endParaRPr lang="it-IT" dirty="0"/>
           </a:p>
@@ -8520,7 +8690,7 @@
                 <a:latin typeface="Segoe UI" panose="020B0502040204020203" pitchFamily="34" charset="0"/>
                 <a:cs typeface="Segoe UI" panose="020B0502040204020203" pitchFamily="34" charset="0"/>
               </a:rPr>
-              <a:t>We adapt the model/parameters based o a session variable</a:t>
+              <a:t>We adapt the model/parameters based on a session variable</a:t>
             </a:r>
           </a:p>
           <a:p>
@@ -8668,7 +8838,7 @@
                 <a:latin typeface="Segoe UI" panose="020B0502040204020203" pitchFamily="34" charset="0"/>
                 <a:cs typeface="Segoe UI" panose="020B0502040204020203" pitchFamily="34" charset="0"/>
               </a:rPr>
-              <a:t>Advantages of our Approaches</a:t>
+              <a:t>Some points of strength</a:t>
             </a:r>
             <a:endParaRPr kumimoji="0" lang="en-US" sz="3000" b="1" i="0" u="none" strike="noStrike" kern="1200" cap="none" spc="0" normalizeH="0" baseline="0" noProof="0" dirty="0">
               <a:ln>
@@ -9088,175 +9258,714 @@
           </a:p>
         </p:txBody>
       </p:sp>
-      <p:sp>
-        <p:nvSpPr>
-          <p:cNvPr id="25" name="CasellaDiTesto 24">
+      <p:graphicFrame>
+        <p:nvGraphicFramePr>
+          <p:cNvPr id="11" name="Tabella 10">
             <a:extLst>
               <a:ext uri="{FF2B5EF4-FFF2-40B4-BE49-F238E27FC236}">
-                <a16:creationId xmlns:a16="http://schemas.microsoft.com/office/drawing/2014/main" id="{8647039C-05F5-98C8-DD36-F10290A89AB1}"/>
+                <a16:creationId xmlns:a16="http://schemas.microsoft.com/office/drawing/2014/main" id="{A1A9AA33-61FB-EBD0-167C-197CA2B4C4ED}"/>
               </a:ext>
             </a:extLst>
           </p:cNvPr>
-          <p:cNvSpPr txBox="1"/>
-          <p:nvPr/>
-        </p:nvSpPr>
-        <p:spPr>
-          <a:xfrm>
-            <a:off x="294366" y="1651879"/>
-            <a:ext cx="11802384" cy="2031325"/>
-          </a:xfrm>
-          <a:prstGeom prst="rect">
-            <a:avLst/>
-          </a:prstGeom>
-          <a:noFill/>
-        </p:spPr>
-        <p:txBody>
-          <a:bodyPr wrap="square">
-            <a:spAutoFit/>
-          </a:bodyPr>
-          <a:lstStyle/>
-          <a:p>
-            <a:pPr marL="285750" indent="-285750">
-              <a:buFont typeface="Arial" panose="020B0604020202020204" pitchFamily="34" charset="0"/>
-              <a:buChar char="•"/>
-            </a:pPr>
-            <a:r>
-              <a:rPr lang="en-US" b="1" dirty="0">
-                <a:solidFill>
-                  <a:srgbClr val="002060"/>
-                </a:solidFill>
-                <a:latin typeface="Segoe UI" panose="020B0502040204020203" pitchFamily="34" charset="0"/>
-                <a:cs typeface="Segoe UI" panose="020B0502040204020203" pitchFamily="34" charset="0"/>
-              </a:rPr>
-              <a:t>Automatic crawling of documents/recipes</a:t>
-            </a:r>
-            <a:br>
-              <a:rPr lang="en-US" b="1" dirty="0">
-                <a:solidFill>
-                  <a:srgbClr val="002060"/>
-                </a:solidFill>
-                <a:latin typeface="Segoe UI" panose="020B0502040204020203" pitchFamily="34" charset="0"/>
-                <a:cs typeface="Segoe UI" panose="020B0502040204020203" pitchFamily="34" charset="0"/>
-              </a:rPr>
-            </a:br>
-            <a:endParaRPr lang="en-US" b="1" dirty="0">
-              <a:solidFill>
-                <a:srgbClr val="002060"/>
-              </a:solidFill>
-              <a:latin typeface="Segoe UI" panose="020B0502040204020203" pitchFamily="34" charset="0"/>
-              <a:cs typeface="Segoe UI" panose="020B0502040204020203" pitchFamily="34" charset="0"/>
-            </a:endParaRPr>
-          </a:p>
-          <a:p>
-            <a:pPr marL="285750" indent="-285750">
-              <a:buFont typeface="Arial" panose="020B0604020202020204" pitchFamily="34" charset="0"/>
-              <a:buChar char="•"/>
-            </a:pPr>
-            <a:r>
-              <a:rPr lang="en-US" b="1" dirty="0">
-                <a:solidFill>
-                  <a:srgbClr val="002060"/>
-                </a:solidFill>
-                <a:latin typeface="Segoe UI" panose="020B0502040204020203" pitchFamily="34" charset="0"/>
-                <a:cs typeface="Segoe UI" panose="020B0502040204020203" pitchFamily="34" charset="0"/>
-              </a:rPr>
-              <a:t>Easy to re-run scripts to update/recompute indexes or side </a:t>
-            </a:r>
-            <a:r>
-              <a:rPr lang="en-US" b="1" dirty="0" err="1">
-                <a:solidFill>
-                  <a:srgbClr val="002060"/>
-                </a:solidFill>
-                <a:latin typeface="Segoe UI" panose="020B0502040204020203" pitchFamily="34" charset="0"/>
-                <a:cs typeface="Segoe UI" panose="020B0502040204020203" pitchFamily="34" charset="0"/>
-              </a:rPr>
-              <a:t>informations</a:t>
-            </a:r>
-            <a:br>
-              <a:rPr lang="en-US" b="1" dirty="0">
-                <a:solidFill>
-                  <a:srgbClr val="002060"/>
-                </a:solidFill>
-                <a:latin typeface="Segoe UI" panose="020B0502040204020203" pitchFamily="34" charset="0"/>
-                <a:cs typeface="Segoe UI" panose="020B0502040204020203" pitchFamily="34" charset="0"/>
-              </a:rPr>
-            </a:br>
-            <a:endParaRPr lang="en-US" b="1" dirty="0">
-              <a:solidFill>
-                <a:srgbClr val="002060"/>
-              </a:solidFill>
-              <a:latin typeface="Segoe UI" panose="020B0502040204020203" pitchFamily="34" charset="0"/>
-              <a:cs typeface="Segoe UI" panose="020B0502040204020203" pitchFamily="34" charset="0"/>
-            </a:endParaRPr>
-          </a:p>
-          <a:p>
-            <a:pPr marL="285750" indent="-285750">
-              <a:buFont typeface="Arial" panose="020B0604020202020204" pitchFamily="34" charset="0"/>
-              <a:buChar char="•"/>
-            </a:pPr>
-            <a:r>
-              <a:rPr lang="en-US" b="1" dirty="0">
-                <a:solidFill>
-                  <a:srgbClr val="002060"/>
-                </a:solidFill>
-                <a:latin typeface="Segoe UI" panose="020B0502040204020203" pitchFamily="34" charset="0"/>
-                <a:cs typeface="Segoe UI" panose="020B0502040204020203" pitchFamily="34" charset="0"/>
-              </a:rPr>
-              <a:t>Possibility to update the indexes instead of recomputing them (thanks to the usage of FAISS </a:t>
-            </a:r>
-            <a:r>
-              <a:rPr lang="en-US" b="1" dirty="0" err="1">
-                <a:solidFill>
-                  <a:srgbClr val="002060"/>
-                </a:solidFill>
-                <a:latin typeface="Segoe UI" panose="020B0502040204020203" pitchFamily="34" charset="0"/>
-                <a:cs typeface="Segoe UI" panose="020B0502040204020203" pitchFamily="34" charset="0"/>
-              </a:rPr>
-              <a:t>VectorStore</a:t>
-            </a:r>
-            <a:r>
-              <a:rPr lang="en-US" b="1" dirty="0">
-                <a:solidFill>
-                  <a:srgbClr val="002060"/>
-                </a:solidFill>
-                <a:latin typeface="Segoe UI" panose="020B0502040204020203" pitchFamily="34" charset="0"/>
-                <a:cs typeface="Segoe UI" panose="020B0502040204020203" pitchFamily="34" charset="0"/>
-              </a:rPr>
-              <a:t>)</a:t>
-            </a:r>
-          </a:p>
-          <a:p>
-            <a:pPr marL="285750" indent="-285750">
-              <a:buFont typeface="Arial" panose="020B0604020202020204" pitchFamily="34" charset="0"/>
-              <a:buChar char="•"/>
-            </a:pPr>
-            <a:endParaRPr lang="en-US" b="1" dirty="0">
-              <a:solidFill>
-                <a:srgbClr val="002060"/>
-              </a:solidFill>
-              <a:latin typeface="Segoe UI" panose="020B0502040204020203" pitchFamily="34" charset="0"/>
-              <a:cs typeface="Segoe UI" panose="020B0502040204020203" pitchFamily="34" charset="0"/>
-            </a:endParaRPr>
-          </a:p>
-          <a:p>
-            <a:pPr marL="285750" indent="-285750">
-              <a:buFont typeface="Arial" panose="020B0604020202020204" pitchFamily="34" charset="0"/>
-              <a:buChar char="•"/>
-            </a:pPr>
-            <a:r>
-              <a:rPr lang="en-US" b="1" dirty="0">
-                <a:solidFill>
-                  <a:srgbClr val="002060"/>
-                </a:solidFill>
-                <a:latin typeface="Segoe UI" panose="020B0502040204020203" pitchFamily="34" charset="0"/>
-                <a:cs typeface="Segoe UI" panose="020B0502040204020203" pitchFamily="34" charset="0"/>
-              </a:rPr>
-              <a:t>Useful for both end-customer and company</a:t>
-            </a:r>
-            <a:endParaRPr lang="en-US" b="1" dirty="0"/>
-          </a:p>
-        </p:txBody>
-      </p:sp>
+          <p:cNvGraphicFramePr>
+            <a:graphicFrameLocks noGrp="1"/>
+          </p:cNvGraphicFramePr>
+          <p:nvPr>
+            <p:extLst>
+              <p:ext uri="{D42A27DB-BD31-4B8C-83A1-F6EECF244321}">
+                <p14:modId xmlns:p14="http://schemas.microsoft.com/office/powerpoint/2010/main" val="4018666524"/>
+              </p:ext>
+            </p:extLst>
+          </p:nvPr>
+        </p:nvGraphicFramePr>
+        <p:xfrm>
+          <a:off x="931282" y="1320913"/>
+          <a:ext cx="10329435" cy="2108087"/>
+        </p:xfrm>
+        <a:graphic>
+          <a:graphicData uri="http://schemas.openxmlformats.org/drawingml/2006/table">
+            <a:tbl>
+              <a:tblPr firstRow="1" bandRow="1">
+                <a:tableStyleId>{F5AB1C69-6EDB-4FF4-983F-18BD219EF322}</a:tableStyleId>
+              </a:tblPr>
+              <a:tblGrid>
+                <a:gridCol w="3443145">
+                  <a:extLst>
+                    <a:ext uri="{9D8B030D-6E8A-4147-A177-3AD203B41FA5}">
+                      <a16:colId xmlns:a16="http://schemas.microsoft.com/office/drawing/2014/main" val="3869675441"/>
+                    </a:ext>
+                  </a:extLst>
+                </a:gridCol>
+                <a:gridCol w="3443145">
+                  <a:extLst>
+                    <a:ext uri="{9D8B030D-6E8A-4147-A177-3AD203B41FA5}">
+                      <a16:colId xmlns:a16="http://schemas.microsoft.com/office/drawing/2014/main" val="1172057591"/>
+                    </a:ext>
+                  </a:extLst>
+                </a:gridCol>
+                <a:gridCol w="3443145">
+                  <a:extLst>
+                    <a:ext uri="{9D8B030D-6E8A-4147-A177-3AD203B41FA5}">
+                      <a16:colId xmlns:a16="http://schemas.microsoft.com/office/drawing/2014/main" val="2290356727"/>
+                    </a:ext>
+                  </a:extLst>
+                </a:gridCol>
+              </a:tblGrid>
+              <a:tr h="817289">
+                <a:tc>
+                  <a:txBody>
+                    <a:bodyPr/>
+                    <a:lstStyle/>
+                    <a:p>
+                      <a:pPr algn="ctr"/>
+                      <a:r>
+                        <a:rPr lang="it-IT" sz="1800" b="1" kern="1200" dirty="0">
+                          <a:solidFill>
+                            <a:schemeClr val="bg1"/>
+                          </a:solidFill>
+                          <a:latin typeface="Segoe UI" panose="020B0502040204020203" pitchFamily="34" charset="0"/>
+                          <a:ea typeface="+mn-ea"/>
+                          <a:cs typeface="Segoe UI" panose="020B0502040204020203" pitchFamily="34" charset="0"/>
+                        </a:rPr>
+                        <a:t>Website </a:t>
+                      </a:r>
+                      <a:r>
+                        <a:rPr lang="it-IT" sz="1800" b="1" kern="1200" dirty="0" err="1">
+                          <a:solidFill>
+                            <a:schemeClr val="bg1"/>
+                          </a:solidFill>
+                          <a:latin typeface="Segoe UI" panose="020B0502040204020203" pitchFamily="34" charset="0"/>
+                          <a:ea typeface="+mn-ea"/>
+                          <a:cs typeface="Segoe UI" panose="020B0502040204020203" pitchFamily="34" charset="0"/>
+                        </a:rPr>
+                        <a:t>assistant</a:t>
+                      </a:r>
+                      <a:r>
+                        <a:rPr lang="it-IT" sz="1800" b="1" kern="1200" dirty="0">
+                          <a:solidFill>
+                            <a:schemeClr val="bg1"/>
+                          </a:solidFill>
+                          <a:latin typeface="Segoe UI" panose="020B0502040204020203" pitchFamily="34" charset="0"/>
+                          <a:ea typeface="+mn-ea"/>
+                          <a:cs typeface="Segoe UI" panose="020B0502040204020203" pitchFamily="34" charset="0"/>
+                        </a:rPr>
+                        <a:t> chatbot</a:t>
+                      </a:r>
+                    </a:p>
+                  </a:txBody>
+                  <a:tcPr>
+                    <a:lnB w="12700" cap="flat" cmpd="sng" algn="ctr">
+                      <a:solidFill>
+                        <a:schemeClr val="tx1"/>
+                      </a:solidFill>
+                      <a:prstDash val="solid"/>
+                      <a:round/>
+                      <a:headEnd type="none" w="med" len="med"/>
+                      <a:tailEnd type="none" w="med" len="med"/>
+                    </a:lnB>
+                    <a:solidFill>
+                      <a:schemeClr val="accent1">
+                        <a:lumMod val="50000"/>
+                      </a:schemeClr>
+                    </a:solidFill>
+                  </a:tcPr>
+                </a:tc>
+                <a:tc>
+                  <a:txBody>
+                    <a:bodyPr/>
+                    <a:lstStyle/>
+                    <a:p>
+                      <a:pPr algn="ctr"/>
+                      <a:r>
+                        <a:rPr lang="it-IT" sz="1800" b="1" kern="1200" dirty="0">
+                          <a:solidFill>
+                            <a:schemeClr val="bg1"/>
+                          </a:solidFill>
+                          <a:latin typeface="Segoe UI" panose="020B0502040204020203" pitchFamily="34" charset="0"/>
+                          <a:ea typeface="+mn-ea"/>
+                          <a:cs typeface="Segoe UI" panose="020B0502040204020203" pitchFamily="34" charset="0"/>
+                        </a:rPr>
+                        <a:t>Custom </a:t>
+                      </a:r>
+                      <a:r>
+                        <a:rPr lang="it-IT" sz="1800" b="1" kern="1200" dirty="0" err="1">
+                          <a:solidFill>
+                            <a:schemeClr val="bg1"/>
+                          </a:solidFill>
+                          <a:latin typeface="Segoe UI" panose="020B0502040204020203" pitchFamily="34" charset="0"/>
+                          <a:ea typeface="+mn-ea"/>
+                          <a:cs typeface="Segoe UI" panose="020B0502040204020203" pitchFamily="34" charset="0"/>
+                        </a:rPr>
+                        <a:t>recipes</a:t>
+                      </a:r>
+                      <a:r>
+                        <a:rPr lang="it-IT" sz="1800" b="1" kern="1200" dirty="0">
+                          <a:solidFill>
+                            <a:schemeClr val="bg1"/>
+                          </a:solidFill>
+                          <a:latin typeface="Segoe UI" panose="020B0502040204020203" pitchFamily="34" charset="0"/>
+                          <a:ea typeface="+mn-ea"/>
+                          <a:cs typeface="Segoe UI" panose="020B0502040204020203" pitchFamily="34" charset="0"/>
+                        </a:rPr>
+                        <a:t> and practices chatbot</a:t>
+                      </a:r>
+                    </a:p>
+                  </a:txBody>
+                  <a:tcPr>
+                    <a:lnB w="12700" cap="flat" cmpd="sng" algn="ctr">
+                      <a:solidFill>
+                        <a:schemeClr val="tx1"/>
+                      </a:solidFill>
+                      <a:prstDash val="solid"/>
+                      <a:round/>
+                      <a:headEnd type="none" w="med" len="med"/>
+                      <a:tailEnd type="none" w="med" len="med"/>
+                    </a:lnB>
+                    <a:solidFill>
+                      <a:schemeClr val="accent1">
+                        <a:lumMod val="50000"/>
+                      </a:schemeClr>
+                    </a:solidFill>
+                  </a:tcPr>
+                </a:tc>
+                <a:tc>
+                  <a:txBody>
+                    <a:bodyPr/>
+                    <a:lstStyle/>
+                    <a:p>
+                      <a:pPr algn="ctr"/>
+                      <a:r>
+                        <a:rPr lang="it-IT" sz="1800" b="1" kern="1200" dirty="0">
+                          <a:solidFill>
+                            <a:schemeClr val="bg1"/>
+                          </a:solidFill>
+                          <a:latin typeface="Segoe UI" panose="020B0502040204020203" pitchFamily="34" charset="0"/>
+                          <a:ea typeface="+mn-ea"/>
+                          <a:cs typeface="Segoe UI" panose="020B0502040204020203" pitchFamily="34" charset="0"/>
+                        </a:rPr>
+                        <a:t>General recipe </a:t>
+                      </a:r>
+                      <a:r>
+                        <a:rPr lang="it-IT" sz="1800" b="1" kern="1200" dirty="0" err="1">
+                          <a:solidFill>
+                            <a:schemeClr val="bg1"/>
+                          </a:solidFill>
+                          <a:latin typeface="Segoe UI" panose="020B0502040204020203" pitchFamily="34" charset="0"/>
+                          <a:ea typeface="+mn-ea"/>
+                          <a:cs typeface="Segoe UI" panose="020B0502040204020203" pitchFamily="34" charset="0"/>
+                        </a:rPr>
+                        <a:t>discovery</a:t>
+                      </a:r>
+                      <a:r>
+                        <a:rPr lang="it-IT" sz="1800" b="1" kern="1200" dirty="0">
+                          <a:solidFill>
+                            <a:schemeClr val="bg1"/>
+                          </a:solidFill>
+                          <a:latin typeface="Segoe UI" panose="020B0502040204020203" pitchFamily="34" charset="0"/>
+                          <a:ea typeface="+mn-ea"/>
+                          <a:cs typeface="Segoe UI" panose="020B0502040204020203" pitchFamily="34" charset="0"/>
+                        </a:rPr>
+                        <a:t> bot</a:t>
+                      </a:r>
+                    </a:p>
+                  </a:txBody>
+                  <a:tcPr>
+                    <a:lnB w="12700" cap="flat" cmpd="sng" algn="ctr">
+                      <a:solidFill>
+                        <a:schemeClr val="tx1"/>
+                      </a:solidFill>
+                      <a:prstDash val="solid"/>
+                      <a:round/>
+                      <a:headEnd type="none" w="med" len="med"/>
+                      <a:tailEnd type="none" w="med" len="med"/>
+                    </a:lnB>
+                    <a:solidFill>
+                      <a:schemeClr val="accent1">
+                        <a:lumMod val="50000"/>
+                      </a:schemeClr>
+                    </a:solidFill>
+                  </a:tcPr>
+                </a:tc>
+                <a:extLst>
+                  <a:ext uri="{0D108BD9-81ED-4DB2-BD59-A6C34878D82A}">
+                    <a16:rowId xmlns:a16="http://schemas.microsoft.com/office/drawing/2014/main" val="1207210303"/>
+                  </a:ext>
+                </a:extLst>
+              </a:tr>
+              <a:tr h="817289">
+                <a:tc>
+                  <a:txBody>
+                    <a:bodyPr/>
+                    <a:lstStyle/>
+                    <a:p>
+                      <a:pPr algn="ctr"/>
+                      <a:r>
+                        <a:rPr lang="it-IT" sz="1800" b="0" kern="1200" dirty="0">
+                          <a:solidFill>
+                            <a:srgbClr val="002060"/>
+                          </a:solidFill>
+                          <a:latin typeface="Segoe UI" panose="020B0502040204020203" pitchFamily="34" charset="0"/>
+                          <a:ea typeface="+mn-ea"/>
+                          <a:cs typeface="Segoe UI" panose="020B0502040204020203" pitchFamily="34" charset="0"/>
+                        </a:rPr>
+                        <a:t>Multiple point-of-</a:t>
+                      </a:r>
+                      <a:r>
+                        <a:rPr lang="it-IT" sz="1800" b="0" kern="1200" dirty="0" err="1">
+                          <a:solidFill>
+                            <a:srgbClr val="002060"/>
+                          </a:solidFill>
+                          <a:latin typeface="Segoe UI" panose="020B0502040204020203" pitchFamily="34" charset="0"/>
+                          <a:ea typeface="+mn-ea"/>
+                          <a:cs typeface="Segoe UI" panose="020B0502040204020203" pitchFamily="34" charset="0"/>
+                        </a:rPr>
+                        <a:t>view</a:t>
+                      </a:r>
+                      <a:endParaRPr lang="it-IT" sz="1800" b="0" kern="1200" dirty="0">
+                        <a:solidFill>
+                          <a:srgbClr val="002060"/>
+                        </a:solidFill>
+                        <a:latin typeface="Segoe UI" panose="020B0502040204020203" pitchFamily="34" charset="0"/>
+                        <a:ea typeface="+mn-ea"/>
+                        <a:cs typeface="Segoe UI" panose="020B0502040204020203" pitchFamily="34" charset="0"/>
+                      </a:endParaRPr>
+                    </a:p>
+                  </a:txBody>
+                  <a:tcPr>
+                    <a:lnL w="12700" cap="flat" cmpd="sng" algn="ctr">
+                      <a:solidFill>
+                        <a:schemeClr val="tx1"/>
+                      </a:solidFill>
+                      <a:prstDash val="solid"/>
+                      <a:round/>
+                      <a:headEnd type="none" w="med" len="med"/>
+                      <a:tailEnd type="none" w="med" len="med"/>
+                    </a:lnL>
+                    <a:lnR w="12700" cap="flat" cmpd="sng" algn="ctr">
+                      <a:solidFill>
+                        <a:schemeClr val="tx1"/>
+                      </a:solidFill>
+                      <a:prstDash val="solid"/>
+                      <a:round/>
+                      <a:headEnd type="none" w="med" len="med"/>
+                      <a:tailEnd type="none" w="med" len="med"/>
+                    </a:lnR>
+                    <a:lnT w="12700" cap="flat" cmpd="sng" algn="ctr">
+                      <a:solidFill>
+                        <a:schemeClr val="tx1"/>
+                      </a:solidFill>
+                      <a:prstDash val="solid"/>
+                      <a:round/>
+                      <a:headEnd type="none" w="med" len="med"/>
+                      <a:tailEnd type="none" w="med" len="med"/>
+                    </a:lnT>
+                    <a:lnB w="12700" cap="flat" cmpd="sng" algn="ctr">
+                      <a:solidFill>
+                        <a:schemeClr val="tx1"/>
+                      </a:solidFill>
+                      <a:prstDash val="solid"/>
+                      <a:round/>
+                      <a:headEnd type="none" w="med" len="med"/>
+                      <a:tailEnd type="none" w="med" len="med"/>
+                    </a:lnB>
+                    <a:solidFill>
+                      <a:schemeClr val="bg1"/>
+                    </a:solidFill>
+                  </a:tcPr>
+                </a:tc>
+                <a:tc>
+                  <a:txBody>
+                    <a:bodyPr/>
+                    <a:lstStyle/>
+                    <a:p>
+                      <a:pPr algn="ctr"/>
+                      <a:r>
+                        <a:rPr lang="it-IT" sz="1800" b="0" kern="1200" dirty="0" err="1">
+                          <a:solidFill>
+                            <a:srgbClr val="002060"/>
+                          </a:solidFill>
+                          <a:latin typeface="Segoe UI" panose="020B0502040204020203" pitchFamily="34" charset="0"/>
+                          <a:ea typeface="+mn-ea"/>
+                          <a:cs typeface="Segoe UI" panose="020B0502040204020203" pitchFamily="34" charset="0"/>
+                        </a:rPr>
+                        <a:t>Automatized</a:t>
+                      </a:r>
+                      <a:r>
+                        <a:rPr lang="it-IT" sz="1800" b="0" kern="1200" dirty="0">
+                          <a:solidFill>
+                            <a:srgbClr val="002060"/>
+                          </a:solidFill>
+                          <a:latin typeface="Segoe UI" panose="020B0502040204020203" pitchFamily="34" charset="0"/>
+                          <a:ea typeface="+mn-ea"/>
+                          <a:cs typeface="Segoe UI" panose="020B0502040204020203" pitchFamily="34" charset="0"/>
+                        </a:rPr>
+                        <a:t> </a:t>
+                      </a:r>
+                      <a:r>
+                        <a:rPr lang="it-IT" sz="1800" b="0" kern="1200" dirty="0" err="1">
+                          <a:solidFill>
+                            <a:srgbClr val="002060"/>
+                          </a:solidFill>
+                          <a:latin typeface="Segoe UI" panose="020B0502040204020203" pitchFamily="34" charset="0"/>
+                          <a:ea typeface="+mn-ea"/>
+                          <a:cs typeface="Segoe UI" panose="020B0502040204020203" pitchFamily="34" charset="0"/>
+                        </a:rPr>
+                        <a:t>crawling</a:t>
+                      </a:r>
+                      <a:r>
+                        <a:rPr lang="it-IT" sz="1800" b="0" kern="1200" dirty="0">
+                          <a:solidFill>
+                            <a:srgbClr val="002060"/>
+                          </a:solidFill>
+                          <a:latin typeface="Segoe UI" panose="020B0502040204020203" pitchFamily="34" charset="0"/>
+                          <a:ea typeface="+mn-ea"/>
+                          <a:cs typeface="Segoe UI" panose="020B0502040204020203" pitchFamily="34" charset="0"/>
+                        </a:rPr>
+                        <a:t> of </a:t>
+                      </a:r>
+                      <a:r>
+                        <a:rPr lang="it-IT" sz="1800" b="0" kern="1200" dirty="0" err="1">
+                          <a:solidFill>
+                            <a:srgbClr val="002060"/>
+                          </a:solidFill>
+                          <a:latin typeface="Segoe UI" panose="020B0502040204020203" pitchFamily="34" charset="0"/>
+                          <a:ea typeface="+mn-ea"/>
+                          <a:cs typeface="Segoe UI" panose="020B0502040204020203" pitchFamily="34" charset="0"/>
+                        </a:rPr>
+                        <a:t>recipes</a:t>
+                      </a:r>
+                      <a:r>
+                        <a:rPr lang="it-IT" sz="1800" b="0" kern="1200" dirty="0">
+                          <a:solidFill>
+                            <a:srgbClr val="002060"/>
+                          </a:solidFill>
+                          <a:latin typeface="Segoe UI" panose="020B0502040204020203" pitchFamily="34" charset="0"/>
+                          <a:ea typeface="+mn-ea"/>
+                          <a:cs typeface="Segoe UI" panose="020B0502040204020203" pitchFamily="34" charset="0"/>
+                        </a:rPr>
+                        <a:t> from the DDC </a:t>
+                      </a:r>
+                      <a:r>
+                        <a:rPr lang="it-IT" sz="1800" b="0" kern="1200" dirty="0" err="1">
+                          <a:solidFill>
+                            <a:srgbClr val="002060"/>
+                          </a:solidFill>
+                          <a:latin typeface="Segoe UI" panose="020B0502040204020203" pitchFamily="34" charset="0"/>
+                          <a:ea typeface="+mn-ea"/>
+                          <a:cs typeface="Segoe UI" panose="020B0502040204020203" pitchFamily="34" charset="0"/>
+                        </a:rPr>
+                        <a:t>portal</a:t>
+                      </a:r>
+                      <a:endParaRPr lang="it-IT" sz="1800" b="0" kern="1200" dirty="0">
+                        <a:solidFill>
+                          <a:srgbClr val="002060"/>
+                        </a:solidFill>
+                        <a:latin typeface="Segoe UI" panose="020B0502040204020203" pitchFamily="34" charset="0"/>
+                        <a:ea typeface="+mn-ea"/>
+                        <a:cs typeface="Segoe UI" panose="020B0502040204020203" pitchFamily="34" charset="0"/>
+                      </a:endParaRPr>
+                    </a:p>
+                  </a:txBody>
+                  <a:tcPr>
+                    <a:lnL w="12700" cap="flat" cmpd="sng" algn="ctr">
+                      <a:solidFill>
+                        <a:schemeClr val="tx1"/>
+                      </a:solidFill>
+                      <a:prstDash val="solid"/>
+                      <a:round/>
+                      <a:headEnd type="none" w="med" len="med"/>
+                      <a:tailEnd type="none" w="med" len="med"/>
+                    </a:lnL>
+                    <a:lnR w="12700" cap="flat" cmpd="sng" algn="ctr">
+                      <a:solidFill>
+                        <a:schemeClr val="tx1"/>
+                      </a:solidFill>
+                      <a:prstDash val="solid"/>
+                      <a:round/>
+                      <a:headEnd type="none" w="med" len="med"/>
+                      <a:tailEnd type="none" w="med" len="med"/>
+                    </a:lnR>
+                    <a:lnT w="12700" cap="flat" cmpd="sng" algn="ctr">
+                      <a:solidFill>
+                        <a:schemeClr val="tx1"/>
+                      </a:solidFill>
+                      <a:prstDash val="solid"/>
+                      <a:round/>
+                      <a:headEnd type="none" w="med" len="med"/>
+                      <a:tailEnd type="none" w="med" len="med"/>
+                    </a:lnT>
+                    <a:lnB w="12700" cap="flat" cmpd="sng" algn="ctr">
+                      <a:solidFill>
+                        <a:schemeClr val="tx1"/>
+                      </a:solidFill>
+                      <a:prstDash val="solid"/>
+                      <a:round/>
+                      <a:headEnd type="none" w="med" len="med"/>
+                      <a:tailEnd type="none" w="med" len="med"/>
+                    </a:lnB>
+                    <a:solidFill>
+                      <a:schemeClr val="bg1"/>
+                    </a:solidFill>
+                  </a:tcPr>
+                </a:tc>
+                <a:tc>
+                  <a:txBody>
+                    <a:bodyPr/>
+                    <a:lstStyle/>
+                    <a:p>
+                      <a:pPr algn="ctr"/>
+                      <a:endParaRPr lang="it-IT" sz="1800" b="1" kern="1200" dirty="0">
+                        <a:solidFill>
+                          <a:srgbClr val="002060"/>
+                        </a:solidFill>
+                        <a:latin typeface="Segoe UI" panose="020B0502040204020203" pitchFamily="34" charset="0"/>
+                        <a:ea typeface="+mn-ea"/>
+                        <a:cs typeface="Segoe UI" panose="020B0502040204020203" pitchFamily="34" charset="0"/>
+                      </a:endParaRPr>
+                    </a:p>
+                  </a:txBody>
+                  <a:tcPr>
+                    <a:lnL w="12700" cap="flat" cmpd="sng" algn="ctr">
+                      <a:solidFill>
+                        <a:schemeClr val="tx1"/>
+                      </a:solidFill>
+                      <a:prstDash val="solid"/>
+                      <a:round/>
+                      <a:headEnd type="none" w="med" len="med"/>
+                      <a:tailEnd type="none" w="med" len="med"/>
+                    </a:lnL>
+                    <a:lnR w="12700" cap="flat" cmpd="sng" algn="ctr">
+                      <a:solidFill>
+                        <a:schemeClr val="tx1"/>
+                      </a:solidFill>
+                      <a:prstDash val="solid"/>
+                      <a:round/>
+                      <a:headEnd type="none" w="med" len="med"/>
+                      <a:tailEnd type="none" w="med" len="med"/>
+                    </a:lnR>
+                    <a:lnT w="12700" cap="flat" cmpd="sng" algn="ctr">
+                      <a:solidFill>
+                        <a:schemeClr val="tx1"/>
+                      </a:solidFill>
+                      <a:prstDash val="solid"/>
+                      <a:round/>
+                      <a:headEnd type="none" w="med" len="med"/>
+                      <a:tailEnd type="none" w="med" len="med"/>
+                    </a:lnT>
+                    <a:lnB w="12700" cap="flat" cmpd="sng" algn="ctr">
+                      <a:solidFill>
+                        <a:schemeClr val="tx1"/>
+                      </a:solidFill>
+                      <a:prstDash val="solid"/>
+                      <a:round/>
+                      <a:headEnd type="none" w="med" len="med"/>
+                      <a:tailEnd type="none" w="med" len="med"/>
+                    </a:lnB>
+                    <a:solidFill>
+                      <a:schemeClr val="bg1"/>
+                    </a:solidFill>
+                  </a:tcPr>
+                </a:tc>
+                <a:extLst>
+                  <a:ext uri="{0D108BD9-81ED-4DB2-BD59-A6C34878D82A}">
+                    <a16:rowId xmlns:a16="http://schemas.microsoft.com/office/drawing/2014/main" val="811631363"/>
+                  </a:ext>
+                </a:extLst>
+              </a:tr>
+              <a:tr h="473509">
+                <a:tc gridSpan="3">
+                  <a:txBody>
+                    <a:bodyPr/>
+                    <a:lstStyle/>
+                    <a:p>
+                      <a:pPr algn="ctr"/>
+                      <a:r>
+                        <a:rPr lang="it-IT" sz="1800" b="0" kern="1200" dirty="0">
+                          <a:solidFill>
+                            <a:srgbClr val="002060"/>
+                          </a:solidFill>
+                          <a:latin typeface="Segoe UI" panose="020B0502040204020203" pitchFamily="34" charset="0"/>
+                          <a:ea typeface="+mn-ea"/>
+                          <a:cs typeface="Segoe UI" panose="020B0502040204020203" pitchFamily="34" charset="0"/>
+                        </a:rPr>
+                        <a:t>Index update to </a:t>
+                      </a:r>
+                      <a:r>
+                        <a:rPr lang="it-IT" sz="1800" b="0" kern="1200" dirty="0" err="1">
+                          <a:solidFill>
+                            <a:srgbClr val="002060"/>
+                          </a:solidFill>
+                          <a:latin typeface="Segoe UI" panose="020B0502040204020203" pitchFamily="34" charset="0"/>
+                          <a:ea typeface="+mn-ea"/>
+                          <a:cs typeface="Segoe UI" panose="020B0502040204020203" pitchFamily="34" charset="0"/>
+                        </a:rPr>
+                        <a:t>quickly</a:t>
+                      </a:r>
+                      <a:r>
+                        <a:rPr lang="it-IT" sz="1800" b="0" kern="1200" dirty="0">
+                          <a:solidFill>
+                            <a:srgbClr val="002060"/>
+                          </a:solidFill>
+                          <a:latin typeface="Segoe UI" panose="020B0502040204020203" pitchFamily="34" charset="0"/>
+                          <a:ea typeface="+mn-ea"/>
+                          <a:cs typeface="Segoe UI" panose="020B0502040204020203" pitchFamily="34" charset="0"/>
+                        </a:rPr>
+                        <a:t> </a:t>
+                      </a:r>
+                      <a:r>
+                        <a:rPr lang="it-IT" sz="1800" b="0" kern="1200" dirty="0" err="1">
+                          <a:solidFill>
+                            <a:srgbClr val="002060"/>
+                          </a:solidFill>
+                          <a:latin typeface="Segoe UI" panose="020B0502040204020203" pitchFamily="34" charset="0"/>
+                          <a:ea typeface="+mn-ea"/>
+                          <a:cs typeface="Segoe UI" panose="020B0502040204020203" pitchFamily="34" charset="0"/>
+                        </a:rPr>
+                        <a:t>add</a:t>
+                      </a:r>
+                      <a:r>
+                        <a:rPr lang="it-IT" sz="1800" b="0" kern="1200" dirty="0">
+                          <a:solidFill>
+                            <a:srgbClr val="002060"/>
+                          </a:solidFill>
+                          <a:latin typeface="Segoe UI" panose="020B0502040204020203" pitchFamily="34" charset="0"/>
+                          <a:ea typeface="+mn-ea"/>
+                          <a:cs typeface="Segoe UI" panose="020B0502040204020203" pitchFamily="34" charset="0"/>
+                        </a:rPr>
+                        <a:t> new </a:t>
+                      </a:r>
+                      <a:r>
+                        <a:rPr lang="it-IT" sz="1800" b="0" kern="1200" dirty="0" err="1">
+                          <a:solidFill>
+                            <a:srgbClr val="002060"/>
+                          </a:solidFill>
+                          <a:latin typeface="Segoe UI" panose="020B0502040204020203" pitchFamily="34" charset="0"/>
+                          <a:ea typeface="+mn-ea"/>
+                          <a:cs typeface="Segoe UI" panose="020B0502040204020203" pitchFamily="34" charset="0"/>
+                        </a:rPr>
+                        <a:t>documents</a:t>
+                      </a:r>
+                      <a:r>
+                        <a:rPr lang="it-IT" sz="1800" b="0" kern="1200" dirty="0">
+                          <a:solidFill>
+                            <a:srgbClr val="002060"/>
+                          </a:solidFill>
+                          <a:latin typeface="Segoe UI" panose="020B0502040204020203" pitchFamily="34" charset="0"/>
+                          <a:ea typeface="+mn-ea"/>
+                          <a:cs typeface="Segoe UI" panose="020B0502040204020203" pitchFamily="34" charset="0"/>
+                        </a:rPr>
+                        <a:t> (thanks to FAISS </a:t>
+                      </a:r>
+                      <a:r>
+                        <a:rPr lang="it-IT" sz="1800" b="0" kern="1200" dirty="0" err="1">
+                          <a:solidFill>
+                            <a:srgbClr val="002060"/>
+                          </a:solidFill>
+                          <a:latin typeface="Segoe UI" panose="020B0502040204020203" pitchFamily="34" charset="0"/>
+                          <a:ea typeface="+mn-ea"/>
+                          <a:cs typeface="Segoe UI" panose="020B0502040204020203" pitchFamily="34" charset="0"/>
+                        </a:rPr>
+                        <a:t>VectorShare</a:t>
+                      </a:r>
+                      <a:r>
+                        <a:rPr lang="it-IT" sz="1800" b="0" kern="1200" dirty="0">
+                          <a:solidFill>
+                            <a:srgbClr val="002060"/>
+                          </a:solidFill>
+                          <a:latin typeface="Segoe UI" panose="020B0502040204020203" pitchFamily="34" charset="0"/>
+                          <a:ea typeface="+mn-ea"/>
+                          <a:cs typeface="Segoe UI" panose="020B0502040204020203" pitchFamily="34" charset="0"/>
+                        </a:rPr>
+                        <a:t>)</a:t>
+                      </a:r>
+                    </a:p>
+                  </a:txBody>
+                  <a:tcPr>
+                    <a:lnL w="12700" cap="flat" cmpd="sng" algn="ctr">
+                      <a:solidFill>
+                        <a:schemeClr val="tx1"/>
+                      </a:solidFill>
+                      <a:prstDash val="solid"/>
+                      <a:round/>
+                      <a:headEnd type="none" w="med" len="med"/>
+                      <a:tailEnd type="none" w="med" len="med"/>
+                    </a:lnL>
+                    <a:lnR w="12700" cap="flat" cmpd="sng" algn="ctr">
+                      <a:solidFill>
+                        <a:schemeClr val="tx1"/>
+                      </a:solidFill>
+                      <a:prstDash val="solid"/>
+                      <a:round/>
+                      <a:headEnd type="none" w="med" len="med"/>
+                      <a:tailEnd type="none" w="med" len="med"/>
+                    </a:lnR>
+                    <a:lnT w="12700" cap="flat" cmpd="sng" algn="ctr">
+                      <a:solidFill>
+                        <a:schemeClr val="tx1"/>
+                      </a:solidFill>
+                      <a:prstDash val="solid"/>
+                      <a:round/>
+                      <a:headEnd type="none" w="med" len="med"/>
+                      <a:tailEnd type="none" w="med" len="med"/>
+                    </a:lnT>
+                    <a:lnB w="12700" cap="flat" cmpd="sng" algn="ctr">
+                      <a:solidFill>
+                        <a:schemeClr val="tx1"/>
+                      </a:solidFill>
+                      <a:prstDash val="solid"/>
+                      <a:round/>
+                      <a:headEnd type="none" w="med" len="med"/>
+                      <a:tailEnd type="none" w="med" len="med"/>
+                    </a:lnB>
+                    <a:solidFill>
+                      <a:schemeClr val="bg1"/>
+                    </a:solidFill>
+                  </a:tcPr>
+                </a:tc>
+                <a:tc hMerge="1">
+                  <a:txBody>
+                    <a:bodyPr/>
+                    <a:lstStyle/>
+                    <a:p>
+                      <a:endParaRPr lang="it-IT" sz="1800" b="1" kern="1200" dirty="0">
+                        <a:solidFill>
+                          <a:srgbClr val="002060"/>
+                        </a:solidFill>
+                        <a:latin typeface="Segoe UI" panose="020B0502040204020203" pitchFamily="34" charset="0"/>
+                        <a:ea typeface="+mn-ea"/>
+                        <a:cs typeface="Segoe UI" panose="020B0502040204020203" pitchFamily="34" charset="0"/>
+                      </a:endParaRPr>
+                    </a:p>
+                  </a:txBody>
+                  <a:tcPr/>
+                </a:tc>
+                <a:tc hMerge="1">
+                  <a:txBody>
+                    <a:bodyPr/>
+                    <a:lstStyle/>
+                    <a:p>
+                      <a:endParaRPr lang="it-IT" sz="1800" b="1" kern="1200" dirty="0">
+                        <a:solidFill>
+                          <a:srgbClr val="002060"/>
+                        </a:solidFill>
+                        <a:latin typeface="Segoe UI" panose="020B0502040204020203" pitchFamily="34" charset="0"/>
+                        <a:ea typeface="+mn-ea"/>
+                        <a:cs typeface="Segoe UI" panose="020B0502040204020203" pitchFamily="34" charset="0"/>
+                      </a:endParaRPr>
+                    </a:p>
+                  </a:txBody>
+                  <a:tcPr/>
+                </a:tc>
+                <a:extLst>
+                  <a:ext uri="{0D108BD9-81ED-4DB2-BD59-A6C34878D82A}">
+                    <a16:rowId xmlns:a16="http://schemas.microsoft.com/office/drawing/2014/main" val="72303286"/>
+                  </a:ext>
+                </a:extLst>
+              </a:tr>
+            </a:tbl>
+          </a:graphicData>
+        </a:graphic>
+      </p:graphicFrame>
     </p:spTree>
     <p:extLst>
       <p:ext uri="{BB962C8B-B14F-4D97-AF65-F5344CB8AC3E}">
@@ -9271,6 +9980,579 @@
 </file>
 
 <file path=ppt/slides/slide12.xml><?xml version="1.0" encoding="utf-8"?>
+<p:sld xmlns:a="http://schemas.openxmlformats.org/drawingml/2006/main" xmlns:r="http://schemas.openxmlformats.org/officeDocument/2006/relationships" xmlns:p="http://schemas.openxmlformats.org/presentationml/2006/main">
+  <p:cSld>
+    <p:spTree>
+      <p:nvGrpSpPr>
+        <p:cNvPr id="1" name="">
+          <a:extLst>
+            <a:ext uri="{FF2B5EF4-FFF2-40B4-BE49-F238E27FC236}">
+              <a16:creationId xmlns:a16="http://schemas.microsoft.com/office/drawing/2014/main" id="{8645970E-C46F-398E-CFF5-39C252DC25AD}"/>
+            </a:ext>
+          </a:extLst>
+        </p:cNvPr>
+        <p:cNvGrpSpPr/>
+        <p:nvPr/>
+      </p:nvGrpSpPr>
+      <p:grpSpPr>
+        <a:xfrm>
+          <a:off x="0" y="0"/>
+          <a:ext cx="0" cy="0"/>
+          <a:chOff x="0" y="0"/>
+          <a:chExt cx="0" cy="0"/>
+        </a:xfrm>
+      </p:grpSpPr>
+      <p:sp>
+        <p:nvSpPr>
+          <p:cNvPr id="3" name="Rectangle 43">
+            <a:extLst>
+              <a:ext uri="{FF2B5EF4-FFF2-40B4-BE49-F238E27FC236}">
+                <a16:creationId xmlns:a16="http://schemas.microsoft.com/office/drawing/2014/main" id="{9F5920DD-FA92-30D0-9BB5-529076035B8E}"/>
+              </a:ext>
+            </a:extLst>
+          </p:cNvPr>
+          <p:cNvSpPr/>
+          <p:nvPr/>
+        </p:nvSpPr>
+        <p:spPr>
+          <a:xfrm>
+            <a:off x="2732747" y="208783"/>
+            <a:ext cx="6726506" cy="461665"/>
+          </a:xfrm>
+          <a:prstGeom prst="rect">
+            <a:avLst/>
+          </a:prstGeom>
+        </p:spPr>
+        <p:txBody>
+          <a:bodyPr wrap="square" lIns="0" tIns="0" rIns="0" bIns="0">
+            <a:spAutoFit/>
+          </a:bodyPr>
+          <a:lstStyle/>
+          <a:p>
+            <a:pPr marL="0" marR="0" lvl="0" indent="0" algn="ctr" defTabSz="914400" rtl="0" eaLnBrk="1" fontAlgn="auto" latinLnBrk="0" hangingPunct="1">
+              <a:lnSpc>
+                <a:spcPct val="100000"/>
+              </a:lnSpc>
+              <a:spcBef>
+                <a:spcPts val="0"/>
+              </a:spcBef>
+              <a:spcAft>
+                <a:spcPts val="0"/>
+              </a:spcAft>
+              <a:buClrTx/>
+              <a:buSzTx/>
+              <a:buFontTx/>
+              <a:buNone/>
+              <a:tabLst/>
+              <a:defRPr/>
+            </a:pPr>
+            <a:r>
+              <a:rPr lang="en-US" sz="3000" b="1" dirty="0">
+                <a:solidFill>
+                  <a:srgbClr val="083D65"/>
+                </a:solidFill>
+                <a:latin typeface="Segoe UI" panose="020B0502040204020203" pitchFamily="34" charset="0"/>
+                <a:cs typeface="Segoe UI" panose="020B0502040204020203" pitchFamily="34" charset="0"/>
+              </a:rPr>
+              <a:t>Cost analysis and evaluation</a:t>
+            </a:r>
+            <a:endParaRPr kumimoji="0" lang="en-US" sz="3000" b="1" i="0" u="none" strike="noStrike" kern="1200" cap="none" spc="0" normalizeH="0" baseline="0" noProof="0" dirty="0">
+              <a:ln>
+                <a:noFill/>
+              </a:ln>
+              <a:solidFill>
+                <a:srgbClr val="083D65"/>
+              </a:solidFill>
+              <a:effectLst/>
+              <a:uLnTx/>
+              <a:uFillTx/>
+              <a:latin typeface="Segoe UI" panose="020B0502040204020203" pitchFamily="34" charset="0"/>
+              <a:ea typeface="+mn-ea"/>
+              <a:cs typeface="Segoe UI" panose="020B0502040204020203" pitchFamily="34" charset="0"/>
+            </a:endParaRPr>
+          </a:p>
+        </p:txBody>
+      </p:sp>
+      <p:sp>
+        <p:nvSpPr>
+          <p:cNvPr id="184" name="Rounded Rectangle 109">
+            <a:extLst>
+              <a:ext uri="{FF2B5EF4-FFF2-40B4-BE49-F238E27FC236}">
+                <a16:creationId xmlns:a16="http://schemas.microsoft.com/office/drawing/2014/main" id="{DEF536E2-A63D-A65B-819F-DC2DFAD5ECD5}"/>
+              </a:ext>
+            </a:extLst>
+          </p:cNvPr>
+          <p:cNvSpPr/>
+          <p:nvPr/>
+        </p:nvSpPr>
+        <p:spPr>
+          <a:xfrm>
+            <a:off x="10744964" y="6914539"/>
+            <a:ext cx="2094671" cy="354514"/>
+          </a:xfrm>
+          <a:prstGeom prst="roundRect">
+            <a:avLst>
+              <a:gd name="adj" fmla="val 50000"/>
+            </a:avLst>
+          </a:prstGeom>
+          <a:noFill/>
+          <a:ln>
+            <a:noFill/>
+          </a:ln>
+        </p:spPr>
+        <p:style>
+          <a:lnRef idx="2">
+            <a:schemeClr val="accent1">
+              <a:shade val="50000"/>
+            </a:schemeClr>
+          </a:lnRef>
+          <a:fillRef idx="1">
+            <a:schemeClr val="accent1"/>
+          </a:fillRef>
+          <a:effectRef idx="0">
+            <a:schemeClr val="accent1"/>
+          </a:effectRef>
+          <a:fontRef idx="minor">
+            <a:schemeClr val="lt1"/>
+          </a:fontRef>
+        </p:style>
+        <p:txBody>
+          <a:bodyPr rtlCol="0" anchor="ctr"/>
+          <a:lstStyle/>
+          <a:p>
+            <a:pPr marL="0" marR="0" lvl="0" indent="0" algn="ctr" defTabSz="914400" rtl="0" eaLnBrk="1" fontAlgn="auto" latinLnBrk="0" hangingPunct="1">
+              <a:lnSpc>
+                <a:spcPct val="100000"/>
+              </a:lnSpc>
+              <a:spcBef>
+                <a:spcPts val="0"/>
+              </a:spcBef>
+              <a:spcAft>
+                <a:spcPts val="0"/>
+              </a:spcAft>
+              <a:buClrTx/>
+              <a:buSzTx/>
+              <a:buFontTx/>
+              <a:buNone/>
+              <a:tabLst/>
+              <a:defRPr/>
+            </a:pPr>
+            <a:endParaRPr kumimoji="0" lang="en-US" sz="1200" b="0" i="0" u="none" strike="noStrike" kern="1200" cap="none" spc="0" normalizeH="0" baseline="0" noProof="0" dirty="0">
+              <a:ln>
+                <a:noFill/>
+              </a:ln>
+              <a:solidFill>
+                <a:prstClr val="white"/>
+              </a:solidFill>
+              <a:effectLst/>
+              <a:uLnTx/>
+              <a:uFillTx/>
+              <a:latin typeface="Calibri Light" panose="020F0302020204030204"/>
+              <a:ea typeface="+mn-ea"/>
+              <a:cs typeface="+mn-cs"/>
+            </a:endParaRPr>
+          </a:p>
+        </p:txBody>
+      </p:sp>
+      <p:sp>
+        <p:nvSpPr>
+          <p:cNvPr id="16" name="Freeform: Shape 59">
+            <a:extLst>
+              <a:ext uri="{FF2B5EF4-FFF2-40B4-BE49-F238E27FC236}">
+                <a16:creationId xmlns:a16="http://schemas.microsoft.com/office/drawing/2014/main" id="{C1E0B01A-549F-543E-515B-823780FAF2F7}"/>
+              </a:ext>
+            </a:extLst>
+          </p:cNvPr>
+          <p:cNvSpPr/>
+          <p:nvPr/>
+        </p:nvSpPr>
+        <p:spPr>
+          <a:xfrm flipH="1">
+            <a:off x="-791939" y="5721910"/>
+            <a:ext cx="14369144" cy="1166882"/>
+          </a:xfrm>
+          <a:custGeom>
+            <a:avLst/>
+            <a:gdLst>
+              <a:gd name="connsiteX0" fmla="*/ 1310303 w 10988503"/>
+              <a:gd name="connsiteY0" fmla="*/ 22 h 1869882"/>
+              <a:gd name="connsiteX1" fmla="*/ 6483550 w 10988503"/>
+              <a:gd name="connsiteY1" fmla="*/ 1580690 h 1869882"/>
+              <a:gd name="connsiteX2" fmla="*/ 10974880 w 10988503"/>
+              <a:gd name="connsiteY2" fmla="*/ 1866382 h 1869882"/>
+              <a:gd name="connsiteX3" fmla="*/ 10988503 w 10988503"/>
+              <a:gd name="connsiteY3" fmla="*/ 1869882 h 1869882"/>
+              <a:gd name="connsiteX4" fmla="*/ 0 w 10988503"/>
+              <a:gd name="connsiteY4" fmla="*/ 1869882 h 1869882"/>
+              <a:gd name="connsiteX5" fmla="*/ 0 w 10988503"/>
+              <a:gd name="connsiteY5" fmla="*/ 1794198 h 1869882"/>
+              <a:gd name="connsiteX6" fmla="*/ 0 w 10988503"/>
+              <a:gd name="connsiteY6" fmla="*/ 334669 h 1869882"/>
+              <a:gd name="connsiteX7" fmla="*/ 1310303 w 10988503"/>
+              <a:gd name="connsiteY7" fmla="*/ 22 h 1869882"/>
+            </a:gdLst>
+            <a:ahLst/>
+            <a:cxnLst>
+              <a:cxn ang="0">
+                <a:pos x="connsiteX0" y="connsiteY0"/>
+              </a:cxn>
+              <a:cxn ang="0">
+                <a:pos x="connsiteX1" y="connsiteY1"/>
+              </a:cxn>
+              <a:cxn ang="0">
+                <a:pos x="connsiteX2" y="connsiteY2"/>
+              </a:cxn>
+              <a:cxn ang="0">
+                <a:pos x="connsiteX3" y="connsiteY3"/>
+              </a:cxn>
+              <a:cxn ang="0">
+                <a:pos x="connsiteX4" y="connsiteY4"/>
+              </a:cxn>
+              <a:cxn ang="0">
+                <a:pos x="connsiteX5" y="connsiteY5"/>
+              </a:cxn>
+              <a:cxn ang="0">
+                <a:pos x="connsiteX6" y="connsiteY6"/>
+              </a:cxn>
+              <a:cxn ang="0">
+                <a:pos x="connsiteX7" y="connsiteY7"/>
+              </a:cxn>
+            </a:cxnLst>
+            <a:rect l="l" t="t" r="r" b="b"/>
+            <a:pathLst>
+              <a:path w="10988503" h="1869882">
+                <a:moveTo>
+                  <a:pt x="1310303" y="22"/>
+                </a:moveTo>
+                <a:cubicBezTo>
+                  <a:pt x="3087798" y="-7336"/>
+                  <a:pt x="4449871" y="1761474"/>
+                  <a:pt x="6483550" y="1580690"/>
+                </a:cubicBezTo>
+                <a:cubicBezTo>
+                  <a:pt x="8348226" y="1415442"/>
+                  <a:pt x="9844847" y="1591559"/>
+                  <a:pt x="10974880" y="1866382"/>
+                </a:cubicBezTo>
+                <a:lnTo>
+                  <a:pt x="10988503" y="1869882"/>
+                </a:lnTo>
+                <a:lnTo>
+                  <a:pt x="0" y="1869882"/>
+                </a:lnTo>
+                <a:lnTo>
+                  <a:pt x="0" y="1794198"/>
+                </a:lnTo>
+                <a:cubicBezTo>
+                  <a:pt x="0" y="1432462"/>
+                  <a:pt x="0" y="957720"/>
+                  <a:pt x="0" y="334669"/>
+                </a:cubicBezTo>
+                <a:cubicBezTo>
+                  <a:pt x="467797" y="98006"/>
+                  <a:pt x="900111" y="1719"/>
+                  <a:pt x="1310303" y="22"/>
+                </a:cubicBezTo>
+                <a:close/>
+              </a:path>
+            </a:pathLst>
+          </a:custGeom>
+          <a:gradFill>
+            <a:gsLst>
+              <a:gs pos="43750">
+                <a:schemeClr val="accent1">
+                  <a:lumMod val="77000"/>
+                </a:schemeClr>
+              </a:gs>
+              <a:gs pos="42000">
+                <a:schemeClr val="accent1">
+                  <a:lumMod val="75000"/>
+                </a:schemeClr>
+              </a:gs>
+              <a:gs pos="0">
+                <a:srgbClr val="393762"/>
+              </a:gs>
+              <a:gs pos="77000">
+                <a:schemeClr val="accent1">
+                  <a:lumMod val="60000"/>
+                  <a:lumOff val="40000"/>
+                </a:schemeClr>
+              </a:gs>
+              <a:gs pos="100000">
+                <a:srgbClr val="0CFA00"/>
+              </a:gs>
+            </a:gsLst>
+            <a:lin ang="2700000" scaled="1"/>
+          </a:gradFill>
+          <a:ln>
+            <a:noFill/>
+          </a:ln>
+        </p:spPr>
+        <p:style>
+          <a:lnRef idx="2">
+            <a:schemeClr val="accent1">
+              <a:shade val="50000"/>
+            </a:schemeClr>
+          </a:lnRef>
+          <a:fillRef idx="1">
+            <a:schemeClr val="accent1"/>
+          </a:fillRef>
+          <a:effectRef idx="0">
+            <a:schemeClr val="accent1"/>
+          </a:effectRef>
+          <a:fontRef idx="minor">
+            <a:schemeClr val="lt1"/>
+          </a:fontRef>
+        </p:style>
+        <p:txBody>
+          <a:bodyPr rtlCol="0" anchor="ctr"/>
+          <a:lstStyle/>
+          <a:p>
+            <a:pPr algn="ctr"/>
+            <a:endParaRPr lang="en-US" dirty="0"/>
+          </a:p>
+        </p:txBody>
+      </p:sp>
+      <p:sp>
+        <p:nvSpPr>
+          <p:cNvPr id="4" name="Rectangle 167">
+            <a:extLst>
+              <a:ext uri="{FF2B5EF4-FFF2-40B4-BE49-F238E27FC236}">
+                <a16:creationId xmlns:a16="http://schemas.microsoft.com/office/drawing/2014/main" id="{AC110D82-467A-EB52-EAA2-B6760A88DC57}"/>
+              </a:ext>
+            </a:extLst>
+          </p:cNvPr>
+          <p:cNvSpPr/>
+          <p:nvPr/>
+        </p:nvSpPr>
+        <p:spPr>
+          <a:xfrm flipV="1">
+            <a:off x="95251" y="727507"/>
+            <a:ext cx="12001499" cy="18000"/>
+          </a:xfrm>
+          <a:prstGeom prst="rect">
+            <a:avLst/>
+          </a:prstGeom>
+          <a:solidFill>
+            <a:schemeClr val="accent1">
+              <a:lumMod val="50000"/>
+            </a:schemeClr>
+          </a:solidFill>
+          <a:ln>
+            <a:noFill/>
+          </a:ln>
+        </p:spPr>
+        <p:style>
+          <a:lnRef idx="2">
+            <a:schemeClr val="accent1">
+              <a:shade val="50000"/>
+            </a:schemeClr>
+          </a:lnRef>
+          <a:fillRef idx="1">
+            <a:schemeClr val="accent1"/>
+          </a:fillRef>
+          <a:effectRef idx="0">
+            <a:schemeClr val="accent1"/>
+          </a:effectRef>
+          <a:fontRef idx="minor">
+            <a:schemeClr val="lt1"/>
+          </a:fontRef>
+        </p:style>
+        <p:txBody>
+          <a:bodyPr rtlCol="0" anchor="ctr"/>
+          <a:lstStyle/>
+          <a:p>
+            <a:pPr marL="0" marR="0" lvl="0" indent="0" algn="ctr" defTabSz="914400" rtl="0" eaLnBrk="1" fontAlgn="auto" latinLnBrk="0" hangingPunct="1">
+              <a:lnSpc>
+                <a:spcPct val="100000"/>
+              </a:lnSpc>
+              <a:spcBef>
+                <a:spcPts val="0"/>
+              </a:spcBef>
+              <a:spcAft>
+                <a:spcPts val="0"/>
+              </a:spcAft>
+              <a:buClrTx/>
+              <a:buSzTx/>
+              <a:buFontTx/>
+              <a:buNone/>
+              <a:tabLst/>
+              <a:defRPr/>
+            </a:pPr>
+            <a:endParaRPr kumimoji="0" lang="en-US" sz="1800" b="0" i="0" u="none" strike="noStrike" kern="1200" cap="none" spc="0" normalizeH="0" baseline="0" noProof="0" dirty="0">
+              <a:ln>
+                <a:noFill/>
+              </a:ln>
+              <a:solidFill>
+                <a:prstClr val="white"/>
+              </a:solidFill>
+              <a:effectLst/>
+              <a:uLnTx/>
+              <a:uFillTx/>
+              <a:latin typeface="Calibri" panose="020F0502020204030204"/>
+              <a:ea typeface="+mn-ea"/>
+              <a:cs typeface="+mn-cs"/>
+            </a:endParaRPr>
+          </a:p>
+        </p:txBody>
+      </p:sp>
+      <p:sp>
+        <p:nvSpPr>
+          <p:cNvPr id="2" name="CasellaDiTesto 1">
+            <a:extLst>
+              <a:ext uri="{FF2B5EF4-FFF2-40B4-BE49-F238E27FC236}">
+                <a16:creationId xmlns:a16="http://schemas.microsoft.com/office/drawing/2014/main" id="{C16A59F9-9388-ED2E-68E8-8B9E595FC9BB}"/>
+              </a:ext>
+            </a:extLst>
+          </p:cNvPr>
+          <p:cNvSpPr txBox="1"/>
+          <p:nvPr/>
+        </p:nvSpPr>
+        <p:spPr>
+          <a:xfrm>
+            <a:off x="3352556" y="1797654"/>
+            <a:ext cx="5486887" cy="2677656"/>
+          </a:xfrm>
+          <a:prstGeom prst="rect">
+            <a:avLst/>
+          </a:prstGeom>
+          <a:noFill/>
+        </p:spPr>
+        <p:txBody>
+          <a:bodyPr wrap="none" rtlCol="0">
+            <a:spAutoFit/>
+          </a:bodyPr>
+          <a:lstStyle/>
+          <a:p>
+            <a:pPr marL="285750" indent="-285750">
+              <a:buFont typeface="Arial" panose="020B0604020202020204" pitchFamily="34" charset="0"/>
+              <a:buChar char="•"/>
+            </a:pPr>
+            <a:r>
+              <a:rPr lang="it-IT" sz="2800" dirty="0">
+                <a:latin typeface="Segoe UI" panose="020B0502040204020203" pitchFamily="34" charset="0"/>
+                <a:cs typeface="Segoe UI" panose="020B0502040204020203" pitchFamily="34" charset="0"/>
+              </a:rPr>
+              <a:t>AI models cost</a:t>
+            </a:r>
+          </a:p>
+          <a:p>
+            <a:pPr marL="914400" lvl="1" indent="-457200">
+              <a:buFont typeface="Wingdings" panose="05000000000000000000" pitchFamily="2" charset="2"/>
+              <a:buChar char="Ø"/>
+            </a:pPr>
+            <a:r>
+              <a:rPr lang="it-IT" sz="2800" dirty="0" err="1">
+                <a:latin typeface="Segoe UI" panose="020B0502040204020203" pitchFamily="34" charset="0"/>
+                <a:cs typeface="Segoe UI" panose="020B0502040204020203" pitchFamily="34" charset="0"/>
+              </a:rPr>
+              <a:t>Fixed</a:t>
+            </a:r>
+            <a:r>
+              <a:rPr lang="it-IT" sz="2800" dirty="0">
+                <a:latin typeface="Segoe UI" panose="020B0502040204020203" pitchFamily="34" charset="0"/>
+                <a:cs typeface="Segoe UI" panose="020B0502040204020203" pitchFamily="34" charset="0"/>
+              </a:rPr>
+              <a:t> + </a:t>
+            </a:r>
+            <a:r>
+              <a:rPr lang="it-IT" sz="2800" dirty="0" err="1">
+                <a:latin typeface="Segoe UI" panose="020B0502040204020203" pitchFamily="34" charset="0"/>
+                <a:cs typeface="Segoe UI" panose="020B0502040204020203" pitchFamily="34" charset="0"/>
+              </a:rPr>
+              <a:t>pay</a:t>
+            </a:r>
+            <a:r>
+              <a:rPr lang="it-IT" sz="2800" dirty="0">
+                <a:latin typeface="Segoe UI" panose="020B0502040204020203" pitchFamily="34" charset="0"/>
+                <a:cs typeface="Segoe UI" panose="020B0502040204020203" pitchFamily="34" charset="0"/>
+              </a:rPr>
+              <a:t>-per-use</a:t>
+            </a:r>
+            <a:br>
+              <a:rPr lang="it-IT" sz="2800" dirty="0">
+                <a:latin typeface="Segoe UI" panose="020B0502040204020203" pitchFamily="34" charset="0"/>
+                <a:cs typeface="Segoe UI" panose="020B0502040204020203" pitchFamily="34" charset="0"/>
+              </a:rPr>
+            </a:br>
+            <a:endParaRPr lang="it-IT" sz="2800" dirty="0">
+              <a:latin typeface="Segoe UI" panose="020B0502040204020203" pitchFamily="34" charset="0"/>
+              <a:cs typeface="Segoe UI" panose="020B0502040204020203" pitchFamily="34" charset="0"/>
+            </a:endParaRPr>
+          </a:p>
+          <a:p>
+            <a:pPr marL="914400" lvl="1" indent="-457200">
+              <a:buFont typeface="Wingdings" panose="05000000000000000000" pitchFamily="2" charset="2"/>
+              <a:buChar char="Ø"/>
+            </a:pPr>
+            <a:endParaRPr lang="it-IT" sz="2800" dirty="0">
+              <a:latin typeface="Segoe UI" panose="020B0502040204020203" pitchFamily="34" charset="0"/>
+              <a:cs typeface="Segoe UI" panose="020B0502040204020203" pitchFamily="34" charset="0"/>
+            </a:endParaRPr>
+          </a:p>
+          <a:p>
+            <a:pPr marL="285750" indent="-285750">
+              <a:buFont typeface="Arial" panose="020B0604020202020204" pitchFamily="34" charset="0"/>
+              <a:buChar char="•"/>
+            </a:pPr>
+            <a:r>
+              <a:rPr lang="it-IT" sz="2800" dirty="0">
+                <a:latin typeface="Segoe UI" panose="020B0502040204020203" pitchFamily="34" charset="0"/>
+                <a:cs typeface="Segoe UI" panose="020B0502040204020203" pitchFamily="34" charset="0"/>
+              </a:rPr>
+              <a:t>Engineering/</a:t>
+            </a:r>
+            <a:r>
+              <a:rPr lang="it-IT" sz="2800" dirty="0" err="1">
+                <a:latin typeface="Segoe UI" panose="020B0502040204020203" pitchFamily="34" charset="0"/>
+                <a:cs typeface="Segoe UI" panose="020B0502040204020203" pitchFamily="34" charset="0"/>
+              </a:rPr>
+              <a:t>development</a:t>
+            </a:r>
+            <a:r>
+              <a:rPr lang="it-IT" sz="2800" dirty="0">
+                <a:latin typeface="Segoe UI" panose="020B0502040204020203" pitchFamily="34" charset="0"/>
+                <a:cs typeface="Segoe UI" panose="020B0502040204020203" pitchFamily="34" charset="0"/>
+              </a:rPr>
+              <a:t> costs</a:t>
+            </a:r>
+          </a:p>
+          <a:p>
+            <a:pPr marL="914400" lvl="1" indent="-457200">
+              <a:buFont typeface="Wingdings" panose="05000000000000000000" pitchFamily="2" charset="2"/>
+              <a:buChar char="Ø"/>
+            </a:pPr>
+            <a:r>
+              <a:rPr lang="it-IT" sz="2800" dirty="0" err="1">
+                <a:latin typeface="Segoe UI" panose="020B0502040204020203" pitchFamily="34" charset="0"/>
+                <a:cs typeface="Segoe UI" panose="020B0502040204020203" pitchFamily="34" charset="0"/>
+              </a:rPr>
+              <a:t>Fixed</a:t>
+            </a:r>
+            <a:r>
+              <a:rPr lang="it-IT" sz="2800" dirty="0">
+                <a:latin typeface="Segoe UI" panose="020B0502040204020203" pitchFamily="34" charset="0"/>
+                <a:cs typeface="Segoe UI" panose="020B0502040204020203" pitchFamily="34" charset="0"/>
+              </a:rPr>
+              <a:t> cost</a:t>
+            </a:r>
+          </a:p>
+        </p:txBody>
+      </p:sp>
+    </p:spTree>
+    <p:extLst>
+      <p:ext uri="{BB962C8B-B14F-4D97-AF65-F5344CB8AC3E}">
+        <p14:creationId xmlns:p14="http://schemas.microsoft.com/office/powerpoint/2010/main" val="3471105357"/>
+      </p:ext>
+    </p:extLst>
+  </p:cSld>
+  <p:clrMapOvr>
+    <a:masterClrMapping/>
+  </p:clrMapOvr>
+</p:sld>
+</file>
+
+<file path=ppt/slides/slide13.xml><?xml version="1.0" encoding="utf-8"?>
 <p:sld xmlns:a="http://schemas.openxmlformats.org/drawingml/2006/main" xmlns:r="http://schemas.openxmlformats.org/officeDocument/2006/relationships" xmlns:p="http://schemas.openxmlformats.org/presentationml/2006/main">
   <p:cSld>
     <p:spTree>
@@ -12875,7 +14157,7 @@
 </p:sld>
 </file>
 
-<file path=ppt/slides/slide13.xml><?xml version="1.0" encoding="utf-8"?>
+<file path=ppt/slides/slide14.xml><?xml version="1.0" encoding="utf-8"?>
 <p:sld xmlns:a="http://schemas.openxmlformats.org/drawingml/2006/main" xmlns:r="http://schemas.openxmlformats.org/officeDocument/2006/relationships" xmlns:p="http://schemas.openxmlformats.org/presentationml/2006/main">
   <p:cSld>
     <p:spTree>
@@ -13319,7 +14601,7 @@
         </p:blipFill>
         <p:spPr>
           <a:xfrm>
-            <a:off x="4572000" y="2186969"/>
+            <a:off x="4581377" y="2255593"/>
             <a:ext cx="5460440" cy="3736090"/>
           </a:xfrm>
           <a:prstGeom prst="rect">
@@ -13340,7 +14622,612 @@
 </p:sld>
 </file>
 
-<file path=ppt/slides/slide14.xml><?xml version="1.0" encoding="utf-8"?>
+<file path=ppt/slides/slide15.xml><?xml version="1.0" encoding="utf-8"?>
+<p:sld xmlns:a="http://schemas.openxmlformats.org/drawingml/2006/main" xmlns:r="http://schemas.openxmlformats.org/officeDocument/2006/relationships" xmlns:p="http://schemas.openxmlformats.org/presentationml/2006/main">
+  <p:cSld>
+    <p:spTree>
+      <p:nvGrpSpPr>
+        <p:cNvPr id="1" name=""/>
+        <p:cNvGrpSpPr/>
+        <p:nvPr/>
+      </p:nvGrpSpPr>
+      <p:grpSpPr>
+        <a:xfrm>
+          <a:off x="0" y="0"/>
+          <a:ext cx="0" cy="0"/>
+          <a:chOff x="0" y="0"/>
+          <a:chExt cx="0" cy="0"/>
+        </a:xfrm>
+      </p:grpSpPr>
+      <p:sp>
+        <p:nvSpPr>
+          <p:cNvPr id="2" name="Rectangle 43">
+            <a:extLst>
+              <a:ext uri="{FF2B5EF4-FFF2-40B4-BE49-F238E27FC236}">
+                <a16:creationId xmlns:a16="http://schemas.microsoft.com/office/drawing/2014/main" id="{78B07DC1-D9C5-B139-DB20-0BA21BDA27AB}"/>
+              </a:ext>
+            </a:extLst>
+          </p:cNvPr>
+          <p:cNvSpPr/>
+          <p:nvPr/>
+        </p:nvSpPr>
+        <p:spPr>
+          <a:xfrm>
+            <a:off x="2732747" y="208783"/>
+            <a:ext cx="6726506" cy="461665"/>
+          </a:xfrm>
+          <a:prstGeom prst="rect">
+            <a:avLst/>
+          </a:prstGeom>
+        </p:spPr>
+        <p:txBody>
+          <a:bodyPr wrap="square" lIns="0" tIns="0" rIns="0" bIns="0">
+            <a:spAutoFit/>
+          </a:bodyPr>
+          <a:lstStyle/>
+          <a:p>
+            <a:pPr marL="0" marR="0" lvl="0" indent="0" algn="ctr" defTabSz="914400" rtl="0" eaLnBrk="1" fontAlgn="auto" latinLnBrk="0" hangingPunct="1">
+              <a:lnSpc>
+                <a:spcPct val="100000"/>
+              </a:lnSpc>
+              <a:spcBef>
+                <a:spcPts val="0"/>
+              </a:spcBef>
+              <a:spcAft>
+                <a:spcPts val="0"/>
+              </a:spcAft>
+              <a:buClrTx/>
+              <a:buSzTx/>
+              <a:buFontTx/>
+              <a:buNone/>
+              <a:tabLst/>
+              <a:defRPr/>
+            </a:pPr>
+            <a:r>
+              <a:rPr lang="en-US" sz="3000" b="1" dirty="0">
+                <a:solidFill>
+                  <a:srgbClr val="083D65"/>
+                </a:solidFill>
+                <a:latin typeface="Segoe UI" panose="020B0502040204020203" pitchFamily="34" charset="0"/>
+                <a:cs typeface="Segoe UI" panose="020B0502040204020203" pitchFamily="34" charset="0"/>
+              </a:rPr>
+              <a:t>Internal-use Chatbot</a:t>
+            </a:r>
+            <a:endParaRPr kumimoji="0" lang="en-US" sz="3000" b="1" i="0" u="none" strike="noStrike" kern="1200" cap="none" spc="0" normalizeH="0" baseline="0" noProof="0" dirty="0">
+              <a:ln>
+                <a:noFill/>
+              </a:ln>
+              <a:solidFill>
+                <a:srgbClr val="083D65"/>
+              </a:solidFill>
+              <a:effectLst/>
+              <a:uLnTx/>
+              <a:uFillTx/>
+              <a:latin typeface="Segoe UI" panose="020B0502040204020203" pitchFamily="34" charset="0"/>
+              <a:ea typeface="+mn-ea"/>
+              <a:cs typeface="Segoe UI" panose="020B0502040204020203" pitchFamily="34" charset="0"/>
+            </a:endParaRPr>
+          </a:p>
+        </p:txBody>
+      </p:sp>
+      <p:sp>
+        <p:nvSpPr>
+          <p:cNvPr id="3" name="Rectangle 167">
+            <a:extLst>
+              <a:ext uri="{FF2B5EF4-FFF2-40B4-BE49-F238E27FC236}">
+                <a16:creationId xmlns:a16="http://schemas.microsoft.com/office/drawing/2014/main" id="{4DC2E097-2AB8-EB70-1ABD-17478310FCE6}"/>
+              </a:ext>
+            </a:extLst>
+          </p:cNvPr>
+          <p:cNvSpPr/>
+          <p:nvPr/>
+        </p:nvSpPr>
+        <p:spPr>
+          <a:xfrm flipV="1">
+            <a:off x="95251" y="727507"/>
+            <a:ext cx="12001499" cy="18000"/>
+          </a:xfrm>
+          <a:prstGeom prst="rect">
+            <a:avLst/>
+          </a:prstGeom>
+          <a:solidFill>
+            <a:schemeClr val="accent1">
+              <a:lumMod val="50000"/>
+            </a:schemeClr>
+          </a:solidFill>
+          <a:ln>
+            <a:noFill/>
+          </a:ln>
+        </p:spPr>
+        <p:style>
+          <a:lnRef idx="2">
+            <a:schemeClr val="accent1">
+              <a:shade val="50000"/>
+            </a:schemeClr>
+          </a:lnRef>
+          <a:fillRef idx="1">
+            <a:schemeClr val="accent1"/>
+          </a:fillRef>
+          <a:effectRef idx="0">
+            <a:schemeClr val="accent1"/>
+          </a:effectRef>
+          <a:fontRef idx="minor">
+            <a:schemeClr val="lt1"/>
+          </a:fontRef>
+        </p:style>
+        <p:txBody>
+          <a:bodyPr rtlCol="0" anchor="ctr"/>
+          <a:lstStyle/>
+          <a:p>
+            <a:pPr marL="0" marR="0" lvl="0" indent="0" algn="ctr" defTabSz="914400" rtl="0" eaLnBrk="1" fontAlgn="auto" latinLnBrk="0" hangingPunct="1">
+              <a:lnSpc>
+                <a:spcPct val="100000"/>
+              </a:lnSpc>
+              <a:spcBef>
+                <a:spcPts val="0"/>
+              </a:spcBef>
+              <a:spcAft>
+                <a:spcPts val="0"/>
+              </a:spcAft>
+              <a:buClrTx/>
+              <a:buSzTx/>
+              <a:buFontTx/>
+              <a:buNone/>
+              <a:tabLst/>
+              <a:defRPr/>
+            </a:pPr>
+            <a:endParaRPr kumimoji="0" lang="en-US" sz="1800" b="0" i="0" u="none" strike="noStrike" kern="1200" cap="none" spc="0" normalizeH="0" baseline="0" noProof="0" dirty="0">
+              <a:ln>
+                <a:noFill/>
+              </a:ln>
+              <a:solidFill>
+                <a:prstClr val="white"/>
+              </a:solidFill>
+              <a:effectLst/>
+              <a:uLnTx/>
+              <a:uFillTx/>
+              <a:latin typeface="Calibri" panose="020F0502020204030204"/>
+              <a:ea typeface="+mn-ea"/>
+              <a:cs typeface="+mn-cs"/>
+            </a:endParaRPr>
+          </a:p>
+        </p:txBody>
+      </p:sp>
+      <p:sp>
+        <p:nvSpPr>
+          <p:cNvPr id="16" name="Freeform: Shape 59">
+            <a:extLst>
+              <a:ext uri="{FF2B5EF4-FFF2-40B4-BE49-F238E27FC236}">
+                <a16:creationId xmlns:a16="http://schemas.microsoft.com/office/drawing/2014/main" id="{2F0319DD-4B8B-34E9-487F-B4C0748E94D3}"/>
+              </a:ext>
+            </a:extLst>
+          </p:cNvPr>
+          <p:cNvSpPr/>
+          <p:nvPr/>
+        </p:nvSpPr>
+        <p:spPr>
+          <a:xfrm>
+            <a:off x="-4464332" y="4988118"/>
+            <a:ext cx="10988503" cy="1869882"/>
+          </a:xfrm>
+          <a:custGeom>
+            <a:avLst/>
+            <a:gdLst>
+              <a:gd name="connsiteX0" fmla="*/ 1310303 w 10988503"/>
+              <a:gd name="connsiteY0" fmla="*/ 22 h 1869882"/>
+              <a:gd name="connsiteX1" fmla="*/ 6483550 w 10988503"/>
+              <a:gd name="connsiteY1" fmla="*/ 1580690 h 1869882"/>
+              <a:gd name="connsiteX2" fmla="*/ 10974880 w 10988503"/>
+              <a:gd name="connsiteY2" fmla="*/ 1866382 h 1869882"/>
+              <a:gd name="connsiteX3" fmla="*/ 10988503 w 10988503"/>
+              <a:gd name="connsiteY3" fmla="*/ 1869882 h 1869882"/>
+              <a:gd name="connsiteX4" fmla="*/ 0 w 10988503"/>
+              <a:gd name="connsiteY4" fmla="*/ 1869882 h 1869882"/>
+              <a:gd name="connsiteX5" fmla="*/ 0 w 10988503"/>
+              <a:gd name="connsiteY5" fmla="*/ 1794198 h 1869882"/>
+              <a:gd name="connsiteX6" fmla="*/ 0 w 10988503"/>
+              <a:gd name="connsiteY6" fmla="*/ 334669 h 1869882"/>
+              <a:gd name="connsiteX7" fmla="*/ 1310303 w 10988503"/>
+              <a:gd name="connsiteY7" fmla="*/ 22 h 1869882"/>
+            </a:gdLst>
+            <a:ahLst/>
+            <a:cxnLst>
+              <a:cxn ang="0">
+                <a:pos x="connsiteX0" y="connsiteY0"/>
+              </a:cxn>
+              <a:cxn ang="0">
+                <a:pos x="connsiteX1" y="connsiteY1"/>
+              </a:cxn>
+              <a:cxn ang="0">
+                <a:pos x="connsiteX2" y="connsiteY2"/>
+              </a:cxn>
+              <a:cxn ang="0">
+                <a:pos x="connsiteX3" y="connsiteY3"/>
+              </a:cxn>
+              <a:cxn ang="0">
+                <a:pos x="connsiteX4" y="connsiteY4"/>
+              </a:cxn>
+              <a:cxn ang="0">
+                <a:pos x="connsiteX5" y="connsiteY5"/>
+              </a:cxn>
+              <a:cxn ang="0">
+                <a:pos x="connsiteX6" y="connsiteY6"/>
+              </a:cxn>
+              <a:cxn ang="0">
+                <a:pos x="connsiteX7" y="connsiteY7"/>
+              </a:cxn>
+            </a:cxnLst>
+            <a:rect l="l" t="t" r="r" b="b"/>
+            <a:pathLst>
+              <a:path w="10988503" h="1869882">
+                <a:moveTo>
+                  <a:pt x="1310303" y="22"/>
+                </a:moveTo>
+                <a:cubicBezTo>
+                  <a:pt x="3087798" y="-7336"/>
+                  <a:pt x="4449871" y="1761474"/>
+                  <a:pt x="6483550" y="1580690"/>
+                </a:cubicBezTo>
+                <a:cubicBezTo>
+                  <a:pt x="8348226" y="1415442"/>
+                  <a:pt x="9844847" y="1591559"/>
+                  <a:pt x="10974880" y="1866382"/>
+                </a:cubicBezTo>
+                <a:lnTo>
+                  <a:pt x="10988503" y="1869882"/>
+                </a:lnTo>
+                <a:lnTo>
+                  <a:pt x="0" y="1869882"/>
+                </a:lnTo>
+                <a:lnTo>
+                  <a:pt x="0" y="1794198"/>
+                </a:lnTo>
+                <a:cubicBezTo>
+                  <a:pt x="0" y="1432462"/>
+                  <a:pt x="0" y="957720"/>
+                  <a:pt x="0" y="334669"/>
+                </a:cubicBezTo>
+                <a:cubicBezTo>
+                  <a:pt x="467797" y="98006"/>
+                  <a:pt x="900111" y="1719"/>
+                  <a:pt x="1310303" y="22"/>
+                </a:cubicBezTo>
+                <a:close/>
+              </a:path>
+            </a:pathLst>
+          </a:custGeom>
+          <a:gradFill>
+            <a:gsLst>
+              <a:gs pos="43750">
+                <a:schemeClr val="accent1">
+                  <a:lumMod val="77000"/>
+                </a:schemeClr>
+              </a:gs>
+              <a:gs pos="42000">
+                <a:schemeClr val="accent1">
+                  <a:lumMod val="75000"/>
+                </a:schemeClr>
+              </a:gs>
+              <a:gs pos="0">
+                <a:srgbClr val="393762"/>
+              </a:gs>
+              <a:gs pos="77000">
+                <a:schemeClr val="accent1">
+                  <a:lumMod val="60000"/>
+                  <a:lumOff val="40000"/>
+                </a:schemeClr>
+              </a:gs>
+              <a:gs pos="100000">
+                <a:srgbClr val="0CFA00"/>
+              </a:gs>
+            </a:gsLst>
+            <a:lin ang="2700000" scaled="1"/>
+          </a:gradFill>
+          <a:ln>
+            <a:noFill/>
+          </a:ln>
+        </p:spPr>
+        <p:style>
+          <a:lnRef idx="2">
+            <a:schemeClr val="accent1">
+              <a:shade val="50000"/>
+            </a:schemeClr>
+          </a:lnRef>
+          <a:fillRef idx="1">
+            <a:schemeClr val="accent1"/>
+          </a:fillRef>
+          <a:effectRef idx="0">
+            <a:schemeClr val="accent1"/>
+          </a:effectRef>
+          <a:fontRef idx="minor">
+            <a:schemeClr val="lt1"/>
+          </a:fontRef>
+        </p:style>
+        <p:txBody>
+          <a:bodyPr rtlCol="0" anchor="ctr"/>
+          <a:lstStyle/>
+          <a:p>
+            <a:pPr algn="ctr"/>
+            <a:endParaRPr lang="en-US" dirty="0"/>
+          </a:p>
+        </p:txBody>
+      </p:sp>
+      <p:sp>
+        <p:nvSpPr>
+          <p:cNvPr id="24" name="Freeform: Shape 59">
+            <a:extLst>
+              <a:ext uri="{FF2B5EF4-FFF2-40B4-BE49-F238E27FC236}">
+                <a16:creationId xmlns:a16="http://schemas.microsoft.com/office/drawing/2014/main" id="{AE60204C-FF99-8D70-3ED8-16386FA51EBC}"/>
+              </a:ext>
+            </a:extLst>
+          </p:cNvPr>
+          <p:cNvSpPr/>
+          <p:nvPr/>
+        </p:nvSpPr>
+        <p:spPr>
+          <a:xfrm rot="17986700">
+            <a:off x="6666190" y="855862"/>
+            <a:ext cx="11863276" cy="3623360"/>
+          </a:xfrm>
+          <a:custGeom>
+            <a:avLst/>
+            <a:gdLst>
+              <a:gd name="connsiteX0" fmla="*/ 1310303 w 10988503"/>
+              <a:gd name="connsiteY0" fmla="*/ 22 h 1869882"/>
+              <a:gd name="connsiteX1" fmla="*/ 6483550 w 10988503"/>
+              <a:gd name="connsiteY1" fmla="*/ 1580690 h 1869882"/>
+              <a:gd name="connsiteX2" fmla="*/ 10974880 w 10988503"/>
+              <a:gd name="connsiteY2" fmla="*/ 1866382 h 1869882"/>
+              <a:gd name="connsiteX3" fmla="*/ 10988503 w 10988503"/>
+              <a:gd name="connsiteY3" fmla="*/ 1869882 h 1869882"/>
+              <a:gd name="connsiteX4" fmla="*/ 0 w 10988503"/>
+              <a:gd name="connsiteY4" fmla="*/ 1869882 h 1869882"/>
+              <a:gd name="connsiteX5" fmla="*/ 0 w 10988503"/>
+              <a:gd name="connsiteY5" fmla="*/ 1794198 h 1869882"/>
+              <a:gd name="connsiteX6" fmla="*/ 0 w 10988503"/>
+              <a:gd name="connsiteY6" fmla="*/ 334669 h 1869882"/>
+              <a:gd name="connsiteX7" fmla="*/ 1310303 w 10988503"/>
+              <a:gd name="connsiteY7" fmla="*/ 22 h 1869882"/>
+            </a:gdLst>
+            <a:ahLst/>
+            <a:cxnLst>
+              <a:cxn ang="0">
+                <a:pos x="connsiteX0" y="connsiteY0"/>
+              </a:cxn>
+              <a:cxn ang="0">
+                <a:pos x="connsiteX1" y="connsiteY1"/>
+              </a:cxn>
+              <a:cxn ang="0">
+                <a:pos x="connsiteX2" y="connsiteY2"/>
+              </a:cxn>
+              <a:cxn ang="0">
+                <a:pos x="connsiteX3" y="connsiteY3"/>
+              </a:cxn>
+              <a:cxn ang="0">
+                <a:pos x="connsiteX4" y="connsiteY4"/>
+              </a:cxn>
+              <a:cxn ang="0">
+                <a:pos x="connsiteX5" y="connsiteY5"/>
+              </a:cxn>
+              <a:cxn ang="0">
+                <a:pos x="connsiteX6" y="connsiteY6"/>
+              </a:cxn>
+              <a:cxn ang="0">
+                <a:pos x="connsiteX7" y="connsiteY7"/>
+              </a:cxn>
+            </a:cxnLst>
+            <a:rect l="l" t="t" r="r" b="b"/>
+            <a:pathLst>
+              <a:path w="10988503" h="1869882">
+                <a:moveTo>
+                  <a:pt x="1310303" y="22"/>
+                </a:moveTo>
+                <a:cubicBezTo>
+                  <a:pt x="3087798" y="-7336"/>
+                  <a:pt x="4449871" y="1761474"/>
+                  <a:pt x="6483550" y="1580690"/>
+                </a:cubicBezTo>
+                <a:cubicBezTo>
+                  <a:pt x="8348226" y="1415442"/>
+                  <a:pt x="9844847" y="1591559"/>
+                  <a:pt x="10974880" y="1866382"/>
+                </a:cubicBezTo>
+                <a:lnTo>
+                  <a:pt x="10988503" y="1869882"/>
+                </a:lnTo>
+                <a:lnTo>
+                  <a:pt x="0" y="1869882"/>
+                </a:lnTo>
+                <a:lnTo>
+                  <a:pt x="0" y="1794198"/>
+                </a:lnTo>
+                <a:cubicBezTo>
+                  <a:pt x="0" y="1432462"/>
+                  <a:pt x="0" y="957720"/>
+                  <a:pt x="0" y="334669"/>
+                </a:cubicBezTo>
+                <a:cubicBezTo>
+                  <a:pt x="467797" y="98006"/>
+                  <a:pt x="900111" y="1719"/>
+                  <a:pt x="1310303" y="22"/>
+                </a:cubicBezTo>
+                <a:close/>
+              </a:path>
+            </a:pathLst>
+          </a:custGeom>
+          <a:gradFill>
+            <a:gsLst>
+              <a:gs pos="43750">
+                <a:schemeClr val="accent1">
+                  <a:lumMod val="77000"/>
+                </a:schemeClr>
+              </a:gs>
+              <a:gs pos="42000">
+                <a:schemeClr val="accent1">
+                  <a:lumMod val="75000"/>
+                </a:schemeClr>
+              </a:gs>
+              <a:gs pos="0">
+                <a:srgbClr val="393762"/>
+              </a:gs>
+              <a:gs pos="77000">
+                <a:schemeClr val="accent1">
+                  <a:lumMod val="60000"/>
+                  <a:lumOff val="40000"/>
+                </a:schemeClr>
+              </a:gs>
+              <a:gs pos="100000">
+                <a:srgbClr val="0CFA00"/>
+              </a:gs>
+            </a:gsLst>
+            <a:lin ang="2700000" scaled="1"/>
+          </a:gradFill>
+          <a:ln>
+            <a:noFill/>
+          </a:ln>
+        </p:spPr>
+        <p:style>
+          <a:lnRef idx="2">
+            <a:schemeClr val="accent1">
+              <a:shade val="50000"/>
+            </a:schemeClr>
+          </a:lnRef>
+          <a:fillRef idx="1">
+            <a:schemeClr val="accent1"/>
+          </a:fillRef>
+          <a:effectRef idx="0">
+            <a:schemeClr val="accent1"/>
+          </a:effectRef>
+          <a:fontRef idx="minor">
+            <a:schemeClr val="lt1"/>
+          </a:fontRef>
+        </p:style>
+        <p:txBody>
+          <a:bodyPr rtlCol="0" anchor="ctr"/>
+          <a:lstStyle/>
+          <a:p>
+            <a:pPr algn="ctr"/>
+            <a:endParaRPr lang="en-US" dirty="0"/>
+          </a:p>
+        </p:txBody>
+      </p:sp>
+      <p:sp>
+        <p:nvSpPr>
+          <p:cNvPr id="5" name="TextBox 64">
+            <a:extLst>
+              <a:ext uri="{FF2B5EF4-FFF2-40B4-BE49-F238E27FC236}">
+                <a16:creationId xmlns:a16="http://schemas.microsoft.com/office/drawing/2014/main" id="{91237DFB-F265-7D91-C1A4-7AA2AEEC2594}"/>
+              </a:ext>
+            </a:extLst>
+          </p:cNvPr>
+          <p:cNvSpPr txBox="1"/>
+          <p:nvPr/>
+        </p:nvSpPr>
+        <p:spPr>
+          <a:xfrm>
+            <a:off x="508905" y="1869882"/>
+            <a:ext cx="11683095" cy="1538883"/>
+          </a:xfrm>
+          <a:prstGeom prst="rect">
+            <a:avLst/>
+          </a:prstGeom>
+          <a:noFill/>
+          <a:ln>
+            <a:noFill/>
+          </a:ln>
+        </p:spPr>
+        <p:txBody>
+          <a:bodyPr wrap="square" lIns="0" tIns="0" rIns="0" bIns="0" rtlCol="0" anchor="ctr">
+            <a:spAutoFit/>
+          </a:bodyPr>
+          <a:lstStyle/>
+          <a:p>
+            <a:pPr marL="285750" indent="-285750">
+              <a:buClr>
+                <a:srgbClr val="002060"/>
+              </a:buClr>
+              <a:buFont typeface="Arial" panose="020B0604020202020204" pitchFamily="34" charset="0"/>
+              <a:buChar char="•"/>
+            </a:pPr>
+            <a:r>
+              <a:rPr lang="en-US" sz="2800" dirty="0">
+                <a:solidFill>
+                  <a:srgbClr val="002060"/>
+                </a:solidFill>
+                <a:latin typeface="Segoe UI" panose="020B0502040204020203" pitchFamily="34" charset="0"/>
+                <a:cs typeface="Segoe UI" panose="020B0502040204020203" pitchFamily="34" charset="0"/>
+              </a:rPr>
+              <a:t>Future expansion of some functions into an internal-use chatbot</a:t>
+            </a:r>
+          </a:p>
+          <a:p>
+            <a:pPr marL="742950" lvl="1" indent="-285750">
+              <a:buClr>
+                <a:srgbClr val="002060"/>
+              </a:buClr>
+              <a:buFont typeface="Wingdings" panose="05000000000000000000" pitchFamily="2" charset="2"/>
+              <a:buChar char="Ø"/>
+            </a:pPr>
+            <a:r>
+              <a:rPr lang="en-US" sz="2800" dirty="0">
+                <a:solidFill>
+                  <a:srgbClr val="002060"/>
+                </a:solidFill>
+                <a:latin typeface="Segoe UI" panose="020B0502040204020203" pitchFamily="34" charset="0"/>
+                <a:cs typeface="Segoe UI" panose="020B0502040204020203" pitchFamily="34" charset="0"/>
+              </a:rPr>
+              <a:t>Targets employees</a:t>
+            </a:r>
+          </a:p>
+          <a:p>
+            <a:pPr marL="742950" lvl="1" indent="-285750">
+              <a:buClr>
+                <a:srgbClr val="002060"/>
+              </a:buClr>
+              <a:buFont typeface="Wingdings" panose="05000000000000000000" pitchFamily="2" charset="2"/>
+              <a:buChar char="Ø"/>
+            </a:pPr>
+            <a:r>
+              <a:rPr lang="en-US" sz="2800" dirty="0">
+                <a:solidFill>
+                  <a:srgbClr val="002060"/>
+                </a:solidFill>
+                <a:latin typeface="Segoe UI" panose="020B0502040204020203" pitchFamily="34" charset="0"/>
+                <a:cs typeface="Segoe UI" panose="020B0502040204020203" pitchFamily="34" charset="0"/>
+              </a:rPr>
+              <a:t>Offers aid in troubleshooting and KB access</a:t>
+            </a:r>
+          </a:p>
+          <a:p>
+            <a:pPr>
+              <a:buClr>
+                <a:srgbClr val="002060"/>
+              </a:buClr>
+            </a:pPr>
+            <a:endParaRPr lang="en-US" sz="1600" dirty="0">
+              <a:solidFill>
+                <a:srgbClr val="002060"/>
+              </a:solidFill>
+              <a:latin typeface="Segoe UI" panose="020B0502040204020203" pitchFamily="34" charset="0"/>
+              <a:cs typeface="Segoe UI" panose="020B0502040204020203" pitchFamily="34" charset="0"/>
+            </a:endParaRPr>
+          </a:p>
+        </p:txBody>
+      </p:sp>
+    </p:spTree>
+    <p:extLst>
+      <p:ext uri="{BB962C8B-B14F-4D97-AF65-F5344CB8AC3E}">
+        <p14:creationId xmlns:p14="http://schemas.microsoft.com/office/powerpoint/2010/main" val="3497166794"/>
+      </p:ext>
+    </p:extLst>
+  </p:cSld>
+  <p:clrMapOvr>
+    <a:masterClrMapping/>
+  </p:clrMapOvr>
+</p:sld>
+</file>
+
+<file path=ppt/slides/slide16.xml><?xml version="1.0" encoding="utf-8"?>
 <p:sld xmlns:a="http://schemas.openxmlformats.org/drawingml/2006/main" xmlns:r="http://schemas.openxmlformats.org/officeDocument/2006/relationships" xmlns:p="http://schemas.openxmlformats.org/presentationml/2006/main">
   <p:cSld>
     <p:spTree>
